--- a/Creative Writing 101.pptx
+++ b/Creative Writing 101.pptx
@@ -5,7 +5,7 @@
     <p:sldMasterId id="2147483648" r:id="rId1"/>
   </p:sldMasterIdLst>
   <p:notesMasterIdLst>
-    <p:notesMasterId r:id="rId15"/>
+    <p:notesMasterId r:id="rId18"/>
   </p:notesMasterIdLst>
   <p:sldIdLst>
     <p:sldId id="256" r:id="rId2"/>
@@ -16,11 +16,14 @@
     <p:sldId id="262" r:id="rId7"/>
     <p:sldId id="263" r:id="rId8"/>
     <p:sldId id="268" r:id="rId9"/>
-    <p:sldId id="264" r:id="rId10"/>
-    <p:sldId id="265" r:id="rId11"/>
-    <p:sldId id="269" r:id="rId12"/>
-    <p:sldId id="267" r:id="rId13"/>
-    <p:sldId id="266" r:id="rId14"/>
+    <p:sldId id="265" r:id="rId10"/>
+    <p:sldId id="270" r:id="rId11"/>
+    <p:sldId id="271" r:id="rId12"/>
+    <p:sldId id="272" r:id="rId13"/>
+    <p:sldId id="273" r:id="rId14"/>
+    <p:sldId id="269" r:id="rId15"/>
+    <p:sldId id="267" r:id="rId16"/>
+    <p:sldId id="266" r:id="rId17"/>
   </p:sldIdLst>
   <p:sldSz cx="9144000" cy="6858000" type="screen4x3"/>
   <p:notesSz cx="6858000" cy="9144000"/>
@@ -121,7 +124,7 @@
   </p:defaultTextStyle>
   <p:extLst>
     <p:ext uri="{EFAFB233-063F-42B5-8137-9DF3F51BA10A}">
-      <p15:sldGuideLst xmlns:p15="http://schemas.microsoft.com/office/powerpoint/2012/main">
+      <p15:sldGuideLst xmlns:p15="http://schemas.microsoft.com/office/powerpoint/2012/main" xmlns="">
         <p15:guide id="1" orient="horz" pos="2160">
           <p15:clr>
             <a:srgbClr val="A4A3A4"/>
@@ -140,21 +143,11 @@
 
 <file path=ppt/charts/chart1.xml><?xml version="1.0" encoding="utf-8"?>
 <c:chartSpace xmlns:c="http://schemas.openxmlformats.org/drawingml/2006/chart" xmlns:a="http://schemas.openxmlformats.org/drawingml/2006/main" xmlns:r="http://schemas.openxmlformats.org/officeDocument/2006/relationships">
-  <c:date1904 val="0"/>
-  <c:lang val="es-ES"/>
-  <c:roundedCorners val="0"/>
-  <mc:AlternateContent xmlns:mc="http://schemas.openxmlformats.org/markup-compatibility/2006">
-    <mc:Choice xmlns:c14="http://schemas.microsoft.com/office/drawing/2007/8/2/chart" Requires="c14">
-      <c14:style val="102"/>
-    </mc:Choice>
-    <mc:Fallback>
-      <c:style val="2"/>
-    </mc:Fallback>
-  </mc:AlternateContent>
+  <c:date1904 val="1"/>
+  <c:lang val="de-DE"/>
   <c:chart>
     <c:title>
       <c:layout/>
-      <c:overlay val="0"/>
       <c:spPr>
         <a:noFill/>
         <a:ln>
@@ -167,7 +160,7 @@
         <a:lstStyle/>
         <a:p>
           <a:pPr>
-            <a:defRPr sz="2200" b="1" i="0" u="none" strike="noStrike" kern="1200" baseline="0">
+            <a:defRPr lang="es-ES" sz="2200" b="1" i="0" u="none" strike="noStrike" kern="1200" baseline="0">
               <a:solidFill>
                 <a:schemeClr val="dk1">
                   <a:lumMod val="75000"/>
@@ -179,11 +172,10 @@
               <a:cs typeface="+mn-cs"/>
             </a:defRPr>
           </a:pPr>
-          <a:endParaRPr lang="es-ES"/>
+          <a:endParaRPr lang="de-DE"/>
         </a:p>
       </c:txPr>
     </c:title>
-    <c:autoTitleDeleted val="0"/>
     <c:plotArea>
       <c:layout/>
       <c:pieChart>
@@ -204,7 +196,6 @@
           </c:tx>
           <c:dPt>
             <c:idx val="0"/>
-            <c:bubble3D val="0"/>
             <c:spPr>
               <a:solidFill>
                 <a:schemeClr val="accent1"/>
@@ -223,7 +214,6 @@
           </c:dPt>
           <c:dPt>
             <c:idx val="1"/>
-            <c:bubble3D val="0"/>
             <c:spPr>
               <a:solidFill>
                 <a:schemeClr val="accent2"/>
@@ -242,7 +232,6 @@
           </c:dPt>
           <c:dPt>
             <c:idx val="2"/>
-            <c:bubble3D val="0"/>
             <c:spPr>
               <a:solidFill>
                 <a:schemeClr val="accent3"/>
@@ -261,7 +250,6 @@
           </c:dPt>
           <c:dPt>
             <c:idx val="3"/>
-            <c:bubble3D val="0"/>
             <c:spPr>
               <a:solidFill>
                 <a:schemeClr val="accent4"/>
@@ -312,7 +300,7 @@
               <a:lstStyle/>
               <a:p>
                 <a:pPr>
-                  <a:defRPr sz="1330" b="1" i="0" u="none" strike="noStrike" kern="1200" baseline="0">
+                  <a:defRPr lang="es-ES" sz="1330" b="1" i="0" u="none" strike="noStrike" kern="1200" baseline="0">
                     <a:solidFill>
                       <a:schemeClr val="lt1"/>
                     </a:solidFill>
@@ -321,16 +309,11 @@
                     <a:cs typeface="+mn-cs"/>
                   </a:defRPr>
                 </a:pPr>
-                <a:endParaRPr lang="es-ES"/>
+                <a:endParaRPr lang="de-DE"/>
               </a:p>
             </c:txPr>
             <c:dLblPos val="ctr"/>
-            <c:showLegendKey val="0"/>
-            <c:showVal val="0"/>
-            <c:showCatName val="0"/>
-            <c:showSerName val="0"/>
             <c:showPercent val="1"/>
-            <c:showBubbleSize val="0"/>
             <c:showLeaderLines val="1"/>
             <c:leaderLines>
               <c:spPr>
@@ -394,14 +377,7 @@
           </c:val>
         </c:ser>
         <c:dLbls>
-          <c:dLblPos val="ctr"/>
-          <c:showLegendKey val="0"/>
-          <c:showVal val="0"/>
-          <c:showCatName val="0"/>
-          <c:showSerName val="0"/>
           <c:showPercent val="1"/>
-          <c:showBubbleSize val="0"/>
-          <c:showLeaderLines val="1"/>
         </c:dLbls>
         <c:firstSliceAng val="0"/>
       </c:pieChart>
@@ -416,7 +392,6 @@
     <c:legend>
       <c:legendPos val="r"/>
       <c:layout/>
-      <c:overlay val="0"/>
       <c:spPr>
         <a:solidFill>
           <a:schemeClr val="lt1">
@@ -434,7 +409,7 @@
         <a:lstStyle/>
         <a:p>
           <a:pPr>
-            <a:defRPr sz="1400" b="0" i="0" u="none" strike="noStrike" kern="1200" baseline="0">
+            <a:defRPr lang="es-ES" sz="1400" b="0" i="0" u="none" strike="noStrike" kern="1200" baseline="0">
               <a:solidFill>
                 <a:schemeClr val="dk1">
                   <a:lumMod val="75000"/>
@@ -446,13 +421,12 @@
               <a:cs typeface="+mn-cs"/>
             </a:defRPr>
           </a:pPr>
-          <a:endParaRPr lang="es-ES"/>
+          <a:endParaRPr lang="de-DE"/>
         </a:p>
       </c:txPr>
     </c:legend>
     <c:plotVisOnly val="1"/>
-    <c:dispBlanksAs val="gap"/>
-    <c:showDLblsOverMax val="0"/>
+    <c:dispBlanksAs val="zero"/>
   </c:chart>
   <c:spPr>
     <a:noFill/>
@@ -474,12 +448,2433 @@
       <a:pPr>
         <a:defRPr/>
       </a:pPr>
-      <a:endParaRPr lang="es-ES"/>
+      <a:endParaRPr lang="de-DE"/>
     </a:p>
   </c:txPr>
-  <c:externalData r:id="rId3">
-    <c:autoUpdate val="0"/>
-  </c:externalData>
+  <c:externalData r:id="rId1"/>
+</c:chartSpace>
+</file>
+
+<file path=ppt/charts/chart2.xml><?xml version="1.0" encoding="utf-8"?>
+<c:chartSpace xmlns:c="http://schemas.openxmlformats.org/drawingml/2006/chart" xmlns:a="http://schemas.openxmlformats.org/drawingml/2006/main" xmlns:r="http://schemas.openxmlformats.org/officeDocument/2006/relationships">
+  <c:date1904 val="1"/>
+  <c:lang val="de-DE"/>
+  <c:chart>
+    <c:autoTitleDeleted val="1"/>
+    <c:plotArea>
+      <c:layout>
+        <c:manualLayout>
+          <c:layoutTarget val="inner"/>
+          <c:xMode val="edge"/>
+          <c:yMode val="edge"/>
+          <c:x val="6.6600752575830896E-2"/>
+          <c:y val="8.8504517058032736E-2"/>
+          <c:w val="0.8991094236197833"/>
+          <c:h val="0.80423490434451961"/>
+        </c:manualLayout>
+      </c:layout>
+      <c:scatterChart>
+        <c:scatterStyle val="smoothMarker"/>
+        <c:ser>
+          <c:idx val="0"/>
+          <c:order val="0"/>
+          <c:tx>
+            <c:v>letter by letter</c:v>
+          </c:tx>
+          <c:spPr>
+            <a:ln w="19050" cap="rnd">
+              <a:solidFill>
+                <a:schemeClr val="accent1"/>
+              </a:solidFill>
+              <a:round/>
+            </a:ln>
+            <a:effectLst/>
+          </c:spPr>
+          <c:marker>
+            <c:symbol val="none"/>
+          </c:marker>
+          <c:xVal>
+            <c:numRef>
+              <c:f>List1!$A$2:$A$201</c:f>
+              <c:numCache>
+                <c:formatCode>General</c:formatCode>
+                <c:ptCount val="200"/>
+                <c:pt idx="0">
+                  <c:v>1</c:v>
+                </c:pt>
+                <c:pt idx="1">
+                  <c:v>2</c:v>
+                </c:pt>
+                <c:pt idx="2">
+                  <c:v>3</c:v>
+                </c:pt>
+                <c:pt idx="3">
+                  <c:v>4</c:v>
+                </c:pt>
+                <c:pt idx="4">
+                  <c:v>5</c:v>
+                </c:pt>
+                <c:pt idx="5">
+                  <c:v>6</c:v>
+                </c:pt>
+                <c:pt idx="6">
+                  <c:v>7</c:v>
+                </c:pt>
+                <c:pt idx="7">
+                  <c:v>8</c:v>
+                </c:pt>
+                <c:pt idx="8">
+                  <c:v>9</c:v>
+                </c:pt>
+                <c:pt idx="9">
+                  <c:v>10</c:v>
+                </c:pt>
+                <c:pt idx="10">
+                  <c:v>11</c:v>
+                </c:pt>
+                <c:pt idx="11">
+                  <c:v>12</c:v>
+                </c:pt>
+                <c:pt idx="12">
+                  <c:v>13</c:v>
+                </c:pt>
+                <c:pt idx="13">
+                  <c:v>14</c:v>
+                </c:pt>
+                <c:pt idx="14">
+                  <c:v>15</c:v>
+                </c:pt>
+                <c:pt idx="15">
+                  <c:v>16</c:v>
+                </c:pt>
+                <c:pt idx="16">
+                  <c:v>17</c:v>
+                </c:pt>
+                <c:pt idx="17">
+                  <c:v>18</c:v>
+                </c:pt>
+                <c:pt idx="18">
+                  <c:v>19</c:v>
+                </c:pt>
+                <c:pt idx="19">
+                  <c:v>20</c:v>
+                </c:pt>
+                <c:pt idx="20">
+                  <c:v>21</c:v>
+                </c:pt>
+                <c:pt idx="21">
+                  <c:v>22</c:v>
+                </c:pt>
+                <c:pt idx="22">
+                  <c:v>23</c:v>
+                </c:pt>
+                <c:pt idx="23">
+                  <c:v>24</c:v>
+                </c:pt>
+                <c:pt idx="24">
+                  <c:v>25</c:v>
+                </c:pt>
+                <c:pt idx="25">
+                  <c:v>26</c:v>
+                </c:pt>
+                <c:pt idx="26">
+                  <c:v>27</c:v>
+                </c:pt>
+                <c:pt idx="27">
+                  <c:v>28</c:v>
+                </c:pt>
+                <c:pt idx="28">
+                  <c:v>29</c:v>
+                </c:pt>
+                <c:pt idx="29">
+                  <c:v>30</c:v>
+                </c:pt>
+                <c:pt idx="30">
+                  <c:v>31</c:v>
+                </c:pt>
+                <c:pt idx="31">
+                  <c:v>32</c:v>
+                </c:pt>
+                <c:pt idx="32">
+                  <c:v>33</c:v>
+                </c:pt>
+                <c:pt idx="33">
+                  <c:v>34</c:v>
+                </c:pt>
+                <c:pt idx="34">
+                  <c:v>35</c:v>
+                </c:pt>
+                <c:pt idx="35">
+                  <c:v>36</c:v>
+                </c:pt>
+                <c:pt idx="36">
+                  <c:v>37</c:v>
+                </c:pt>
+                <c:pt idx="37">
+                  <c:v>38</c:v>
+                </c:pt>
+                <c:pt idx="38">
+                  <c:v>39</c:v>
+                </c:pt>
+                <c:pt idx="39">
+                  <c:v>40</c:v>
+                </c:pt>
+                <c:pt idx="40">
+                  <c:v>41</c:v>
+                </c:pt>
+                <c:pt idx="41">
+                  <c:v>42</c:v>
+                </c:pt>
+                <c:pt idx="42">
+                  <c:v>43</c:v>
+                </c:pt>
+                <c:pt idx="43">
+                  <c:v>44</c:v>
+                </c:pt>
+                <c:pt idx="44">
+                  <c:v>45</c:v>
+                </c:pt>
+                <c:pt idx="45">
+                  <c:v>46</c:v>
+                </c:pt>
+                <c:pt idx="46">
+                  <c:v>47</c:v>
+                </c:pt>
+                <c:pt idx="47">
+                  <c:v>48</c:v>
+                </c:pt>
+                <c:pt idx="48">
+                  <c:v>49</c:v>
+                </c:pt>
+                <c:pt idx="49">
+                  <c:v>50</c:v>
+                </c:pt>
+                <c:pt idx="50">
+                  <c:v>51</c:v>
+                </c:pt>
+                <c:pt idx="51">
+                  <c:v>52</c:v>
+                </c:pt>
+                <c:pt idx="52">
+                  <c:v>53</c:v>
+                </c:pt>
+                <c:pt idx="53">
+                  <c:v>54</c:v>
+                </c:pt>
+                <c:pt idx="54">
+                  <c:v>55</c:v>
+                </c:pt>
+                <c:pt idx="55">
+                  <c:v>56</c:v>
+                </c:pt>
+                <c:pt idx="56">
+                  <c:v>57</c:v>
+                </c:pt>
+                <c:pt idx="57">
+                  <c:v>58</c:v>
+                </c:pt>
+                <c:pt idx="58">
+                  <c:v>59</c:v>
+                </c:pt>
+                <c:pt idx="59">
+                  <c:v>60</c:v>
+                </c:pt>
+                <c:pt idx="60">
+                  <c:v>61</c:v>
+                </c:pt>
+                <c:pt idx="61">
+                  <c:v>62</c:v>
+                </c:pt>
+                <c:pt idx="62">
+                  <c:v>63</c:v>
+                </c:pt>
+                <c:pt idx="63">
+                  <c:v>64</c:v>
+                </c:pt>
+                <c:pt idx="64">
+                  <c:v>65</c:v>
+                </c:pt>
+                <c:pt idx="65">
+                  <c:v>66</c:v>
+                </c:pt>
+                <c:pt idx="66">
+                  <c:v>67</c:v>
+                </c:pt>
+                <c:pt idx="67">
+                  <c:v>68</c:v>
+                </c:pt>
+                <c:pt idx="68">
+                  <c:v>69</c:v>
+                </c:pt>
+                <c:pt idx="69">
+                  <c:v>70</c:v>
+                </c:pt>
+                <c:pt idx="70">
+                  <c:v>71</c:v>
+                </c:pt>
+                <c:pt idx="71">
+                  <c:v>72</c:v>
+                </c:pt>
+                <c:pt idx="72">
+                  <c:v>73</c:v>
+                </c:pt>
+                <c:pt idx="73">
+                  <c:v>74</c:v>
+                </c:pt>
+                <c:pt idx="74">
+                  <c:v>75</c:v>
+                </c:pt>
+                <c:pt idx="75">
+                  <c:v>76</c:v>
+                </c:pt>
+                <c:pt idx="76">
+                  <c:v>77</c:v>
+                </c:pt>
+                <c:pt idx="77">
+                  <c:v>78</c:v>
+                </c:pt>
+                <c:pt idx="78">
+                  <c:v>79</c:v>
+                </c:pt>
+                <c:pt idx="79">
+                  <c:v>80</c:v>
+                </c:pt>
+                <c:pt idx="80">
+                  <c:v>81</c:v>
+                </c:pt>
+                <c:pt idx="81">
+                  <c:v>82</c:v>
+                </c:pt>
+                <c:pt idx="82">
+                  <c:v>83</c:v>
+                </c:pt>
+                <c:pt idx="83">
+                  <c:v>84</c:v>
+                </c:pt>
+                <c:pt idx="84">
+                  <c:v>85</c:v>
+                </c:pt>
+                <c:pt idx="85">
+                  <c:v>86</c:v>
+                </c:pt>
+                <c:pt idx="86">
+                  <c:v>87</c:v>
+                </c:pt>
+                <c:pt idx="87">
+                  <c:v>88</c:v>
+                </c:pt>
+                <c:pt idx="88">
+                  <c:v>89</c:v>
+                </c:pt>
+                <c:pt idx="89">
+                  <c:v>90</c:v>
+                </c:pt>
+                <c:pt idx="90">
+                  <c:v>91</c:v>
+                </c:pt>
+                <c:pt idx="91">
+                  <c:v>92</c:v>
+                </c:pt>
+                <c:pt idx="92">
+                  <c:v>93</c:v>
+                </c:pt>
+                <c:pt idx="93">
+                  <c:v>94</c:v>
+                </c:pt>
+                <c:pt idx="94">
+                  <c:v>95</c:v>
+                </c:pt>
+                <c:pt idx="95">
+                  <c:v>96</c:v>
+                </c:pt>
+                <c:pt idx="96">
+                  <c:v>97</c:v>
+                </c:pt>
+                <c:pt idx="97">
+                  <c:v>98</c:v>
+                </c:pt>
+                <c:pt idx="98">
+                  <c:v>99</c:v>
+                </c:pt>
+                <c:pt idx="99">
+                  <c:v>100</c:v>
+                </c:pt>
+                <c:pt idx="100">
+                  <c:v>101</c:v>
+                </c:pt>
+                <c:pt idx="101">
+                  <c:v>102</c:v>
+                </c:pt>
+                <c:pt idx="102">
+                  <c:v>103</c:v>
+                </c:pt>
+                <c:pt idx="103">
+                  <c:v>104</c:v>
+                </c:pt>
+                <c:pt idx="104">
+                  <c:v>105</c:v>
+                </c:pt>
+                <c:pt idx="105">
+                  <c:v>106</c:v>
+                </c:pt>
+                <c:pt idx="106">
+                  <c:v>107</c:v>
+                </c:pt>
+                <c:pt idx="107">
+                  <c:v>108</c:v>
+                </c:pt>
+                <c:pt idx="108">
+                  <c:v>109</c:v>
+                </c:pt>
+                <c:pt idx="109">
+                  <c:v>110</c:v>
+                </c:pt>
+                <c:pt idx="110">
+                  <c:v>111</c:v>
+                </c:pt>
+                <c:pt idx="111">
+                  <c:v>112</c:v>
+                </c:pt>
+                <c:pt idx="112">
+                  <c:v>113</c:v>
+                </c:pt>
+                <c:pt idx="113">
+                  <c:v>114</c:v>
+                </c:pt>
+                <c:pt idx="114">
+                  <c:v>115</c:v>
+                </c:pt>
+                <c:pt idx="115">
+                  <c:v>116</c:v>
+                </c:pt>
+                <c:pt idx="116">
+                  <c:v>117</c:v>
+                </c:pt>
+                <c:pt idx="117">
+                  <c:v>118</c:v>
+                </c:pt>
+                <c:pt idx="118">
+                  <c:v>119</c:v>
+                </c:pt>
+                <c:pt idx="119">
+                  <c:v>120</c:v>
+                </c:pt>
+                <c:pt idx="120">
+                  <c:v>121</c:v>
+                </c:pt>
+                <c:pt idx="121">
+                  <c:v>122</c:v>
+                </c:pt>
+                <c:pt idx="122">
+                  <c:v>123</c:v>
+                </c:pt>
+                <c:pt idx="123">
+                  <c:v>124</c:v>
+                </c:pt>
+                <c:pt idx="124">
+                  <c:v>125</c:v>
+                </c:pt>
+                <c:pt idx="125">
+                  <c:v>126</c:v>
+                </c:pt>
+                <c:pt idx="126">
+                  <c:v>127</c:v>
+                </c:pt>
+                <c:pt idx="127">
+                  <c:v>128</c:v>
+                </c:pt>
+                <c:pt idx="128">
+                  <c:v>129</c:v>
+                </c:pt>
+                <c:pt idx="129">
+                  <c:v>130</c:v>
+                </c:pt>
+                <c:pt idx="130">
+                  <c:v>131</c:v>
+                </c:pt>
+                <c:pt idx="131">
+                  <c:v>132</c:v>
+                </c:pt>
+                <c:pt idx="132">
+                  <c:v>133</c:v>
+                </c:pt>
+                <c:pt idx="133">
+                  <c:v>134</c:v>
+                </c:pt>
+                <c:pt idx="134">
+                  <c:v>135</c:v>
+                </c:pt>
+                <c:pt idx="135">
+                  <c:v>136</c:v>
+                </c:pt>
+                <c:pt idx="136">
+                  <c:v>137</c:v>
+                </c:pt>
+                <c:pt idx="137">
+                  <c:v>138</c:v>
+                </c:pt>
+                <c:pt idx="138">
+                  <c:v>139</c:v>
+                </c:pt>
+                <c:pt idx="139">
+                  <c:v>140</c:v>
+                </c:pt>
+                <c:pt idx="140">
+                  <c:v>141</c:v>
+                </c:pt>
+                <c:pt idx="141">
+                  <c:v>142</c:v>
+                </c:pt>
+                <c:pt idx="142">
+                  <c:v>143</c:v>
+                </c:pt>
+                <c:pt idx="143">
+                  <c:v>144</c:v>
+                </c:pt>
+                <c:pt idx="144">
+                  <c:v>145</c:v>
+                </c:pt>
+                <c:pt idx="145">
+                  <c:v>146</c:v>
+                </c:pt>
+                <c:pt idx="146">
+                  <c:v>147</c:v>
+                </c:pt>
+                <c:pt idx="147">
+                  <c:v>148</c:v>
+                </c:pt>
+                <c:pt idx="148">
+                  <c:v>149</c:v>
+                </c:pt>
+                <c:pt idx="149">
+                  <c:v>150</c:v>
+                </c:pt>
+                <c:pt idx="150">
+                  <c:v>151</c:v>
+                </c:pt>
+                <c:pt idx="151">
+                  <c:v>152</c:v>
+                </c:pt>
+                <c:pt idx="152">
+                  <c:v>153</c:v>
+                </c:pt>
+                <c:pt idx="153">
+                  <c:v>154</c:v>
+                </c:pt>
+                <c:pt idx="154">
+                  <c:v>155</c:v>
+                </c:pt>
+                <c:pt idx="155">
+                  <c:v>156</c:v>
+                </c:pt>
+                <c:pt idx="156">
+                  <c:v>157</c:v>
+                </c:pt>
+                <c:pt idx="157">
+                  <c:v>158</c:v>
+                </c:pt>
+                <c:pt idx="158">
+                  <c:v>159</c:v>
+                </c:pt>
+                <c:pt idx="159">
+                  <c:v>160</c:v>
+                </c:pt>
+                <c:pt idx="160">
+                  <c:v>161</c:v>
+                </c:pt>
+                <c:pt idx="161">
+                  <c:v>162</c:v>
+                </c:pt>
+                <c:pt idx="162">
+                  <c:v>163</c:v>
+                </c:pt>
+                <c:pt idx="163">
+                  <c:v>164</c:v>
+                </c:pt>
+                <c:pt idx="164">
+                  <c:v>165</c:v>
+                </c:pt>
+                <c:pt idx="165">
+                  <c:v>166</c:v>
+                </c:pt>
+                <c:pt idx="166">
+                  <c:v>167</c:v>
+                </c:pt>
+                <c:pt idx="167">
+                  <c:v>168</c:v>
+                </c:pt>
+                <c:pt idx="168">
+                  <c:v>169</c:v>
+                </c:pt>
+                <c:pt idx="169">
+                  <c:v>170</c:v>
+                </c:pt>
+                <c:pt idx="170">
+                  <c:v>171</c:v>
+                </c:pt>
+                <c:pt idx="171">
+                  <c:v>172</c:v>
+                </c:pt>
+                <c:pt idx="172">
+                  <c:v>173</c:v>
+                </c:pt>
+                <c:pt idx="173">
+                  <c:v>174</c:v>
+                </c:pt>
+                <c:pt idx="174">
+                  <c:v>175</c:v>
+                </c:pt>
+                <c:pt idx="175">
+                  <c:v>176</c:v>
+                </c:pt>
+                <c:pt idx="176">
+                  <c:v>177</c:v>
+                </c:pt>
+                <c:pt idx="177">
+                  <c:v>178</c:v>
+                </c:pt>
+                <c:pt idx="178">
+                  <c:v>179</c:v>
+                </c:pt>
+                <c:pt idx="179">
+                  <c:v>180</c:v>
+                </c:pt>
+                <c:pt idx="180">
+                  <c:v>181</c:v>
+                </c:pt>
+                <c:pt idx="181">
+                  <c:v>182</c:v>
+                </c:pt>
+                <c:pt idx="182">
+                  <c:v>183</c:v>
+                </c:pt>
+                <c:pt idx="183">
+                  <c:v>184</c:v>
+                </c:pt>
+                <c:pt idx="184">
+                  <c:v>185</c:v>
+                </c:pt>
+                <c:pt idx="185">
+                  <c:v>186</c:v>
+                </c:pt>
+                <c:pt idx="186">
+                  <c:v>187</c:v>
+                </c:pt>
+                <c:pt idx="187">
+                  <c:v>188</c:v>
+                </c:pt>
+                <c:pt idx="188">
+                  <c:v>189</c:v>
+                </c:pt>
+                <c:pt idx="189">
+                  <c:v>190</c:v>
+                </c:pt>
+                <c:pt idx="190">
+                  <c:v>191</c:v>
+                </c:pt>
+                <c:pt idx="191">
+                  <c:v>192</c:v>
+                </c:pt>
+                <c:pt idx="192">
+                  <c:v>193</c:v>
+                </c:pt>
+                <c:pt idx="193">
+                  <c:v>194</c:v>
+                </c:pt>
+                <c:pt idx="194">
+                  <c:v>195</c:v>
+                </c:pt>
+                <c:pt idx="195">
+                  <c:v>196</c:v>
+                </c:pt>
+                <c:pt idx="196">
+                  <c:v>197</c:v>
+                </c:pt>
+                <c:pt idx="197">
+                  <c:v>198</c:v>
+                </c:pt>
+                <c:pt idx="198">
+                  <c:v>199</c:v>
+                </c:pt>
+                <c:pt idx="199">
+                  <c:v>200</c:v>
+                </c:pt>
+              </c:numCache>
+            </c:numRef>
+          </c:xVal>
+          <c:yVal>
+            <c:numRef>
+              <c:f>List1!$B$2:$B$201</c:f>
+              <c:numCache>
+                <c:formatCode>General</c:formatCode>
+                <c:ptCount val="200"/>
+                <c:pt idx="0">
+                  <c:v>1.7694000000000001</c:v>
+                </c:pt>
+                <c:pt idx="1">
+                  <c:v>1.3196999999999997</c:v>
+                </c:pt>
+                <c:pt idx="2">
+                  <c:v>1.2354999999999996</c:v>
+                </c:pt>
+                <c:pt idx="3">
+                  <c:v>1.1869000000000001</c:v>
+                </c:pt>
+                <c:pt idx="4">
+                  <c:v>1.1496999999999995</c:v>
+                </c:pt>
+                <c:pt idx="5">
+                  <c:v>1.1177999999999995</c:v>
+                </c:pt>
+                <c:pt idx="6">
+                  <c:v>1.0885</c:v>
+                </c:pt>
+                <c:pt idx="7">
+                  <c:v>1.0605</c:v>
+                </c:pt>
+                <c:pt idx="8">
+                  <c:v>1.0335999999999996</c:v>
+                </c:pt>
+                <c:pt idx="9">
+                  <c:v>1.0077999999999996</c:v>
+                </c:pt>
+                <c:pt idx="10">
+                  <c:v>0.98309999999999997</c:v>
+                </c:pt>
+                <c:pt idx="11">
+                  <c:v>0.95950000000000002</c:v>
+                </c:pt>
+                <c:pt idx="12">
+                  <c:v>0.93720000000000003</c:v>
+                </c:pt>
+                <c:pt idx="13">
+                  <c:v>0.91620000000000001</c:v>
+                </c:pt>
+                <c:pt idx="14">
+                  <c:v>0.89700000000000024</c:v>
+                </c:pt>
+                <c:pt idx="15">
+                  <c:v>0.87880000000000025</c:v>
+                </c:pt>
+                <c:pt idx="16">
+                  <c:v>0.86230000000000018</c:v>
+                </c:pt>
+                <c:pt idx="17">
+                  <c:v>0.84660000000000024</c:v>
+                </c:pt>
+                <c:pt idx="18">
+                  <c:v>0.8329000000000002</c:v>
+                </c:pt>
+                <c:pt idx="19">
+                  <c:v>0.81990000000000018</c:v>
+                </c:pt>
+                <c:pt idx="20">
+                  <c:v>0.80800000000000005</c:v>
+                </c:pt>
+                <c:pt idx="21">
+                  <c:v>0.79690000000000005</c:v>
+                </c:pt>
+                <c:pt idx="22">
+                  <c:v>0.78669999999999995</c:v>
+                </c:pt>
+                <c:pt idx="23">
+                  <c:v>0.77769999999999995</c:v>
+                </c:pt>
+                <c:pt idx="24">
+                  <c:v>0.76880000000000026</c:v>
+                </c:pt>
+                <c:pt idx="25">
+                  <c:v>0.76010000000000022</c:v>
+                </c:pt>
+                <c:pt idx="26">
+                  <c:v>0.75280000000000025</c:v>
+                </c:pt>
+                <c:pt idx="27">
+                  <c:v>0.74550000000000005</c:v>
+                </c:pt>
+                <c:pt idx="28">
+                  <c:v>0.73839999999999995</c:v>
+                </c:pt>
+                <c:pt idx="29">
+                  <c:v>0.73160000000000025</c:v>
+                </c:pt>
+                <c:pt idx="30">
+                  <c:v>0.72520000000000018</c:v>
+                </c:pt>
+                <c:pt idx="31">
+                  <c:v>0.71950000000000003</c:v>
+                </c:pt>
+                <c:pt idx="32">
+                  <c:v>0.71370000000000022</c:v>
+                </c:pt>
+                <c:pt idx="33">
+                  <c:v>0.70880000000000021</c:v>
+                </c:pt>
+                <c:pt idx="34">
+                  <c:v>0.70340000000000003</c:v>
+                </c:pt>
+                <c:pt idx="35">
+                  <c:v>0.69830000000000025</c:v>
+                </c:pt>
+                <c:pt idx="36">
+                  <c:v>0.69340000000000024</c:v>
+                </c:pt>
+                <c:pt idx="37">
+                  <c:v>0.68880000000000041</c:v>
+                </c:pt>
+                <c:pt idx="38">
+                  <c:v>0.68440000000000023</c:v>
+                </c:pt>
+                <c:pt idx="39">
+                  <c:v>0.67950000000000021</c:v>
+                </c:pt>
+                <c:pt idx="40">
+                  <c:v>0.67530000000000023</c:v>
+                </c:pt>
+                <c:pt idx="41">
+                  <c:v>0.67130000000000023</c:v>
+                </c:pt>
+                <c:pt idx="42">
+                  <c:v>0.66730000000000023</c:v>
+                </c:pt>
+                <c:pt idx="43">
+                  <c:v>0.6626000000000003</c:v>
+                </c:pt>
+                <c:pt idx="44">
+                  <c:v>0.6586000000000003</c:v>
+                </c:pt>
+                <c:pt idx="45">
+                  <c:v>0.65460000000000029</c:v>
+                </c:pt>
+                <c:pt idx="46">
+                  <c:v>0.65130000000000021</c:v>
+                </c:pt>
+                <c:pt idx="47">
+                  <c:v>0.64680000000000026</c:v>
+                </c:pt>
+                <c:pt idx="48">
+                  <c:v>0.64359999999999995</c:v>
+                </c:pt>
+                <c:pt idx="49">
+                  <c:v>0.63970000000000038</c:v>
+                </c:pt>
+                <c:pt idx="50">
+                  <c:v>0.63590000000000024</c:v>
+                </c:pt>
+                <c:pt idx="51">
+                  <c:v>0.63290000000000024</c:v>
+                </c:pt>
+                <c:pt idx="52">
+                  <c:v>0.62830000000000019</c:v>
+                </c:pt>
+                <c:pt idx="53">
+                  <c:v>0.62530000000000019</c:v>
+                </c:pt>
+                <c:pt idx="54">
+                  <c:v>0.62190000000000023</c:v>
+                </c:pt>
+                <c:pt idx="55">
+                  <c:v>0.61760000000000026</c:v>
+                </c:pt>
+                <c:pt idx="56">
+                  <c:v>0.61490000000000022</c:v>
+                </c:pt>
+                <c:pt idx="57">
+                  <c:v>0.61160000000000025</c:v>
+                </c:pt>
+                <c:pt idx="58">
+                  <c:v>0.60860000000000025</c:v>
+                </c:pt>
+                <c:pt idx="59">
+                  <c:v>0.60540000000000005</c:v>
+                </c:pt>
+                <c:pt idx="60">
+                  <c:v>0.60229999999999995</c:v>
+                </c:pt>
+                <c:pt idx="61">
+                  <c:v>0.59850000000000003</c:v>
+                </c:pt>
+                <c:pt idx="62">
+                  <c:v>0.59510000000000018</c:v>
+                </c:pt>
+                <c:pt idx="63">
+                  <c:v>0.59200000000000019</c:v>
+                </c:pt>
+                <c:pt idx="64">
+                  <c:v>0.58980000000000021</c:v>
+                </c:pt>
+                <c:pt idx="65">
+                  <c:v>0.58680000000000021</c:v>
+                </c:pt>
+                <c:pt idx="66">
+                  <c:v>0.5829000000000002</c:v>
+                </c:pt>
+                <c:pt idx="67">
+                  <c:v>0.57950000000000002</c:v>
+                </c:pt>
+                <c:pt idx="68">
+                  <c:v>0.57670000000000021</c:v>
+                </c:pt>
+                <c:pt idx="69">
+                  <c:v>0.57399999999999995</c:v>
+                </c:pt>
+                <c:pt idx="70">
+                  <c:v>0.57070000000000021</c:v>
+                </c:pt>
+                <c:pt idx="71">
+                  <c:v>0.56740000000000002</c:v>
+                </c:pt>
+                <c:pt idx="72">
+                  <c:v>0.5647000000000002</c:v>
+                </c:pt>
+                <c:pt idx="73">
+                  <c:v>0.56240000000000001</c:v>
+                </c:pt>
+                <c:pt idx="74">
+                  <c:v>0.5595</c:v>
+                </c:pt>
+                <c:pt idx="75">
+                  <c:v>0.55630000000000002</c:v>
+                </c:pt>
+                <c:pt idx="76">
+                  <c:v>0.55370000000000019</c:v>
+                </c:pt>
+                <c:pt idx="77">
+                  <c:v>0.5514</c:v>
+                </c:pt>
+                <c:pt idx="78">
+                  <c:v>0.54820000000000002</c:v>
+                </c:pt>
+                <c:pt idx="79">
+                  <c:v>0.54590000000000005</c:v>
+                </c:pt>
+                <c:pt idx="80">
+                  <c:v>0.54310000000000003</c:v>
+                </c:pt>
+                <c:pt idx="81">
+                  <c:v>0.54</c:v>
+                </c:pt>
+                <c:pt idx="82">
+                  <c:v>0.53700000000000003</c:v>
+                </c:pt>
+                <c:pt idx="83">
+                  <c:v>0.53490000000000004</c:v>
+                </c:pt>
+                <c:pt idx="84">
+                  <c:v>0.53320000000000001</c:v>
+                </c:pt>
+                <c:pt idx="85">
+                  <c:v>0.53049999999999997</c:v>
+                </c:pt>
+                <c:pt idx="86">
+                  <c:v>0.52780000000000005</c:v>
+                </c:pt>
+                <c:pt idx="87">
+                  <c:v>0.52549999999999997</c:v>
+                </c:pt>
+                <c:pt idx="88">
+                  <c:v>0.52300000000000002</c:v>
+                </c:pt>
+                <c:pt idx="89">
+                  <c:v>0.52070000000000005</c:v>
+                </c:pt>
+                <c:pt idx="90">
+                  <c:v>0.51870000000000005</c:v>
+                </c:pt>
+                <c:pt idx="91">
+                  <c:v>0.51629999999999998</c:v>
+                </c:pt>
+                <c:pt idx="92">
+                  <c:v>0.51329999999999998</c:v>
+                </c:pt>
+                <c:pt idx="93">
+                  <c:v>0.51149999999999973</c:v>
+                </c:pt>
+                <c:pt idx="94">
+                  <c:v>0.50860000000000005</c:v>
+                </c:pt>
+                <c:pt idx="95">
+                  <c:v>0.50649999999999973</c:v>
+                </c:pt>
+                <c:pt idx="96">
+                  <c:v>0.504</c:v>
+                </c:pt>
+                <c:pt idx="97">
+                  <c:v>0.50209999999999999</c:v>
+                </c:pt>
+                <c:pt idx="98">
+                  <c:v>0.50029999999999997</c:v>
+                </c:pt>
+                <c:pt idx="99">
+                  <c:v>0.49750000000000011</c:v>
+                </c:pt>
+                <c:pt idx="100">
+                  <c:v>0.49550000000000011</c:v>
+                </c:pt>
+                <c:pt idx="101">
+                  <c:v>0.49420000000000008</c:v>
+                </c:pt>
+                <c:pt idx="102">
+                  <c:v>0.49140000000000011</c:v>
+                </c:pt>
+                <c:pt idx="103">
+                  <c:v>0.48960000000000009</c:v>
+                </c:pt>
+                <c:pt idx="104">
+                  <c:v>0.48820000000000002</c:v>
+                </c:pt>
+                <c:pt idx="105">
+                  <c:v>0.48550000000000015</c:v>
+                </c:pt>
+                <c:pt idx="106">
+                  <c:v>0.48360000000000009</c:v>
+                </c:pt>
+                <c:pt idx="107">
+                  <c:v>0.48150000000000009</c:v>
+                </c:pt>
+                <c:pt idx="108">
+                  <c:v>0.48060000000000008</c:v>
+                </c:pt>
+                <c:pt idx="109">
+                  <c:v>0.47830000000000011</c:v>
+                </c:pt>
+                <c:pt idx="110">
+                  <c:v>0.47670000000000001</c:v>
+                </c:pt>
+                <c:pt idx="111">
+                  <c:v>0.47360000000000002</c:v>
+                </c:pt>
+                <c:pt idx="112">
+                  <c:v>0.47250000000000009</c:v>
+                </c:pt>
+                <c:pt idx="113">
+                  <c:v>0.47120000000000001</c:v>
+                </c:pt>
+                <c:pt idx="114">
+                  <c:v>0.46910000000000002</c:v>
+                </c:pt>
+                <c:pt idx="115">
+                  <c:v>0.46710000000000002</c:v>
+                </c:pt>
+                <c:pt idx="116">
+                  <c:v>0.46540000000000009</c:v>
+                </c:pt>
+                <c:pt idx="117">
+                  <c:v>0.4638000000000001</c:v>
+                </c:pt>
+                <c:pt idx="118">
+                  <c:v>0.46200000000000002</c:v>
+                </c:pt>
+                <c:pt idx="119">
+                  <c:v>0.4603000000000001</c:v>
+                </c:pt>
+                <c:pt idx="120">
+                  <c:v>0.4583000000000001</c:v>
+                </c:pt>
+                <c:pt idx="121">
+                  <c:v>0.45650000000000002</c:v>
+                </c:pt>
+                <c:pt idx="122">
+                  <c:v>0.45540000000000008</c:v>
+                </c:pt>
+                <c:pt idx="123">
+                  <c:v>0.45429999999999998</c:v>
+                </c:pt>
+                <c:pt idx="124">
+                  <c:v>0.45270000000000005</c:v>
+                </c:pt>
+                <c:pt idx="125">
+                  <c:v>0.45190000000000002</c:v>
+                </c:pt>
+                <c:pt idx="126">
+                  <c:v>0.44950000000000012</c:v>
+                </c:pt>
+                <c:pt idx="127">
+                  <c:v>0.44830000000000014</c:v>
+                </c:pt>
+                <c:pt idx="128">
+                  <c:v>0.44620000000000015</c:v>
+                </c:pt>
+                <c:pt idx="129">
+                  <c:v>0.44550000000000012</c:v>
+                </c:pt>
+                <c:pt idx="130">
+                  <c:v>0.44340000000000013</c:v>
+                </c:pt>
+                <c:pt idx="131">
+                  <c:v>0.44230000000000025</c:v>
+                </c:pt>
+                <c:pt idx="132">
+                  <c:v>0.43950000000000011</c:v>
+                </c:pt>
+                <c:pt idx="133">
+                  <c:v>0.43890000000000012</c:v>
+                </c:pt>
+                <c:pt idx="134">
+                  <c:v>0.43760000000000016</c:v>
+                </c:pt>
+                <c:pt idx="135">
+                  <c:v>0.43660000000000015</c:v>
+                </c:pt>
+                <c:pt idx="136">
+                  <c:v>0.43590000000000012</c:v>
+                </c:pt>
+                <c:pt idx="137">
+                  <c:v>0.43420000000000009</c:v>
+                </c:pt>
+                <c:pt idx="138">
+                  <c:v>0.43240000000000012</c:v>
+                </c:pt>
+                <c:pt idx="139">
+                  <c:v>0.43170000000000008</c:v>
+                </c:pt>
+                <c:pt idx="140">
+                  <c:v>0.43060000000000009</c:v>
+                </c:pt>
+                <c:pt idx="141">
+                  <c:v>0.42990000000000012</c:v>
+                </c:pt>
+                <c:pt idx="142">
+                  <c:v>0.42850000000000016</c:v>
+                </c:pt>
+                <c:pt idx="143">
+                  <c:v>0.42730000000000012</c:v>
+                </c:pt>
+                <c:pt idx="144">
+                  <c:v>0.42540000000000011</c:v>
+                </c:pt>
+                <c:pt idx="145">
+                  <c:v>0.42430000000000012</c:v>
+                </c:pt>
+                <c:pt idx="146">
+                  <c:v>0.42330000000000012</c:v>
+                </c:pt>
+                <c:pt idx="147">
+                  <c:v>0.42170000000000002</c:v>
+                </c:pt>
+                <c:pt idx="148">
+                  <c:v>0.42080000000000012</c:v>
+                </c:pt>
+                <c:pt idx="149">
+                  <c:v>0.41990000000000011</c:v>
+                </c:pt>
+                <c:pt idx="150">
+                  <c:v>0.41900000000000009</c:v>
+                </c:pt>
+                <c:pt idx="151">
+                  <c:v>0.41760000000000008</c:v>
+                </c:pt>
+                <c:pt idx="152">
+                  <c:v>0.41520000000000001</c:v>
+                </c:pt>
+                <c:pt idx="153">
+                  <c:v>0.41500000000000009</c:v>
+                </c:pt>
+                <c:pt idx="154">
+                  <c:v>0.41420000000000001</c:v>
+                </c:pt>
+                <c:pt idx="155">
+                  <c:v>0.41310000000000002</c:v>
+                </c:pt>
+                <c:pt idx="156">
+                  <c:v>0.41250000000000009</c:v>
+                </c:pt>
+                <c:pt idx="157">
+                  <c:v>0.41130000000000011</c:v>
+                </c:pt>
+                <c:pt idx="158">
+                  <c:v>0.40990000000000015</c:v>
+                </c:pt>
+                <c:pt idx="159">
+                  <c:v>0.40920000000000001</c:v>
+                </c:pt>
+                <c:pt idx="160">
+                  <c:v>0.40800000000000008</c:v>
+                </c:pt>
+                <c:pt idx="161">
+                  <c:v>0.4079000000000001</c:v>
+                </c:pt>
+                <c:pt idx="162">
+                  <c:v>0.40680000000000011</c:v>
+                </c:pt>
+                <c:pt idx="163">
+                  <c:v>0.4053000000000001</c:v>
+                </c:pt>
+                <c:pt idx="164">
+                  <c:v>0.40460000000000002</c:v>
+                </c:pt>
+                <c:pt idx="165">
+                  <c:v>0.4027</c:v>
+                </c:pt>
+                <c:pt idx="166">
+                  <c:v>0.4032</c:v>
+                </c:pt>
+                <c:pt idx="167">
+                  <c:v>0.40160000000000001</c:v>
+                </c:pt>
+                <c:pt idx="168">
+                  <c:v>0.4003000000000001</c:v>
+                </c:pt>
+                <c:pt idx="169">
+                  <c:v>0.39900000000000013</c:v>
+                </c:pt>
+                <c:pt idx="170">
+                  <c:v>0.39870000000000011</c:v>
+                </c:pt>
+                <c:pt idx="171">
+                  <c:v>0.39780000000000021</c:v>
+                </c:pt>
+                <c:pt idx="172">
+                  <c:v>0.39700000000000013</c:v>
+                </c:pt>
+                <c:pt idx="173">
+                  <c:v>0.39600000000000013</c:v>
+                </c:pt>
+                <c:pt idx="174">
+                  <c:v>0.39520000000000011</c:v>
+                </c:pt>
+                <c:pt idx="175">
+                  <c:v>0.39450000000000013</c:v>
+                </c:pt>
+                <c:pt idx="176">
+                  <c:v>0.39340000000000025</c:v>
+                </c:pt>
+                <c:pt idx="177">
+                  <c:v>0.39290000000000025</c:v>
+                </c:pt>
+                <c:pt idx="178">
+                  <c:v>0.39140000000000025</c:v>
+                </c:pt>
+                <c:pt idx="179">
+                  <c:v>0.39110000000000011</c:v>
+                </c:pt>
+                <c:pt idx="180">
+                  <c:v>0.39060000000000011</c:v>
+                </c:pt>
+                <c:pt idx="181">
+                  <c:v>0.39010000000000011</c:v>
+                </c:pt>
+                <c:pt idx="182">
+                  <c:v>0.38930000000000015</c:v>
+                </c:pt>
+                <c:pt idx="183">
+                  <c:v>0.38890000000000013</c:v>
+                </c:pt>
+                <c:pt idx="184">
+                  <c:v>0.38790000000000013</c:v>
+                </c:pt>
+                <c:pt idx="185">
+                  <c:v>0.38670000000000015</c:v>
+                </c:pt>
+                <c:pt idx="186">
+                  <c:v>0.38640000000000013</c:v>
+                </c:pt>
+                <c:pt idx="187">
+                  <c:v>0.38530000000000014</c:v>
+                </c:pt>
+                <c:pt idx="188">
+                  <c:v>0.38500000000000012</c:v>
+                </c:pt>
+                <c:pt idx="189">
+                  <c:v>0.38450000000000012</c:v>
+                </c:pt>
+                <c:pt idx="190">
+                  <c:v>0.38400000000000012</c:v>
+                </c:pt>
+                <c:pt idx="191">
+                  <c:v>0.38340000000000013</c:v>
+                </c:pt>
+                <c:pt idx="192">
+                  <c:v>0.38300000000000012</c:v>
+                </c:pt>
+                <c:pt idx="193">
+                  <c:v>0.38140000000000013</c:v>
+                </c:pt>
+                <c:pt idx="194">
+                  <c:v>0.38100000000000012</c:v>
+                </c:pt>
+                <c:pt idx="195">
+                  <c:v>0.38080000000000025</c:v>
+                </c:pt>
+                <c:pt idx="196">
+                  <c:v>0.38020000000000009</c:v>
+                </c:pt>
+                <c:pt idx="197">
+                  <c:v>0.37890000000000013</c:v>
+                </c:pt>
+                <c:pt idx="198">
+                  <c:v>0.37920000000000009</c:v>
+                </c:pt>
+                <c:pt idx="199">
+                  <c:v>0.37790000000000012</c:v>
+                </c:pt>
+              </c:numCache>
+            </c:numRef>
+          </c:yVal>
+          <c:smooth val="1"/>
+          <c:extLst xmlns:c16r2="http://schemas.microsoft.com/office/drawing/2015/06/chart">
+            <c:ext xmlns:c16="http://schemas.microsoft.com/office/drawing/2014/chart" uri="{C3380CC4-5D6E-409C-BE32-E72D297353CC}">
+              <c16:uniqueId val="{00000000-4F46-417E-B87C-E84FAFD4B70F}"/>
+            </c:ext>
+          </c:extLst>
+        </c:ser>
+        <c:ser>
+          <c:idx val="1"/>
+          <c:order val="1"/>
+          <c:tx>
+            <c:v>word by word</c:v>
+          </c:tx>
+          <c:spPr>
+            <a:ln w="19050" cap="rnd">
+              <a:solidFill>
+                <a:schemeClr val="accent2"/>
+              </a:solidFill>
+              <a:round/>
+            </a:ln>
+            <a:effectLst/>
+          </c:spPr>
+          <c:marker>
+            <c:symbol val="none"/>
+          </c:marker>
+          <c:xVal>
+            <c:numRef>
+              <c:f>List1!$A$2:$A$141</c:f>
+              <c:numCache>
+                <c:formatCode>General</c:formatCode>
+                <c:ptCount val="140"/>
+                <c:pt idx="0">
+                  <c:v>1</c:v>
+                </c:pt>
+                <c:pt idx="1">
+                  <c:v>2</c:v>
+                </c:pt>
+                <c:pt idx="2">
+                  <c:v>3</c:v>
+                </c:pt>
+                <c:pt idx="3">
+                  <c:v>4</c:v>
+                </c:pt>
+                <c:pt idx="4">
+                  <c:v>5</c:v>
+                </c:pt>
+                <c:pt idx="5">
+                  <c:v>6</c:v>
+                </c:pt>
+                <c:pt idx="6">
+                  <c:v>7</c:v>
+                </c:pt>
+                <c:pt idx="7">
+                  <c:v>8</c:v>
+                </c:pt>
+                <c:pt idx="8">
+                  <c:v>9</c:v>
+                </c:pt>
+                <c:pt idx="9">
+                  <c:v>10</c:v>
+                </c:pt>
+                <c:pt idx="10">
+                  <c:v>11</c:v>
+                </c:pt>
+                <c:pt idx="11">
+                  <c:v>12</c:v>
+                </c:pt>
+                <c:pt idx="12">
+                  <c:v>13</c:v>
+                </c:pt>
+                <c:pt idx="13">
+                  <c:v>14</c:v>
+                </c:pt>
+                <c:pt idx="14">
+                  <c:v>15</c:v>
+                </c:pt>
+                <c:pt idx="15">
+                  <c:v>16</c:v>
+                </c:pt>
+                <c:pt idx="16">
+                  <c:v>17</c:v>
+                </c:pt>
+                <c:pt idx="17">
+                  <c:v>18</c:v>
+                </c:pt>
+                <c:pt idx="18">
+                  <c:v>19</c:v>
+                </c:pt>
+                <c:pt idx="19">
+                  <c:v>20</c:v>
+                </c:pt>
+                <c:pt idx="20">
+                  <c:v>21</c:v>
+                </c:pt>
+                <c:pt idx="21">
+                  <c:v>22</c:v>
+                </c:pt>
+                <c:pt idx="22">
+                  <c:v>23</c:v>
+                </c:pt>
+                <c:pt idx="23">
+                  <c:v>24</c:v>
+                </c:pt>
+                <c:pt idx="24">
+                  <c:v>25</c:v>
+                </c:pt>
+                <c:pt idx="25">
+                  <c:v>26</c:v>
+                </c:pt>
+                <c:pt idx="26">
+                  <c:v>27</c:v>
+                </c:pt>
+                <c:pt idx="27">
+                  <c:v>28</c:v>
+                </c:pt>
+                <c:pt idx="28">
+                  <c:v>29</c:v>
+                </c:pt>
+                <c:pt idx="29">
+                  <c:v>30</c:v>
+                </c:pt>
+                <c:pt idx="30">
+                  <c:v>31</c:v>
+                </c:pt>
+                <c:pt idx="31">
+                  <c:v>32</c:v>
+                </c:pt>
+                <c:pt idx="32">
+                  <c:v>33</c:v>
+                </c:pt>
+                <c:pt idx="33">
+                  <c:v>34</c:v>
+                </c:pt>
+                <c:pt idx="34">
+                  <c:v>35</c:v>
+                </c:pt>
+                <c:pt idx="35">
+                  <c:v>36</c:v>
+                </c:pt>
+                <c:pt idx="36">
+                  <c:v>37</c:v>
+                </c:pt>
+                <c:pt idx="37">
+                  <c:v>38</c:v>
+                </c:pt>
+                <c:pt idx="38">
+                  <c:v>39</c:v>
+                </c:pt>
+                <c:pt idx="39">
+                  <c:v>40</c:v>
+                </c:pt>
+                <c:pt idx="40">
+                  <c:v>41</c:v>
+                </c:pt>
+                <c:pt idx="41">
+                  <c:v>42</c:v>
+                </c:pt>
+                <c:pt idx="42">
+                  <c:v>43</c:v>
+                </c:pt>
+                <c:pt idx="43">
+                  <c:v>44</c:v>
+                </c:pt>
+                <c:pt idx="44">
+                  <c:v>45</c:v>
+                </c:pt>
+                <c:pt idx="45">
+                  <c:v>46</c:v>
+                </c:pt>
+                <c:pt idx="46">
+                  <c:v>47</c:v>
+                </c:pt>
+                <c:pt idx="47">
+                  <c:v>48</c:v>
+                </c:pt>
+                <c:pt idx="48">
+                  <c:v>49</c:v>
+                </c:pt>
+                <c:pt idx="49">
+                  <c:v>50</c:v>
+                </c:pt>
+                <c:pt idx="50">
+                  <c:v>51</c:v>
+                </c:pt>
+                <c:pt idx="51">
+                  <c:v>52</c:v>
+                </c:pt>
+                <c:pt idx="52">
+                  <c:v>53</c:v>
+                </c:pt>
+                <c:pt idx="53">
+                  <c:v>54</c:v>
+                </c:pt>
+                <c:pt idx="54">
+                  <c:v>55</c:v>
+                </c:pt>
+                <c:pt idx="55">
+                  <c:v>56</c:v>
+                </c:pt>
+                <c:pt idx="56">
+                  <c:v>57</c:v>
+                </c:pt>
+                <c:pt idx="57">
+                  <c:v>58</c:v>
+                </c:pt>
+                <c:pt idx="58">
+                  <c:v>59</c:v>
+                </c:pt>
+                <c:pt idx="59">
+                  <c:v>60</c:v>
+                </c:pt>
+                <c:pt idx="60">
+                  <c:v>61</c:v>
+                </c:pt>
+                <c:pt idx="61">
+                  <c:v>62</c:v>
+                </c:pt>
+                <c:pt idx="62">
+                  <c:v>63</c:v>
+                </c:pt>
+                <c:pt idx="63">
+                  <c:v>64</c:v>
+                </c:pt>
+                <c:pt idx="64">
+                  <c:v>65</c:v>
+                </c:pt>
+                <c:pt idx="65">
+                  <c:v>66</c:v>
+                </c:pt>
+                <c:pt idx="66">
+                  <c:v>67</c:v>
+                </c:pt>
+                <c:pt idx="67">
+                  <c:v>68</c:v>
+                </c:pt>
+                <c:pt idx="68">
+                  <c:v>69</c:v>
+                </c:pt>
+                <c:pt idx="69">
+                  <c:v>70</c:v>
+                </c:pt>
+                <c:pt idx="70">
+                  <c:v>71</c:v>
+                </c:pt>
+                <c:pt idx="71">
+                  <c:v>72</c:v>
+                </c:pt>
+                <c:pt idx="72">
+                  <c:v>73</c:v>
+                </c:pt>
+                <c:pt idx="73">
+                  <c:v>74</c:v>
+                </c:pt>
+                <c:pt idx="74">
+                  <c:v>75</c:v>
+                </c:pt>
+                <c:pt idx="75">
+                  <c:v>76</c:v>
+                </c:pt>
+                <c:pt idx="76">
+                  <c:v>77</c:v>
+                </c:pt>
+                <c:pt idx="77">
+                  <c:v>78</c:v>
+                </c:pt>
+                <c:pt idx="78">
+                  <c:v>79</c:v>
+                </c:pt>
+                <c:pt idx="79">
+                  <c:v>80</c:v>
+                </c:pt>
+                <c:pt idx="80">
+                  <c:v>81</c:v>
+                </c:pt>
+                <c:pt idx="81">
+                  <c:v>82</c:v>
+                </c:pt>
+                <c:pt idx="82">
+                  <c:v>83</c:v>
+                </c:pt>
+                <c:pt idx="83">
+                  <c:v>84</c:v>
+                </c:pt>
+                <c:pt idx="84">
+                  <c:v>85</c:v>
+                </c:pt>
+                <c:pt idx="85">
+                  <c:v>86</c:v>
+                </c:pt>
+                <c:pt idx="86">
+                  <c:v>87</c:v>
+                </c:pt>
+                <c:pt idx="87">
+                  <c:v>88</c:v>
+                </c:pt>
+                <c:pt idx="88">
+                  <c:v>89</c:v>
+                </c:pt>
+                <c:pt idx="89">
+                  <c:v>90</c:v>
+                </c:pt>
+                <c:pt idx="90">
+                  <c:v>91</c:v>
+                </c:pt>
+                <c:pt idx="91">
+                  <c:v>92</c:v>
+                </c:pt>
+                <c:pt idx="92">
+                  <c:v>93</c:v>
+                </c:pt>
+                <c:pt idx="93">
+                  <c:v>94</c:v>
+                </c:pt>
+                <c:pt idx="94">
+                  <c:v>95</c:v>
+                </c:pt>
+                <c:pt idx="95">
+                  <c:v>96</c:v>
+                </c:pt>
+                <c:pt idx="96">
+                  <c:v>97</c:v>
+                </c:pt>
+                <c:pt idx="97">
+                  <c:v>98</c:v>
+                </c:pt>
+                <c:pt idx="98">
+                  <c:v>99</c:v>
+                </c:pt>
+                <c:pt idx="99">
+                  <c:v>100</c:v>
+                </c:pt>
+                <c:pt idx="100">
+                  <c:v>101</c:v>
+                </c:pt>
+                <c:pt idx="101">
+                  <c:v>102</c:v>
+                </c:pt>
+                <c:pt idx="102">
+                  <c:v>103</c:v>
+                </c:pt>
+                <c:pt idx="103">
+                  <c:v>104</c:v>
+                </c:pt>
+                <c:pt idx="104">
+                  <c:v>105</c:v>
+                </c:pt>
+                <c:pt idx="105">
+                  <c:v>106</c:v>
+                </c:pt>
+                <c:pt idx="106">
+                  <c:v>107</c:v>
+                </c:pt>
+                <c:pt idx="107">
+                  <c:v>108</c:v>
+                </c:pt>
+                <c:pt idx="108">
+                  <c:v>109</c:v>
+                </c:pt>
+                <c:pt idx="109">
+                  <c:v>110</c:v>
+                </c:pt>
+                <c:pt idx="110">
+                  <c:v>111</c:v>
+                </c:pt>
+                <c:pt idx="111">
+                  <c:v>112</c:v>
+                </c:pt>
+                <c:pt idx="112">
+                  <c:v>113</c:v>
+                </c:pt>
+                <c:pt idx="113">
+                  <c:v>114</c:v>
+                </c:pt>
+                <c:pt idx="114">
+                  <c:v>115</c:v>
+                </c:pt>
+                <c:pt idx="115">
+                  <c:v>116</c:v>
+                </c:pt>
+                <c:pt idx="116">
+                  <c:v>117</c:v>
+                </c:pt>
+                <c:pt idx="117">
+                  <c:v>118</c:v>
+                </c:pt>
+                <c:pt idx="118">
+                  <c:v>119</c:v>
+                </c:pt>
+                <c:pt idx="119">
+                  <c:v>120</c:v>
+                </c:pt>
+                <c:pt idx="120">
+                  <c:v>121</c:v>
+                </c:pt>
+                <c:pt idx="121">
+                  <c:v>122</c:v>
+                </c:pt>
+                <c:pt idx="122">
+                  <c:v>123</c:v>
+                </c:pt>
+                <c:pt idx="123">
+                  <c:v>124</c:v>
+                </c:pt>
+                <c:pt idx="124">
+                  <c:v>125</c:v>
+                </c:pt>
+                <c:pt idx="125">
+                  <c:v>126</c:v>
+                </c:pt>
+                <c:pt idx="126">
+                  <c:v>127</c:v>
+                </c:pt>
+                <c:pt idx="127">
+                  <c:v>128</c:v>
+                </c:pt>
+                <c:pt idx="128">
+                  <c:v>129</c:v>
+                </c:pt>
+                <c:pt idx="129">
+                  <c:v>130</c:v>
+                </c:pt>
+                <c:pt idx="130">
+                  <c:v>131</c:v>
+                </c:pt>
+                <c:pt idx="131">
+                  <c:v>132</c:v>
+                </c:pt>
+                <c:pt idx="132">
+                  <c:v>133</c:v>
+                </c:pt>
+                <c:pt idx="133">
+                  <c:v>134</c:v>
+                </c:pt>
+                <c:pt idx="134">
+                  <c:v>135</c:v>
+                </c:pt>
+                <c:pt idx="135">
+                  <c:v>136</c:v>
+                </c:pt>
+                <c:pt idx="136">
+                  <c:v>137</c:v>
+                </c:pt>
+                <c:pt idx="137">
+                  <c:v>138</c:v>
+                </c:pt>
+                <c:pt idx="138">
+                  <c:v>139</c:v>
+                </c:pt>
+                <c:pt idx="139">
+                  <c:v>140</c:v>
+                </c:pt>
+              </c:numCache>
+            </c:numRef>
+          </c:xVal>
+          <c:yVal>
+            <c:numRef>
+              <c:f>List1!$C$2:$C$141</c:f>
+              <c:numCache>
+                <c:formatCode>General</c:formatCode>
+                <c:ptCount val="140"/>
+                <c:pt idx="0">
+                  <c:v>5.8383000000000003</c:v>
+                </c:pt>
+                <c:pt idx="1">
+                  <c:v>5.1661999999999981</c:v>
+                </c:pt>
+                <c:pt idx="2">
+                  <c:v>4.9117000000000015</c:v>
+                </c:pt>
+                <c:pt idx="3">
+                  <c:v>4.7656000000000001</c:v>
+                </c:pt>
+                <c:pt idx="4">
+                  <c:v>4.6512000000000002</c:v>
+                </c:pt>
+                <c:pt idx="5">
+                  <c:v>4.5577999999999985</c:v>
+                </c:pt>
+                <c:pt idx="6">
+                  <c:v>4.4687999999999999</c:v>
+                </c:pt>
+                <c:pt idx="7">
+                  <c:v>4.3648999999999978</c:v>
+                </c:pt>
+                <c:pt idx="8">
+                  <c:v>4.2523</c:v>
+                </c:pt>
+                <c:pt idx="9">
+                  <c:v>4.1322000000000001</c:v>
+                </c:pt>
+                <c:pt idx="10">
+                  <c:v>4.0054999999999996</c:v>
+                </c:pt>
+                <c:pt idx="11">
+                  <c:v>3.8584999999999989</c:v>
+                </c:pt>
+                <c:pt idx="12">
+                  <c:v>3.6888999999999998</c:v>
+                </c:pt>
+                <c:pt idx="13">
+                  <c:v>3.5379999999999998</c:v>
+                </c:pt>
+                <c:pt idx="14">
+                  <c:v>3.3905999999999992</c:v>
+                </c:pt>
+                <c:pt idx="15">
+                  <c:v>3.2517</c:v>
+                </c:pt>
+                <c:pt idx="16">
+                  <c:v>3.1221000000000001</c:v>
+                </c:pt>
+                <c:pt idx="17">
+                  <c:v>3.002699999999999</c:v>
+                </c:pt>
+                <c:pt idx="18">
+                  <c:v>2.8837000000000002</c:v>
+                </c:pt>
+                <c:pt idx="19">
+                  <c:v>2.7840000000000007</c:v>
+                </c:pt>
+                <c:pt idx="20">
+                  <c:v>2.7029000000000001</c:v>
+                </c:pt>
+                <c:pt idx="21">
+                  <c:v>2.636499999999999</c:v>
+                </c:pt>
+                <c:pt idx="22">
+                  <c:v>2.5751999999999997</c:v>
+                </c:pt>
+                <c:pt idx="23">
+                  <c:v>2.5125999999999991</c:v>
+                </c:pt>
+                <c:pt idx="24">
+                  <c:v>2.4651000000000001</c:v>
+                </c:pt>
+                <c:pt idx="25">
+                  <c:v>2.4177</c:v>
+                </c:pt>
+                <c:pt idx="26">
+                  <c:v>2.3745999999999992</c:v>
+                </c:pt>
+                <c:pt idx="27">
+                  <c:v>2.3367999999999989</c:v>
+                </c:pt>
+                <c:pt idx="28">
+                  <c:v>2.3077000000000001</c:v>
+                </c:pt>
+                <c:pt idx="29">
+                  <c:v>2.283700000000001</c:v>
+                </c:pt>
+                <c:pt idx="30">
+                  <c:v>2.2585000000000002</c:v>
+                </c:pt>
+                <c:pt idx="31">
+                  <c:v>2.2353000000000001</c:v>
+                </c:pt>
+                <c:pt idx="32">
+                  <c:v>2.2056</c:v>
+                </c:pt>
+                <c:pt idx="33">
+                  <c:v>2.1614</c:v>
+                </c:pt>
+                <c:pt idx="34">
+                  <c:v>2.1335999999999999</c:v>
+                </c:pt>
+                <c:pt idx="35">
+                  <c:v>2.1175000000000002</c:v>
+                </c:pt>
+                <c:pt idx="36">
+                  <c:v>2.1006999999999998</c:v>
+                </c:pt>
+                <c:pt idx="37">
+                  <c:v>2.0840000000000001</c:v>
+                </c:pt>
+                <c:pt idx="38">
+                  <c:v>2.0665</c:v>
+                </c:pt>
+                <c:pt idx="39">
+                  <c:v>2.0472999999999999</c:v>
+                </c:pt>
+                <c:pt idx="40">
+                  <c:v>2.0284</c:v>
+                </c:pt>
+                <c:pt idx="41">
+                  <c:v>2.010899999999999</c:v>
+                </c:pt>
+                <c:pt idx="42">
+                  <c:v>1.9949999999999997</c:v>
+                </c:pt>
+                <c:pt idx="43">
+                  <c:v>1.9813999999999996</c:v>
+                </c:pt>
+                <c:pt idx="44">
+                  <c:v>1.9705999999999995</c:v>
+                </c:pt>
+                <c:pt idx="45">
+                  <c:v>1.9586999999999997</c:v>
+                </c:pt>
+                <c:pt idx="46">
+                  <c:v>1.9449999999999996</c:v>
+                </c:pt>
+                <c:pt idx="47">
+                  <c:v>1.9310999999999996</c:v>
+                </c:pt>
+                <c:pt idx="48">
+                  <c:v>1.9112999999999996</c:v>
+                </c:pt>
+                <c:pt idx="49">
+                  <c:v>1.8945000000000001</c:v>
+                </c:pt>
+                <c:pt idx="50">
+                  <c:v>1.8766</c:v>
+                </c:pt>
+                <c:pt idx="51">
+                  <c:v>1.8574999999999995</c:v>
+                </c:pt>
+                <c:pt idx="52">
+                  <c:v>1.8391999999999995</c:v>
+                </c:pt>
+                <c:pt idx="53">
+                  <c:v>1.825</c:v>
+                </c:pt>
+                <c:pt idx="54">
+                  <c:v>1.8090999999999995</c:v>
+                </c:pt>
+                <c:pt idx="55">
+                  <c:v>1.7938000000000001</c:v>
+                </c:pt>
+                <c:pt idx="56">
+                  <c:v>1.7781000000000005</c:v>
+                </c:pt>
+                <c:pt idx="57">
+                  <c:v>1.7635000000000001</c:v>
+                </c:pt>
+                <c:pt idx="58">
+                  <c:v>1.7513000000000001</c:v>
+                </c:pt>
+                <c:pt idx="59">
+                  <c:v>1.7358</c:v>
+                </c:pt>
+                <c:pt idx="60">
+                  <c:v>1.7232000000000001</c:v>
+                </c:pt>
+                <c:pt idx="61">
+                  <c:v>1.7137</c:v>
+                </c:pt>
+                <c:pt idx="62">
+                  <c:v>1.7018</c:v>
+                </c:pt>
+                <c:pt idx="63">
+                  <c:v>1.6900999999999999</c:v>
+                </c:pt>
+                <c:pt idx="64">
+                  <c:v>1.6776</c:v>
+                </c:pt>
+                <c:pt idx="65">
+                  <c:v>1.6698</c:v>
+                </c:pt>
+                <c:pt idx="66">
+                  <c:v>1.6573</c:v>
+                </c:pt>
+                <c:pt idx="67">
+                  <c:v>1.6473</c:v>
+                </c:pt>
+                <c:pt idx="68">
+                  <c:v>1.6402000000000001</c:v>
+                </c:pt>
+                <c:pt idx="69">
+                  <c:v>1.6316999999999995</c:v>
+                </c:pt>
+                <c:pt idx="70">
+                  <c:v>1.6237999999999995</c:v>
+                </c:pt>
+                <c:pt idx="71">
+                  <c:v>1.6158999999999994</c:v>
+                </c:pt>
+                <c:pt idx="72">
+                  <c:v>1.6093999999999995</c:v>
+                </c:pt>
+                <c:pt idx="73">
+                  <c:v>1.6006</c:v>
+                </c:pt>
+                <c:pt idx="74">
+                  <c:v>1.5944</c:v>
+                </c:pt>
+                <c:pt idx="75">
+                  <c:v>1.5875999999999995</c:v>
+                </c:pt>
+                <c:pt idx="76">
+                  <c:v>1.5818999999999996</c:v>
+                </c:pt>
+                <c:pt idx="77">
+                  <c:v>1.5766</c:v>
+                </c:pt>
+                <c:pt idx="78">
+                  <c:v>1.5689</c:v>
+                </c:pt>
+                <c:pt idx="79">
+                  <c:v>1.5621</c:v>
+                </c:pt>
+                <c:pt idx="80">
+                  <c:v>1.5577999999999996</c:v>
+                </c:pt>
+                <c:pt idx="81">
+                  <c:v>1.5515999999999996</c:v>
+                </c:pt>
+                <c:pt idx="82">
+                  <c:v>1.5447</c:v>
+                </c:pt>
+                <c:pt idx="83">
+                  <c:v>1.5376999999999996</c:v>
+                </c:pt>
+                <c:pt idx="84">
+                  <c:v>1.5348999999999995</c:v>
+                </c:pt>
+                <c:pt idx="85">
+                  <c:v>1.5289999999999995</c:v>
+                </c:pt>
+                <c:pt idx="86">
+                  <c:v>1.5223</c:v>
+                </c:pt>
+                <c:pt idx="87">
+                  <c:v>1.5164</c:v>
+                </c:pt>
+                <c:pt idx="88">
+                  <c:v>1.5113999999999996</c:v>
+                </c:pt>
+                <c:pt idx="89">
+                  <c:v>1.5067999999999995</c:v>
+                </c:pt>
+                <c:pt idx="90">
+                  <c:v>1.5044</c:v>
+                </c:pt>
+                <c:pt idx="91">
+                  <c:v>1.4968999999999995</c:v>
+                </c:pt>
+                <c:pt idx="92">
+                  <c:v>1.4903</c:v>
+                </c:pt>
+                <c:pt idx="93">
+                  <c:v>1.4883999999999995</c:v>
+                </c:pt>
+                <c:pt idx="94">
+                  <c:v>1.4845999999999995</c:v>
+                </c:pt>
+                <c:pt idx="95">
+                  <c:v>1.4810999999999996</c:v>
+                </c:pt>
+                <c:pt idx="96">
+                  <c:v>1.4763999999999995</c:v>
+                </c:pt>
+                <c:pt idx="97">
+                  <c:v>1.4705999999999995</c:v>
+                </c:pt>
+                <c:pt idx="98">
+                  <c:v>1.4664999999999995</c:v>
+                </c:pt>
+                <c:pt idx="99">
+                  <c:v>1.466</c:v>
+                </c:pt>
+                <c:pt idx="100">
+                  <c:v>1.4617999999999995</c:v>
+                </c:pt>
+                <c:pt idx="101">
+                  <c:v>1.4549999999999996</c:v>
+                </c:pt>
+                <c:pt idx="102">
+                  <c:v>1.4532999999999996</c:v>
+                </c:pt>
+                <c:pt idx="103">
+                  <c:v>1.4502999999999995</c:v>
+                </c:pt>
+                <c:pt idx="104">
+                  <c:v>1.4446999999999997</c:v>
+                </c:pt>
+                <c:pt idx="105">
+                  <c:v>1.4385999999999997</c:v>
+                </c:pt>
+                <c:pt idx="106">
+                  <c:v>1.4348999999999996</c:v>
+                </c:pt>
+                <c:pt idx="107">
+                  <c:v>1.4328999999999996</c:v>
+                </c:pt>
+                <c:pt idx="108">
+                  <c:v>1.4268999999999996</c:v>
+                </c:pt>
+                <c:pt idx="109">
+                  <c:v>1.4241999999999995</c:v>
+                </c:pt>
+                <c:pt idx="110">
+                  <c:v>1.4188999999999996</c:v>
+                </c:pt>
+                <c:pt idx="111">
+                  <c:v>1.4150999999999996</c:v>
+                </c:pt>
+                <c:pt idx="112">
+                  <c:v>1.4124999999999996</c:v>
+                </c:pt>
+                <c:pt idx="113">
+                  <c:v>1.4085999999999996</c:v>
+                </c:pt>
+                <c:pt idx="114">
+                  <c:v>1.4076999999999993</c:v>
+                </c:pt>
+                <c:pt idx="115">
+                  <c:v>1.403899999999999</c:v>
+                </c:pt>
+                <c:pt idx="116">
+                  <c:v>1.4012999999999995</c:v>
+                </c:pt>
+                <c:pt idx="117">
+                  <c:v>1.3982000000000001</c:v>
+                </c:pt>
+                <c:pt idx="118">
+                  <c:v>1.3953</c:v>
+                </c:pt>
+                <c:pt idx="119">
+                  <c:v>1.3909</c:v>
+                </c:pt>
+                <c:pt idx="120">
+                  <c:v>1.3894</c:v>
+                </c:pt>
+                <c:pt idx="121">
+                  <c:v>1.3865000000000001</c:v>
+                </c:pt>
+                <c:pt idx="122">
+                  <c:v>1.3835</c:v>
+                </c:pt>
+                <c:pt idx="123">
+                  <c:v>1.3811</c:v>
+                </c:pt>
+                <c:pt idx="124">
+                  <c:v>1.3795999999999995</c:v>
+                </c:pt>
+                <c:pt idx="125">
+                  <c:v>1.3769</c:v>
+                </c:pt>
+                <c:pt idx="126">
+                  <c:v>1.3737999999999995</c:v>
+                </c:pt>
+                <c:pt idx="127">
+                  <c:v>1.3682000000000001</c:v>
+                </c:pt>
+                <c:pt idx="128">
+                  <c:v>1.3672</c:v>
+                </c:pt>
+                <c:pt idx="129">
+                  <c:v>1.3633999999999995</c:v>
+                </c:pt>
+                <c:pt idx="130">
+                  <c:v>1.363</c:v>
+                </c:pt>
+                <c:pt idx="131">
+                  <c:v>1.3592</c:v>
+                </c:pt>
+                <c:pt idx="132">
+                  <c:v>1.3576999999999995</c:v>
+                </c:pt>
+                <c:pt idx="133">
+                  <c:v>1.3536999999999995</c:v>
+                </c:pt>
+                <c:pt idx="134">
+                  <c:v>1.3523000000000001</c:v>
+                </c:pt>
+                <c:pt idx="135">
+                  <c:v>1.3502000000000001</c:v>
+                </c:pt>
+                <c:pt idx="136">
+                  <c:v>1.3468</c:v>
+                </c:pt>
+                <c:pt idx="137">
+                  <c:v>1.3455999999999995</c:v>
+                </c:pt>
+                <c:pt idx="138">
+                  <c:v>1.3426</c:v>
+                </c:pt>
+                <c:pt idx="139">
+                  <c:v>1.339</c:v>
+                </c:pt>
+              </c:numCache>
+            </c:numRef>
+          </c:yVal>
+          <c:smooth val="1"/>
+          <c:extLst xmlns:c16r2="http://schemas.microsoft.com/office/drawing/2015/06/chart">
+            <c:ext xmlns:c16="http://schemas.microsoft.com/office/drawing/2014/chart" uri="{C3380CC4-5D6E-409C-BE32-E72D297353CC}">
+              <c16:uniqueId val="{00000000-382C-4C96-9DDF-7A6850928E64}"/>
+            </c:ext>
+          </c:extLst>
+        </c:ser>
+        <c:axId val="82233600"/>
+        <c:axId val="81527168"/>
+      </c:scatterChart>
+      <c:valAx>
+        <c:axId val="82233600"/>
+        <c:scaling>
+          <c:orientation val="minMax"/>
+          <c:max val="140"/>
+        </c:scaling>
+        <c:axPos val="b"/>
+        <c:majorGridlines>
+          <c:spPr>
+            <a:ln>
+              <a:solidFill>
+                <a:schemeClr val="bg1">
+                  <a:lumMod val="85000"/>
+                </a:schemeClr>
+              </a:solidFill>
+            </a:ln>
+          </c:spPr>
+        </c:majorGridlines>
+        <c:title>
+          <c:tx>
+            <c:rich>
+              <a:bodyPr rot="0" spcFirstLastPara="1" vertOverflow="ellipsis" vert="horz" wrap="square" anchor="ctr" anchorCtr="1"/>
+              <a:lstStyle/>
+              <a:p>
+                <a:pPr>
+                  <a:defRPr lang="cs-CZ" sz="1000" b="0" i="0" u="none" strike="noStrike" kern="1200" baseline="0">
+                    <a:solidFill>
+                      <a:schemeClr val="tx1">
+                        <a:lumMod val="65000"/>
+                        <a:lumOff val="35000"/>
+                      </a:schemeClr>
+                    </a:solidFill>
+                    <a:latin typeface="+mn-lt"/>
+                    <a:ea typeface="+mn-ea"/>
+                    <a:cs typeface="+mn-cs"/>
+                  </a:defRPr>
+                </a:pPr>
+                <a:r>
+                  <a:rPr lang="cs-CZ" sz="1200"/>
+                  <a:t>EPOCH</a:t>
+                </a:r>
+                <a:endParaRPr lang="cs-CZ"/>
+              </a:p>
+            </c:rich>
+          </c:tx>
+          <c:layout/>
+          <c:spPr>
+            <a:noFill/>
+            <a:ln>
+              <a:noFill/>
+            </a:ln>
+            <a:effectLst/>
+          </c:spPr>
+        </c:title>
+        <c:numFmt formatCode="General" sourceLinked="1"/>
+        <c:majorTickMark val="none"/>
+        <c:tickLblPos val="nextTo"/>
+        <c:spPr>
+          <a:noFill/>
+          <a:ln w="9525" cap="flat" cmpd="sng" algn="ctr">
+            <a:solidFill>
+              <a:schemeClr val="tx1">
+                <a:lumMod val="25000"/>
+                <a:lumOff val="75000"/>
+              </a:schemeClr>
+            </a:solidFill>
+            <a:round/>
+          </a:ln>
+          <a:effectLst/>
+        </c:spPr>
+        <c:txPr>
+          <a:bodyPr rot="-60000000" spcFirstLastPara="1" vertOverflow="ellipsis" vert="horz" wrap="square" anchor="ctr" anchorCtr="1"/>
+          <a:lstStyle/>
+          <a:p>
+            <a:pPr>
+              <a:defRPr lang="cs-CZ" sz="900" b="0" i="0" u="none" strike="noStrike" kern="1200" baseline="0">
+                <a:solidFill>
+                  <a:schemeClr val="tx1">
+                    <a:lumMod val="65000"/>
+                    <a:lumOff val="35000"/>
+                  </a:schemeClr>
+                </a:solidFill>
+                <a:latin typeface="+mn-lt"/>
+                <a:ea typeface="+mn-ea"/>
+                <a:cs typeface="+mn-cs"/>
+              </a:defRPr>
+            </a:pPr>
+            <a:endParaRPr lang="de-DE"/>
+          </a:p>
+        </c:txPr>
+        <c:crossAx val="81527168"/>
+        <c:crosses val="autoZero"/>
+        <c:crossBetween val="midCat"/>
+      </c:valAx>
+      <c:valAx>
+        <c:axId val="81527168"/>
+        <c:scaling>
+          <c:orientation val="minMax"/>
+        </c:scaling>
+        <c:axPos val="l"/>
+        <c:majorGridlines>
+          <c:spPr>
+            <a:ln w="9525" cap="flat" cmpd="sng" algn="ctr">
+              <a:solidFill>
+                <a:schemeClr val="tx1">
+                  <a:lumMod val="15000"/>
+                  <a:lumOff val="85000"/>
+                </a:schemeClr>
+              </a:solidFill>
+              <a:round/>
+            </a:ln>
+            <a:effectLst/>
+          </c:spPr>
+        </c:majorGridlines>
+        <c:title>
+          <c:tx>
+            <c:rich>
+              <a:bodyPr rot="-5400000" spcFirstLastPara="1" vertOverflow="ellipsis" vert="horz" wrap="square" anchor="ctr" anchorCtr="1"/>
+              <a:lstStyle/>
+              <a:p>
+                <a:pPr>
+                  <a:defRPr lang="cs-CZ" sz="1000" b="0" i="0" u="none" strike="noStrike" kern="1200" baseline="0">
+                    <a:solidFill>
+                      <a:schemeClr val="tx1">
+                        <a:lumMod val="65000"/>
+                        <a:lumOff val="35000"/>
+                      </a:schemeClr>
+                    </a:solidFill>
+                    <a:latin typeface="+mn-lt"/>
+                    <a:ea typeface="+mn-ea"/>
+                    <a:cs typeface="+mn-cs"/>
+                  </a:defRPr>
+                </a:pPr>
+                <a:r>
+                  <a:rPr lang="cs-CZ" sz="1400"/>
+                  <a:t>LOS</a:t>
+                </a:r>
+                <a:r>
+                  <a:rPr lang="en-US" sz="1400"/>
+                  <a:t>S</a:t>
+                </a:r>
+                <a:endParaRPr lang="cs-CZ" sz="1400"/>
+              </a:p>
+            </c:rich>
+          </c:tx>
+          <c:layout/>
+          <c:spPr>
+            <a:noFill/>
+            <a:ln>
+              <a:noFill/>
+            </a:ln>
+            <a:effectLst/>
+          </c:spPr>
+        </c:title>
+        <c:numFmt formatCode="General" sourceLinked="1"/>
+        <c:majorTickMark val="none"/>
+        <c:tickLblPos val="nextTo"/>
+        <c:spPr>
+          <a:noFill/>
+          <a:ln w="9525" cap="flat" cmpd="sng" algn="ctr">
+            <a:solidFill>
+              <a:schemeClr val="tx1">
+                <a:lumMod val="25000"/>
+                <a:lumOff val="75000"/>
+              </a:schemeClr>
+            </a:solidFill>
+            <a:round/>
+          </a:ln>
+          <a:effectLst/>
+        </c:spPr>
+        <c:txPr>
+          <a:bodyPr rot="-60000000" spcFirstLastPara="1" vertOverflow="ellipsis" vert="horz" wrap="square" anchor="ctr" anchorCtr="1"/>
+          <a:lstStyle/>
+          <a:p>
+            <a:pPr>
+              <a:defRPr lang="cs-CZ" sz="900" b="0" i="0" u="none" strike="noStrike" kern="1200" baseline="0">
+                <a:solidFill>
+                  <a:schemeClr val="tx1">
+                    <a:lumMod val="65000"/>
+                    <a:lumOff val="35000"/>
+                  </a:schemeClr>
+                </a:solidFill>
+                <a:latin typeface="+mn-lt"/>
+                <a:ea typeface="+mn-ea"/>
+                <a:cs typeface="+mn-cs"/>
+              </a:defRPr>
+            </a:pPr>
+            <a:endParaRPr lang="de-DE"/>
+          </a:p>
+        </c:txPr>
+        <c:crossAx val="82233600"/>
+        <c:crossesAt val="0"/>
+        <c:crossBetween val="midCat"/>
+      </c:valAx>
+      <c:spPr>
+        <a:noFill/>
+        <a:ln>
+          <a:noFill/>
+        </a:ln>
+        <a:effectLst/>
+      </c:spPr>
+    </c:plotArea>
+    <c:legend>
+      <c:legendPos val="r"/>
+      <c:layout>
+        <c:manualLayout>
+          <c:xMode val="edge"/>
+          <c:yMode val="edge"/>
+          <c:x val="0.75222530840602864"/>
+          <c:y val="6.619310232868382E-2"/>
+          <c:w val="0.23914470238145799"/>
+          <c:h val="0.27932151895945095"/>
+        </c:manualLayout>
+      </c:layout>
+      <c:spPr>
+        <a:noFill/>
+        <a:ln>
+          <a:noFill/>
+        </a:ln>
+        <a:effectLst/>
+      </c:spPr>
+      <c:txPr>
+        <a:bodyPr rot="0" spcFirstLastPara="1" vertOverflow="ellipsis" vert="horz" wrap="square" anchor="ctr" anchorCtr="1"/>
+        <a:lstStyle/>
+        <a:p>
+          <a:pPr>
+            <a:defRPr lang="cs-CZ" sz="1600" b="0" i="0" u="none" strike="noStrike" kern="1200" baseline="0">
+              <a:solidFill>
+                <a:schemeClr val="tx1">
+                  <a:lumMod val="65000"/>
+                  <a:lumOff val="35000"/>
+                </a:schemeClr>
+              </a:solidFill>
+              <a:latin typeface="+mn-lt"/>
+              <a:ea typeface="+mn-ea"/>
+              <a:cs typeface="+mn-cs"/>
+            </a:defRPr>
+          </a:pPr>
+          <a:endParaRPr lang="de-DE"/>
+        </a:p>
+      </c:txPr>
+    </c:legend>
+    <c:plotVisOnly val="1"/>
+    <c:dispBlanksAs val="gap"/>
+  </c:chart>
+  <c:spPr>
+    <a:solidFill>
+      <a:schemeClr val="bg1"/>
+    </a:solidFill>
+    <a:ln w="9525" cap="flat" cmpd="sng" algn="ctr">
+      <a:solidFill>
+        <a:schemeClr val="tx1">
+          <a:lumMod val="15000"/>
+          <a:lumOff val="85000"/>
+        </a:schemeClr>
+      </a:solidFill>
+      <a:round/>
+    </a:ln>
+    <a:effectLst/>
+  </c:spPr>
+  <c:txPr>
+    <a:bodyPr/>
+    <a:lstStyle/>
+    <a:p>
+      <a:pPr>
+        <a:defRPr/>
+      </a:pPr>
+      <a:endParaRPr lang="de-DE"/>
+    </a:p>
+  </c:txPr>
+  <c:externalData r:id="rId1"/>
 </c:chartSpace>
 </file>
 
@@ -1206,7 +3601,8 @@
           <a:p>
             <a:fld id="{55614381-3FA1-45D8-9A44-147F01D1ADA7}" type="datetimeFigureOut">
               <a:rPr lang="es-ES" smtClean="0"/>
-              <a:t>11/12/2017</a:t>
+              <a:pPr/>
+              <a:t>12/12/2017</a:t>
             </a:fld>
             <a:endParaRPr lang="es-ES"/>
           </a:p>
@@ -1365,7 +3761,8 @@
           <a:p>
             <a:fld id="{8553AB4D-F64E-4BC3-AFD4-42535EB734B5}" type="slidenum">
               <a:rPr lang="es-ES" smtClean="0"/>
-              <a:t>‹Nº›</a:t>
+              <a:pPr/>
+              <a:t>‹#›</a:t>
             </a:fld>
             <a:endParaRPr lang="es-ES"/>
           </a:p>
@@ -1374,7 +3771,7 @@
     </p:spTree>
     <p:extLst>
       <p:ext uri="{BB962C8B-B14F-4D97-AF65-F5344CB8AC3E}">
-        <p14:creationId xmlns:p14="http://schemas.microsoft.com/office/powerpoint/2010/main" val="1448485043"/>
+        <p14:creationId xmlns:p14="http://schemas.microsoft.com/office/powerpoint/2010/main" xmlns="" val="1448485043"/>
       </p:ext>
     </p:extLst>
   </p:cSld>
@@ -1697,6 +4094,7 @@
           <a:p>
             <a:fld id="{8553AB4D-F64E-4BC3-AFD4-42535EB734B5}" type="slidenum">
               <a:rPr lang="es-ES" smtClean="0"/>
+              <a:pPr/>
               <a:t>2</a:t>
             </a:fld>
             <a:endParaRPr lang="es-ES"/>
@@ -1706,7 +4104,7 @@
     </p:spTree>
     <p:extLst>
       <p:ext uri="{BB962C8B-B14F-4D97-AF65-F5344CB8AC3E}">
-        <p14:creationId xmlns:p14="http://schemas.microsoft.com/office/powerpoint/2010/main" val="2213399192"/>
+        <p14:creationId xmlns:p14="http://schemas.microsoft.com/office/powerpoint/2010/main" xmlns="" val="2213399192"/>
       </p:ext>
     </p:extLst>
   </p:cSld>
@@ -1894,6 +4292,7 @@
           <a:p>
             <a:fld id="{8553AB4D-F64E-4BC3-AFD4-42535EB734B5}" type="slidenum">
               <a:rPr lang="es-ES" smtClean="0"/>
+              <a:pPr/>
               <a:t>3</a:t>
             </a:fld>
             <a:endParaRPr lang="es-ES"/>
@@ -1903,7 +4302,7 @@
     </p:spTree>
     <p:extLst>
       <p:ext uri="{BB962C8B-B14F-4D97-AF65-F5344CB8AC3E}">
-        <p14:creationId xmlns:p14="http://schemas.microsoft.com/office/powerpoint/2010/main" val="626178312"/>
+        <p14:creationId xmlns:p14="http://schemas.microsoft.com/office/powerpoint/2010/main" xmlns="" val="626178312"/>
       </p:ext>
     </p:extLst>
   </p:cSld>
@@ -2126,6 +4525,7 @@
           <a:p>
             <a:fld id="{8553AB4D-F64E-4BC3-AFD4-42535EB734B5}" type="slidenum">
               <a:rPr lang="es-ES" smtClean="0"/>
+              <a:pPr/>
               <a:t>4</a:t>
             </a:fld>
             <a:endParaRPr lang="es-ES"/>
@@ -2135,7 +4535,7 @@
     </p:spTree>
     <p:extLst>
       <p:ext uri="{BB962C8B-B14F-4D97-AF65-F5344CB8AC3E}">
-        <p14:creationId xmlns:p14="http://schemas.microsoft.com/office/powerpoint/2010/main" val="2736017840"/>
+        <p14:creationId xmlns:p14="http://schemas.microsoft.com/office/powerpoint/2010/main" xmlns="" val="2736017840"/>
       </p:ext>
     </p:extLst>
   </p:cSld>
@@ -2300,6 +4700,7 @@
           <a:p>
             <a:fld id="{8553AB4D-F64E-4BC3-AFD4-42535EB734B5}" type="slidenum">
               <a:rPr lang="es-ES" smtClean="0"/>
+              <a:pPr/>
               <a:t>5</a:t>
             </a:fld>
             <a:endParaRPr lang="es-ES"/>
@@ -2309,7 +4710,7 @@
     </p:spTree>
     <p:extLst>
       <p:ext uri="{BB962C8B-B14F-4D97-AF65-F5344CB8AC3E}">
-        <p14:creationId xmlns:p14="http://schemas.microsoft.com/office/powerpoint/2010/main" val="615407930"/>
+        <p14:creationId xmlns:p14="http://schemas.microsoft.com/office/powerpoint/2010/main" xmlns="" val="615407930"/>
       </p:ext>
     </p:extLst>
   </p:cSld>
@@ -2493,6 +4894,7 @@
           <a:p>
             <a:fld id="{8553AB4D-F64E-4BC3-AFD4-42535EB734B5}" type="slidenum">
               <a:rPr lang="es-ES" smtClean="0"/>
+              <a:pPr/>
               <a:t>6</a:t>
             </a:fld>
             <a:endParaRPr lang="es-ES"/>
@@ -2502,7 +4904,7 @@
     </p:spTree>
     <p:extLst>
       <p:ext uri="{BB962C8B-B14F-4D97-AF65-F5344CB8AC3E}">
-        <p14:creationId xmlns:p14="http://schemas.microsoft.com/office/powerpoint/2010/main" val="519233583"/>
+        <p14:creationId xmlns:p14="http://schemas.microsoft.com/office/powerpoint/2010/main" xmlns="" val="519233583"/>
       </p:ext>
     </p:extLst>
   </p:cSld>
@@ -2577,6 +4979,7 @@
           <a:p>
             <a:fld id="{8553AB4D-F64E-4BC3-AFD4-42535EB734B5}" type="slidenum">
               <a:rPr lang="es-ES" smtClean="0"/>
+              <a:pPr/>
               <a:t>7</a:t>
             </a:fld>
             <a:endParaRPr lang="es-ES"/>
@@ -2586,7 +4989,7 @@
     </p:spTree>
     <p:extLst>
       <p:ext uri="{BB962C8B-B14F-4D97-AF65-F5344CB8AC3E}">
-        <p14:creationId xmlns:p14="http://schemas.microsoft.com/office/powerpoint/2010/main" val="2350145634"/>
+        <p14:creationId xmlns:p14="http://schemas.microsoft.com/office/powerpoint/2010/main" xmlns="" val="2350145634"/>
       </p:ext>
     </p:extLst>
   </p:cSld>
@@ -2661,6 +5064,7 @@
           <a:p>
             <a:fld id="{8553AB4D-F64E-4BC3-AFD4-42535EB734B5}" type="slidenum">
               <a:rPr lang="es-ES" smtClean="0"/>
+              <a:pPr/>
               <a:t>8</a:t>
             </a:fld>
             <a:endParaRPr lang="es-ES"/>
@@ -2670,7 +5074,7 @@
     </p:spTree>
     <p:extLst>
       <p:ext uri="{BB962C8B-B14F-4D97-AF65-F5344CB8AC3E}">
-        <p14:creationId xmlns:p14="http://schemas.microsoft.com/office/powerpoint/2010/main" val="762775101"/>
+        <p14:creationId xmlns:p14="http://schemas.microsoft.com/office/powerpoint/2010/main" xmlns="" val="762775101"/>
       </p:ext>
     </p:extLst>
   </p:cSld>
@@ -2862,7 +5266,7 @@
             <a:fld id="{1B0DDE4D-4C44-4BEE-A4BA-17759DFD9FBE}" type="datetimeFigureOut">
               <a:rPr lang="de-DE" smtClean="0"/>
               <a:pPr/>
-              <a:t>11.12.2017</a:t>
+              <a:t>12.12.2017</a:t>
             </a:fld>
             <a:endParaRPr lang="de-DE"/>
           </a:p>
@@ -2905,7 +5309,7 @@
             <a:fld id="{0965D63E-4819-4132-9B90-F7FB9170D758}" type="slidenum">
               <a:rPr lang="de-DE" smtClean="0"/>
               <a:pPr/>
-              <a:t>‹Nº›</a:t>
+              <a:t>‹#›</a:t>
             </a:fld>
             <a:endParaRPr lang="de-DE"/>
           </a:p>
@@ -3029,7 +5433,7 @@
             <a:fld id="{1B0DDE4D-4C44-4BEE-A4BA-17759DFD9FBE}" type="datetimeFigureOut">
               <a:rPr lang="de-DE" smtClean="0"/>
               <a:pPr/>
-              <a:t>11.12.2017</a:t>
+              <a:t>12.12.2017</a:t>
             </a:fld>
             <a:endParaRPr lang="de-DE"/>
           </a:p>
@@ -3072,7 +5476,7 @@
             <a:fld id="{0965D63E-4819-4132-9B90-F7FB9170D758}" type="slidenum">
               <a:rPr lang="de-DE" smtClean="0"/>
               <a:pPr/>
-              <a:t>‹Nº›</a:t>
+              <a:t>‹#›</a:t>
             </a:fld>
             <a:endParaRPr lang="de-DE"/>
           </a:p>
@@ -3206,7 +5610,7 @@
             <a:fld id="{1B0DDE4D-4C44-4BEE-A4BA-17759DFD9FBE}" type="datetimeFigureOut">
               <a:rPr lang="de-DE" smtClean="0"/>
               <a:pPr/>
-              <a:t>11.12.2017</a:t>
+              <a:t>12.12.2017</a:t>
             </a:fld>
             <a:endParaRPr lang="de-DE"/>
           </a:p>
@@ -3249,7 +5653,7 @@
             <a:fld id="{0965D63E-4819-4132-9B90-F7FB9170D758}" type="slidenum">
               <a:rPr lang="de-DE" smtClean="0"/>
               <a:pPr/>
-              <a:t>‹Nº›</a:t>
+              <a:t>‹#›</a:t>
             </a:fld>
             <a:endParaRPr lang="de-DE"/>
           </a:p>
@@ -3373,7 +5777,7 @@
             <a:fld id="{1B0DDE4D-4C44-4BEE-A4BA-17759DFD9FBE}" type="datetimeFigureOut">
               <a:rPr lang="de-DE" smtClean="0"/>
               <a:pPr/>
-              <a:t>11.12.2017</a:t>
+              <a:t>12.12.2017</a:t>
             </a:fld>
             <a:endParaRPr lang="de-DE"/>
           </a:p>
@@ -3416,7 +5820,7 @@
             <a:fld id="{0965D63E-4819-4132-9B90-F7FB9170D758}" type="slidenum">
               <a:rPr lang="de-DE" smtClean="0"/>
               <a:pPr/>
-              <a:t>‹Nº›</a:t>
+              <a:t>‹#›</a:t>
             </a:fld>
             <a:endParaRPr lang="de-DE"/>
           </a:p>
@@ -3616,7 +6020,7 @@
             <a:fld id="{1B0DDE4D-4C44-4BEE-A4BA-17759DFD9FBE}" type="datetimeFigureOut">
               <a:rPr lang="de-DE" smtClean="0"/>
               <a:pPr/>
-              <a:t>11.12.2017</a:t>
+              <a:t>12.12.2017</a:t>
             </a:fld>
             <a:endParaRPr lang="de-DE"/>
           </a:p>
@@ -3659,7 +6063,7 @@
             <a:fld id="{0965D63E-4819-4132-9B90-F7FB9170D758}" type="slidenum">
               <a:rPr lang="de-DE" smtClean="0"/>
               <a:pPr/>
-              <a:t>‹Nº›</a:t>
+              <a:t>‹#›</a:t>
             </a:fld>
             <a:endParaRPr lang="de-DE"/>
           </a:p>
@@ -3901,7 +6305,7 @@
             <a:fld id="{1B0DDE4D-4C44-4BEE-A4BA-17759DFD9FBE}" type="datetimeFigureOut">
               <a:rPr lang="de-DE" smtClean="0"/>
               <a:pPr/>
-              <a:t>11.12.2017</a:t>
+              <a:t>12.12.2017</a:t>
             </a:fld>
             <a:endParaRPr lang="de-DE"/>
           </a:p>
@@ -3944,7 +6348,7 @@
             <a:fld id="{0965D63E-4819-4132-9B90-F7FB9170D758}" type="slidenum">
               <a:rPr lang="de-DE" smtClean="0"/>
               <a:pPr/>
-              <a:t>‹Nº›</a:t>
+              <a:t>‹#›</a:t>
             </a:fld>
             <a:endParaRPr lang="de-DE"/>
           </a:p>
@@ -4320,7 +6724,7 @@
             <a:fld id="{1B0DDE4D-4C44-4BEE-A4BA-17759DFD9FBE}" type="datetimeFigureOut">
               <a:rPr lang="de-DE" smtClean="0"/>
               <a:pPr/>
-              <a:t>11.12.2017</a:t>
+              <a:t>12.12.2017</a:t>
             </a:fld>
             <a:endParaRPr lang="de-DE"/>
           </a:p>
@@ -4363,7 +6767,7 @@
             <a:fld id="{0965D63E-4819-4132-9B90-F7FB9170D758}" type="slidenum">
               <a:rPr lang="de-DE" smtClean="0"/>
               <a:pPr/>
-              <a:t>‹Nº›</a:t>
+              <a:t>‹#›</a:t>
             </a:fld>
             <a:endParaRPr lang="de-DE"/>
           </a:p>
@@ -4435,7 +6839,7 @@
             <a:fld id="{1B0DDE4D-4C44-4BEE-A4BA-17759DFD9FBE}" type="datetimeFigureOut">
               <a:rPr lang="de-DE" smtClean="0"/>
               <a:pPr/>
-              <a:t>11.12.2017</a:t>
+              <a:t>12.12.2017</a:t>
             </a:fld>
             <a:endParaRPr lang="de-DE"/>
           </a:p>
@@ -4478,7 +6882,7 @@
             <a:fld id="{0965D63E-4819-4132-9B90-F7FB9170D758}" type="slidenum">
               <a:rPr lang="de-DE" smtClean="0"/>
               <a:pPr/>
-              <a:t>‹Nº›</a:t>
+              <a:t>‹#›</a:t>
             </a:fld>
             <a:endParaRPr lang="de-DE"/>
           </a:p>
@@ -4527,7 +6931,7 @@
             <a:fld id="{1B0DDE4D-4C44-4BEE-A4BA-17759DFD9FBE}" type="datetimeFigureOut">
               <a:rPr lang="de-DE" smtClean="0"/>
               <a:pPr/>
-              <a:t>11.12.2017</a:t>
+              <a:t>12.12.2017</a:t>
             </a:fld>
             <a:endParaRPr lang="de-DE"/>
           </a:p>
@@ -4570,7 +6974,7 @@
             <a:fld id="{0965D63E-4819-4132-9B90-F7FB9170D758}" type="slidenum">
               <a:rPr lang="de-DE" smtClean="0"/>
               <a:pPr/>
-              <a:t>‹Nº›</a:t>
+              <a:t>‹#›</a:t>
             </a:fld>
             <a:endParaRPr lang="de-DE"/>
           </a:p>
@@ -4801,7 +7205,7 @@
             <a:fld id="{1B0DDE4D-4C44-4BEE-A4BA-17759DFD9FBE}" type="datetimeFigureOut">
               <a:rPr lang="de-DE" smtClean="0"/>
               <a:pPr/>
-              <a:t>11.12.2017</a:t>
+              <a:t>12.12.2017</a:t>
             </a:fld>
             <a:endParaRPr lang="de-DE"/>
           </a:p>
@@ -4844,7 +7248,7 @@
             <a:fld id="{0965D63E-4819-4132-9B90-F7FB9170D758}" type="slidenum">
               <a:rPr lang="de-DE" smtClean="0"/>
               <a:pPr/>
-              <a:t>‹Nº›</a:t>
+              <a:t>‹#›</a:t>
             </a:fld>
             <a:endParaRPr lang="de-DE"/>
           </a:p>
@@ -5051,7 +7455,7 @@
             <a:fld id="{1B0DDE4D-4C44-4BEE-A4BA-17759DFD9FBE}" type="datetimeFigureOut">
               <a:rPr lang="de-DE" smtClean="0"/>
               <a:pPr/>
-              <a:t>11.12.2017</a:t>
+              <a:t>12.12.2017</a:t>
             </a:fld>
             <a:endParaRPr lang="de-DE"/>
           </a:p>
@@ -5094,7 +7498,7 @@
             <a:fld id="{0965D63E-4819-4132-9B90-F7FB9170D758}" type="slidenum">
               <a:rPr lang="de-DE" smtClean="0"/>
               <a:pPr/>
-              <a:t>‹Nº›</a:t>
+              <a:t>‹#›</a:t>
             </a:fld>
             <a:endParaRPr lang="de-DE"/>
           </a:p>
@@ -5261,7 +7665,7 @@
             <a:fld id="{1B0DDE4D-4C44-4BEE-A4BA-17759DFD9FBE}" type="datetimeFigureOut">
               <a:rPr lang="de-DE" smtClean="0"/>
               <a:pPr/>
-              <a:t>11.12.2017</a:t>
+              <a:t>12.12.2017</a:t>
             </a:fld>
             <a:endParaRPr lang="de-DE"/>
           </a:p>
@@ -5340,7 +7744,7 @@
             <a:fld id="{0965D63E-4819-4132-9B90-F7FB9170D758}" type="slidenum">
               <a:rPr lang="de-DE" smtClean="0"/>
               <a:pPr/>
-              <a:t>‹Nº›</a:t>
+              <a:t>‹#›</a:t>
             </a:fld>
             <a:endParaRPr lang="de-DE"/>
           </a:p>
@@ -5917,9 +8321,110 @@
             </a:r>
             <a:r>
               <a:rPr lang="de-DE" dirty="0" err="1" smtClean="0"/>
-              <a:t>words</a:t>
+              <a:t>Sentences</a:t>
             </a:r>
             <a:endParaRPr lang="de-DE" dirty="0"/>
+          </a:p>
+        </p:txBody>
+      </p:sp>
+      <p:sp>
+        <p:nvSpPr>
+          <p:cNvPr id="3" name="Content Placeholder 2"/>
+          <p:cNvSpPr>
+            <a:spLocks noGrp="1"/>
+          </p:cNvSpPr>
+          <p:nvPr>
+            <p:ph idx="1"/>
+          </p:nvPr>
+        </p:nvSpPr>
+        <p:spPr/>
+        <p:txBody>
+          <a:bodyPr/>
+          <a:lstStyle/>
+          <a:p>
+            <a:pPr algn="ctr">
+              <a:buNone/>
+            </a:pPr>
+            <a:r>
+              <a:rPr lang="en-US" u="sng" dirty="0" smtClean="0"/>
+              <a:t>Epoch </a:t>
+            </a:r>
+            <a:r>
+              <a:rPr lang="en-US" u="sng" dirty="0" smtClean="0"/>
+              <a:t> 5</a:t>
+            </a:r>
+            <a:r>
+              <a:rPr lang="en-US" u="sng" dirty="0" smtClean="0"/>
+              <a:t>: </a:t>
+            </a:r>
+            <a:endParaRPr lang="en-US" u="sng" dirty="0" smtClean="0"/>
+          </a:p>
+          <a:p>
+            <a:pPr>
+              <a:buNone/>
+            </a:pPr>
+            <a:r>
+              <a:rPr lang="en-US" sz="2800" u="sng" dirty="0" smtClean="0"/>
+              <a:t>Words:</a:t>
+            </a:r>
+            <a:r>
+              <a:rPr lang="en-US" sz="2800" dirty="0" smtClean="0"/>
+              <a:t> ..Grows </a:t>
+            </a:r>
+            <a:r>
+              <a:rPr lang="en-US" sz="2800" dirty="0" smtClean="0"/>
+              <a:t>' of , unknown to , enemy the and </a:t>
+            </a:r>
+            <a:r>
+              <a:rPr lang="en-US" sz="2800" dirty="0" err="1" smtClean="0"/>
+              <a:t>and</a:t>
+            </a:r>
+            <a:r>
+              <a:rPr lang="en-US" sz="2800" dirty="0" smtClean="0"/>
+              <a:t> in am not know ' and unknown </a:t>
+            </a:r>
+            <a:r>
+              <a:rPr lang="en-US" sz="2800" dirty="0" smtClean="0"/>
+              <a:t>Frodo and unknown..</a:t>
+            </a:r>
+          </a:p>
+          <a:p>
+            <a:pPr>
+              <a:buNone/>
+            </a:pPr>
+            <a:endParaRPr lang="en-US" sz="2200" dirty="0" smtClean="0"/>
+          </a:p>
+          <a:p>
+            <a:pPr>
+              <a:buNone/>
+            </a:pPr>
+            <a:endParaRPr lang="en-US" sz="2200" dirty="0" smtClean="0"/>
+          </a:p>
+          <a:p>
+            <a:pPr>
+              <a:buNone/>
+            </a:pPr>
+            <a:r>
+              <a:rPr lang="en-US" sz="2800" u="sng" dirty="0" smtClean="0"/>
+              <a:t>Letters:</a:t>
+            </a:r>
+            <a:r>
+              <a:rPr lang="en-US" sz="2800" dirty="0" smtClean="0"/>
+              <a:t> ..</a:t>
+            </a:r>
+            <a:r>
+              <a:rPr lang="en-US" sz="2800" dirty="0" err="1" smtClean="0"/>
+              <a:t>xing</a:t>
+            </a:r>
+            <a:r>
+              <a:rPr lang="en-US" sz="2800" dirty="0" smtClean="0"/>
+              <a:t> </a:t>
+            </a:r>
+            <a:r>
+              <a:rPr lang="en-US" sz="2800" dirty="0" smtClean="0"/>
+              <a:t>to the walls of the City, and the strangers were still the strangers and the strangers and the water and the walls of the East and the walls of the East.. </a:t>
+            </a:r>
+            <a:endParaRPr lang="de-DE" sz="2800" dirty="0"/>
           </a:p>
         </p:txBody>
       </p:sp>
@@ -5934,6 +8439,11 @@
 <file path=ppt/slides/slide11.xml><?xml version="1.0" encoding="utf-8"?>
 <p:sld xmlns:a="http://schemas.openxmlformats.org/drawingml/2006/main" xmlns:r="http://schemas.openxmlformats.org/officeDocument/2006/relationships" xmlns:p="http://schemas.openxmlformats.org/presentationml/2006/main">
   <p:cSld>
+    <p:bg>
+      <p:bgRef idx="1001">
+        <a:schemeClr val="bg1"/>
+      </p:bgRef>
+    </p:bg>
     <p:spTree>
       <p:nvGrpSpPr>
         <p:cNvPr id="1" name=""/>
@@ -5950,7 +8460,7 @@
       </p:grpSpPr>
       <p:sp>
         <p:nvSpPr>
-          <p:cNvPr id="2" name="Título 1"/>
+          <p:cNvPr id="2" name="Title 1"/>
           <p:cNvSpPr>
             <a:spLocks noGrp="1"/>
           </p:cNvSpPr>
@@ -5964,16 +8474,24 @@
           <a:lstStyle/>
           <a:p>
             <a:r>
-              <a:rPr lang="es-ES" dirty="0" err="1" smtClean="0"/>
-              <a:t>Conclusion</a:t>
-            </a:r>
-            <a:endParaRPr lang="es-ES" dirty="0"/>
+              <a:rPr lang="de-DE" dirty="0" err="1" smtClean="0"/>
+              <a:t>Results</a:t>
+            </a:r>
+            <a:r>
+              <a:rPr lang="de-DE" dirty="0" smtClean="0"/>
+              <a:t>: </a:t>
+            </a:r>
+            <a:r>
+              <a:rPr lang="de-DE" dirty="0" err="1" smtClean="0"/>
+              <a:t>Sentences</a:t>
+            </a:r>
+            <a:endParaRPr lang="de-DE" dirty="0"/>
           </a:p>
         </p:txBody>
       </p:sp>
       <p:sp>
         <p:nvSpPr>
-          <p:cNvPr id="3" name="Marcador de contenido 2"/>
+          <p:cNvPr id="3" name="Content Placeholder 2"/>
           <p:cNvSpPr>
             <a:spLocks noGrp="1"/>
           </p:cNvSpPr>
@@ -5983,326 +8501,120 @@
         </p:nvSpPr>
         <p:spPr/>
         <p:txBody>
-          <a:bodyPr/>
+          <a:bodyPr>
+            <a:noAutofit/>
+          </a:bodyPr>
           <a:lstStyle/>
           <a:p>
-            <a:r>
-              <a:rPr lang="es-ES" dirty="0" err="1" smtClean="0"/>
-              <a:t>We</a:t>
-            </a:r>
-            <a:r>
-              <a:rPr lang="es-ES" dirty="0" smtClean="0"/>
-              <a:t> </a:t>
-            </a:r>
-            <a:r>
-              <a:rPr lang="es-ES" dirty="0" err="1" smtClean="0"/>
-              <a:t>could</a:t>
-            </a:r>
-            <a:r>
-              <a:rPr lang="es-ES" dirty="0" smtClean="0"/>
-              <a:t> </a:t>
-            </a:r>
-            <a:r>
-              <a:rPr lang="es-ES" dirty="0" err="1" smtClean="0"/>
-              <a:t>clearly</a:t>
-            </a:r>
-            <a:r>
-              <a:rPr lang="es-ES" dirty="0" smtClean="0"/>
-              <a:t> </a:t>
-            </a:r>
-            <a:r>
-              <a:rPr lang="es-ES" dirty="0" err="1" smtClean="0"/>
-              <a:t>see</a:t>
-            </a:r>
-            <a:r>
-              <a:rPr lang="es-ES" dirty="0" smtClean="0"/>
-              <a:t> </a:t>
-            </a:r>
-            <a:r>
-              <a:rPr lang="es-ES" dirty="0" err="1" smtClean="0"/>
-              <a:t>how</a:t>
-            </a:r>
-            <a:r>
-              <a:rPr lang="es-ES" dirty="0" smtClean="0"/>
-              <a:t> </a:t>
-            </a:r>
-            <a:r>
-              <a:rPr lang="es-ES" dirty="0" err="1" smtClean="0"/>
-              <a:t>the</a:t>
-            </a:r>
-            <a:r>
-              <a:rPr lang="es-ES" dirty="0" smtClean="0"/>
-              <a:t> machines </a:t>
-            </a:r>
-            <a:r>
-              <a:rPr lang="es-ES" dirty="0" err="1" smtClean="0"/>
-              <a:t>learn</a:t>
-            </a:r>
-            <a:r>
-              <a:rPr lang="es-ES" dirty="0"/>
-              <a:t> </a:t>
-            </a:r>
-            <a:r>
-              <a:rPr lang="es-ES" dirty="0" smtClean="0"/>
-              <a:t>and </a:t>
-            </a:r>
-            <a:r>
-              <a:rPr lang="es-ES" dirty="0" err="1" smtClean="0"/>
-              <a:t>understand</a:t>
-            </a:r>
-            <a:r>
-              <a:rPr lang="es-ES" dirty="0" smtClean="0"/>
-              <a:t> </a:t>
-            </a:r>
-            <a:r>
-              <a:rPr lang="es-ES" dirty="0" err="1" smtClean="0"/>
-              <a:t>the</a:t>
-            </a:r>
-            <a:r>
-              <a:rPr lang="es-ES" dirty="0" smtClean="0"/>
-              <a:t> </a:t>
-            </a:r>
-            <a:r>
-              <a:rPr lang="es-ES" dirty="0" err="1" smtClean="0"/>
-              <a:t>structure</a:t>
-            </a:r>
-            <a:r>
-              <a:rPr lang="es-ES" dirty="0" smtClean="0"/>
-              <a:t> of </a:t>
-            </a:r>
-            <a:r>
-              <a:rPr lang="es-ES" dirty="0" err="1" smtClean="0"/>
-              <a:t>language</a:t>
-            </a:r>
-            <a:endParaRPr lang="es-ES" dirty="0" smtClean="0"/>
-          </a:p>
-          <a:p>
-            <a:r>
-              <a:rPr lang="es-ES" dirty="0" err="1" smtClean="0"/>
-              <a:t>Encoding</a:t>
-            </a:r>
-            <a:r>
-              <a:rPr lang="es-ES" dirty="0" smtClean="0"/>
-              <a:t> </a:t>
-            </a:r>
-            <a:r>
-              <a:rPr lang="es-ES" dirty="0" err="1" smtClean="0"/>
-              <a:t>words</a:t>
-            </a:r>
-            <a:r>
-              <a:rPr lang="es-ES" dirty="0" smtClean="0"/>
-              <a:t> as simple </a:t>
-            </a:r>
-            <a:r>
-              <a:rPr lang="es-ES" dirty="0" err="1" smtClean="0"/>
-              <a:t>integers</a:t>
-            </a:r>
-            <a:r>
-              <a:rPr lang="es-ES" dirty="0" smtClean="0"/>
-              <a:t> </a:t>
-            </a:r>
-            <a:r>
-              <a:rPr lang="es-ES" dirty="0" err="1" smtClean="0"/>
-              <a:t>seems</a:t>
-            </a:r>
-            <a:r>
-              <a:rPr lang="es-ES" dirty="0" smtClean="0"/>
-              <a:t> to </a:t>
-            </a:r>
-            <a:r>
-              <a:rPr lang="es-ES" dirty="0" err="1" smtClean="0"/>
-              <a:t>stripe</a:t>
-            </a:r>
-            <a:r>
-              <a:rPr lang="es-ES" dirty="0" smtClean="0"/>
-              <a:t> </a:t>
-            </a:r>
-            <a:r>
-              <a:rPr lang="es-ES" dirty="0" err="1" smtClean="0"/>
-              <a:t>them</a:t>
-            </a:r>
-            <a:r>
-              <a:rPr lang="es-ES" dirty="0" smtClean="0"/>
-              <a:t> </a:t>
-            </a:r>
-            <a:r>
-              <a:rPr lang="es-ES" dirty="0" err="1" smtClean="0"/>
-              <a:t>from</a:t>
-            </a:r>
-            <a:r>
-              <a:rPr lang="es-ES" dirty="0" smtClean="0"/>
-              <a:t> </a:t>
-            </a:r>
-            <a:r>
-              <a:rPr lang="es-ES" dirty="0" err="1" smtClean="0"/>
-              <a:t>inner</a:t>
-            </a:r>
-            <a:r>
-              <a:rPr lang="es-ES" dirty="0" smtClean="0"/>
-              <a:t> </a:t>
-            </a:r>
-            <a:r>
-              <a:rPr lang="es-ES" dirty="0" err="1" smtClean="0"/>
-              <a:t>context</a:t>
-            </a:r>
-            <a:endParaRPr lang="es-ES" dirty="0"/>
-          </a:p>
-          <a:p>
-            <a:r>
-              <a:rPr lang="es-ES" dirty="0" err="1" smtClean="0"/>
-              <a:t>Does</a:t>
-            </a:r>
-            <a:r>
-              <a:rPr lang="es-ES" dirty="0" smtClean="0"/>
-              <a:t> </a:t>
-            </a:r>
-            <a:r>
-              <a:rPr lang="es-ES" dirty="0" err="1" smtClean="0"/>
-              <a:t>maybe</a:t>
-            </a:r>
-            <a:r>
-              <a:rPr lang="es-ES" dirty="0" smtClean="0"/>
-              <a:t> </a:t>
-            </a:r>
-            <a:r>
-              <a:rPr lang="es-ES" dirty="0" err="1" smtClean="0"/>
-              <a:t>mo</a:t>
-            </a:r>
-            <a:r>
-              <a:rPr lang="es-ES" u="sng" dirty="0" err="1" smtClean="0"/>
-              <a:t>ther</a:t>
-            </a:r>
-            <a:r>
-              <a:rPr lang="es-ES" dirty="0"/>
-              <a:t>,</a:t>
-            </a:r>
-            <a:r>
-              <a:rPr lang="es-ES" dirty="0" smtClean="0"/>
-              <a:t> </a:t>
-            </a:r>
-            <a:r>
-              <a:rPr lang="es-ES" dirty="0" err="1" smtClean="0"/>
-              <a:t>fa</a:t>
-            </a:r>
-            <a:r>
-              <a:rPr lang="es-ES" u="sng" dirty="0" err="1" smtClean="0"/>
-              <a:t>ther</a:t>
-            </a:r>
-            <a:r>
-              <a:rPr lang="es-ES" dirty="0" smtClean="0"/>
-              <a:t>, </a:t>
-            </a:r>
-            <a:r>
-              <a:rPr lang="es-ES" dirty="0" err="1" smtClean="0"/>
-              <a:t>bro</a:t>
-            </a:r>
-            <a:r>
-              <a:rPr lang="es-ES" u="sng" dirty="0" err="1" smtClean="0"/>
-              <a:t>ther</a:t>
-            </a:r>
-            <a:r>
-              <a:rPr lang="es-ES" dirty="0"/>
-              <a:t> </a:t>
-            </a:r>
-            <a:r>
-              <a:rPr lang="es-ES" dirty="0" err="1" smtClean="0"/>
-              <a:t>have</a:t>
-            </a:r>
-            <a:r>
-              <a:rPr lang="es-ES" dirty="0" smtClean="0"/>
-              <a:t> </a:t>
-            </a:r>
-            <a:r>
-              <a:rPr lang="es-ES" dirty="0" err="1" smtClean="0"/>
-              <a:t>inner</a:t>
-            </a:r>
-            <a:r>
-              <a:rPr lang="es-ES" dirty="0" smtClean="0"/>
-              <a:t> </a:t>
-            </a:r>
-            <a:r>
-              <a:rPr lang="es-ES" dirty="0" err="1" smtClean="0"/>
-              <a:t>structure</a:t>
-            </a:r>
-            <a:r>
-              <a:rPr lang="es-ES" dirty="0" smtClean="0"/>
-              <a:t> </a:t>
-            </a:r>
-            <a:r>
-              <a:rPr lang="es-ES" dirty="0" err="1" smtClean="0"/>
-              <a:t>the</a:t>
-            </a:r>
-            <a:r>
-              <a:rPr lang="es-ES" dirty="0" smtClean="0"/>
-              <a:t> machine </a:t>
-            </a:r>
-            <a:r>
-              <a:rPr lang="es-ES" dirty="0" err="1" smtClean="0"/>
-              <a:t>understands</a:t>
-            </a:r>
-            <a:r>
-              <a:rPr lang="es-ES" dirty="0" smtClean="0"/>
-              <a:t>?</a:t>
-            </a:r>
-          </a:p>
-          <a:p>
-            <a:r>
-              <a:rPr lang="es-ES" dirty="0" smtClean="0"/>
-              <a:t>Are </a:t>
-            </a:r>
-            <a:r>
-              <a:rPr lang="es-ES" dirty="0" err="1" smtClean="0"/>
-              <a:t>children</a:t>
-            </a:r>
-            <a:r>
-              <a:rPr lang="es-ES" dirty="0" smtClean="0"/>
-              <a:t> </a:t>
-            </a:r>
-            <a:r>
-              <a:rPr lang="es-ES" dirty="0" err="1" smtClean="0"/>
-              <a:t>learning</a:t>
-            </a:r>
-            <a:r>
-              <a:rPr lang="es-ES" dirty="0" smtClean="0"/>
-              <a:t> </a:t>
-            </a:r>
-            <a:r>
-              <a:rPr lang="es-ES" dirty="0" err="1" smtClean="0"/>
-              <a:t>the</a:t>
-            </a:r>
-            <a:r>
-              <a:rPr lang="es-ES" dirty="0" smtClean="0"/>
-              <a:t> </a:t>
-            </a:r>
-            <a:r>
-              <a:rPr lang="es-ES" dirty="0" err="1" smtClean="0"/>
-              <a:t>same</a:t>
-            </a:r>
-            <a:r>
-              <a:rPr lang="es-ES" dirty="0" smtClean="0"/>
-              <a:t> </a:t>
-            </a:r>
-            <a:r>
-              <a:rPr lang="es-ES" dirty="0" err="1" smtClean="0"/>
-              <a:t>way</a:t>
-            </a:r>
-            <a:r>
-              <a:rPr lang="es-ES" dirty="0" smtClean="0"/>
-              <a:t>?</a:t>
-            </a:r>
-            <a:endParaRPr lang="es-ES" dirty="0"/>
+            <a:pPr algn="ctr">
+              <a:buNone/>
+            </a:pPr>
+            <a:r>
+              <a:rPr lang="en-US" u="sng" dirty="0" smtClean="0"/>
+              <a:t>Epoch </a:t>
+            </a:r>
+            <a:r>
+              <a:rPr lang="en-US" u="sng" dirty="0" smtClean="0"/>
+              <a:t>10: </a:t>
+            </a:r>
+          </a:p>
+          <a:p>
+            <a:pPr>
+              <a:buNone/>
+            </a:pPr>
+            <a:r>
+              <a:rPr lang="en-US" sz="2800" u="sng" dirty="0" smtClean="0"/>
+              <a:t>Words:</a:t>
+            </a:r>
+            <a:r>
+              <a:rPr lang="en-US" sz="2800" dirty="0" smtClean="0"/>
+              <a:t> ..Gather </a:t>
+            </a:r>
+            <a:r>
+              <a:rPr lang="en-US" sz="2800" dirty="0" smtClean="0"/>
+              <a:t>the and </a:t>
+            </a:r>
+            <a:r>
+              <a:rPr lang="en-US" sz="2800" dirty="0" err="1" smtClean="0"/>
+              <a:t>and</a:t>
+            </a:r>
+            <a:r>
+              <a:rPr lang="en-US" sz="2800" dirty="0" smtClean="0"/>
+              <a:t> in will ' and unknown </a:t>
+            </a:r>
+            <a:r>
+              <a:rPr lang="en-US" sz="2800" dirty="0" err="1" smtClean="0"/>
+              <a:t>frodo</a:t>
+            </a:r>
+            <a:r>
+              <a:rPr lang="en-US" sz="2800" dirty="0" smtClean="0"/>
+              <a:t> the and in am sorry ' and unknown but have come a , way the and </a:t>
+            </a:r>
+            <a:r>
+              <a:rPr lang="en-US" sz="2800" dirty="0" err="1" smtClean="0"/>
+              <a:t>and</a:t>
+            </a:r>
+            <a:r>
+              <a:rPr lang="en-US" sz="2800" dirty="0" smtClean="0"/>
+              <a:t> in am sorry a the and of in they too </a:t>
+            </a:r>
+            <a:r>
+              <a:rPr lang="en-US" sz="2800" dirty="0" err="1" smtClean="0"/>
+              <a:t>rohan</a:t>
+            </a:r>
+            <a:r>
+              <a:rPr lang="en-US" sz="2800" dirty="0" smtClean="0"/>
+              <a:t> a</a:t>
+            </a:r>
+            <a:r>
+              <a:rPr lang="en-US" sz="2800" dirty="0" smtClean="0"/>
+              <a:t>..</a:t>
+            </a:r>
+          </a:p>
+          <a:p>
+            <a:pPr>
+              <a:buNone/>
+            </a:pPr>
+            <a:r>
+              <a:rPr lang="en-US" sz="2800" u="sng" dirty="0" smtClean="0"/>
+              <a:t>Letters:</a:t>
+            </a:r>
+            <a:r>
+              <a:rPr lang="en-US" sz="2800" dirty="0" smtClean="0"/>
+              <a:t> ..? </a:t>
+            </a:r>
+            <a:r>
+              <a:rPr lang="en-US" sz="2800" dirty="0" smtClean="0"/>
+              <a:t>' said Frodo. 'But I cannot see them and the strength of the house of </a:t>
+            </a:r>
+            <a:r>
+              <a:rPr lang="en-US" sz="2800" dirty="0" err="1" smtClean="0"/>
+              <a:t>Elendil</a:t>
+            </a:r>
+            <a:r>
+              <a:rPr lang="en-US" sz="2800" dirty="0" smtClean="0"/>
+              <a:t> and </a:t>
+            </a:r>
+            <a:r>
+              <a:rPr lang="en-US" sz="2800" dirty="0" err="1" smtClean="0"/>
+              <a:t>Isildur's</a:t>
+            </a:r>
+            <a:r>
+              <a:rPr lang="en-US" sz="2800" dirty="0" smtClean="0"/>
+              <a:t> Bane. I have not seen the next move. He wondered what he was of the words of the Shire and the sound of the stream that was still to be seen. The sun was shining in the sunlight of </a:t>
+            </a:r>
+            <a:r>
+              <a:rPr lang="en-US" sz="2800" dirty="0" smtClean="0"/>
+              <a:t>steel.. </a:t>
+            </a:r>
+            <a:endParaRPr lang="de-DE" sz="2800" dirty="0"/>
           </a:p>
         </p:txBody>
       </p:sp>
     </p:spTree>
-    <p:extLst>
-      <p:ext uri="{BB962C8B-B14F-4D97-AF65-F5344CB8AC3E}">
-        <p14:creationId xmlns:p14="http://schemas.microsoft.com/office/powerpoint/2010/main" val="1447786940"/>
-      </p:ext>
-    </p:extLst>
   </p:cSld>
   <p:clrMapOvr>
-    <a:masterClrMapping/>
+    <a:overrideClrMapping bg1="lt1" tx1="dk1" bg2="lt2" tx2="dk2" accent1="accent1" accent2="accent2" accent3="accent3" accent4="accent4" accent5="accent5" accent6="accent6" hlink="hlink" folHlink="folHlink"/>
   </p:clrMapOvr>
 </p:sld>
 </file>
@@ -6310,6 +8622,11 @@
 <file path=ppt/slides/slide12.xml><?xml version="1.0" encoding="utf-8"?>
 <p:sld xmlns:a="http://schemas.openxmlformats.org/drawingml/2006/main" xmlns:r="http://schemas.openxmlformats.org/officeDocument/2006/relationships" xmlns:p="http://schemas.openxmlformats.org/presentationml/2006/main">
   <p:cSld>
+    <p:bg>
+      <p:bgRef idx="1001">
+        <a:schemeClr val="bg1"/>
+      </p:bgRef>
+    </p:bg>
     <p:spTree>
       <p:nvGrpSpPr>
         <p:cNvPr id="1" name=""/>
@@ -6341,15 +8658,15 @@
           <a:p>
             <a:r>
               <a:rPr lang="de-DE" dirty="0" err="1" smtClean="0"/>
-              <a:t>Prospect</a:t>
+              <a:t>Results</a:t>
             </a:r>
             <a:r>
               <a:rPr lang="de-DE" dirty="0" smtClean="0"/>
-              <a:t>/</a:t>
+              <a:t>: </a:t>
             </a:r>
             <a:r>
               <a:rPr lang="de-DE" dirty="0" err="1" smtClean="0"/>
-              <a:t>Perspective</a:t>
+              <a:t>Sentences</a:t>
             </a:r>
             <a:endParaRPr lang="de-DE" dirty="0"/>
           </a:p>
@@ -6367,41 +8684,112 @@
         </p:nvSpPr>
         <p:spPr/>
         <p:txBody>
-          <a:bodyPr/>
+          <a:bodyPr>
+            <a:noAutofit/>
+          </a:bodyPr>
           <a:lstStyle/>
           <a:p>
-            <a:r>
-              <a:rPr lang="de-DE" dirty="0" smtClean="0"/>
-              <a:t>Using </a:t>
-            </a:r>
-            <a:r>
-              <a:rPr lang="de-DE" dirty="0" smtClean="0"/>
-              <a:t>word2vec to keep word contexts</a:t>
-            </a:r>
-            <a:endParaRPr lang="de-DE" dirty="0" smtClean="0"/>
-          </a:p>
-          <a:p>
-            <a:r>
-              <a:rPr lang="de-DE" dirty="0" smtClean="0"/>
-              <a:t>Compare LSTM </a:t>
-            </a:r>
-            <a:r>
-              <a:rPr lang="de-DE" dirty="0" smtClean="0"/>
-              <a:t>w/ GRU</a:t>
-            </a:r>
-          </a:p>
-          <a:p>
-            <a:endParaRPr lang="de-DE" dirty="0" smtClean="0"/>
-          </a:p>
-          <a:p>
-            <a:endParaRPr lang="de-DE" dirty="0"/>
+            <a:pPr algn="ctr">
+              <a:buNone/>
+            </a:pPr>
+            <a:r>
+              <a:rPr lang="en-US" u="sng" dirty="0" smtClean="0"/>
+              <a:t>Epoch </a:t>
+            </a:r>
+            <a:r>
+              <a:rPr lang="en-US" u="sng" dirty="0" smtClean="0"/>
+              <a:t>40: </a:t>
+            </a:r>
+          </a:p>
+          <a:p>
+            <a:pPr>
+              <a:buNone/>
+            </a:pPr>
+            <a:r>
+              <a:rPr lang="en-US" sz="2800" u="sng" dirty="0" smtClean="0"/>
+              <a:t>Words:</a:t>
+            </a:r>
+            <a:r>
+              <a:rPr lang="en-US" sz="2800" dirty="0" smtClean="0"/>
+              <a:t> ..Burst </a:t>
+            </a:r>
+            <a:r>
+              <a:rPr lang="en-US" sz="2800" dirty="0" smtClean="0"/>
+              <a:t>it stars to blue of green ' or after full are ever and </a:t>
+            </a:r>
+            <a:r>
+              <a:rPr lang="en-US" sz="2800" dirty="0" err="1" smtClean="0"/>
+              <a:t>and</a:t>
+            </a:r>
+            <a:r>
+              <a:rPr lang="en-US" sz="2800" dirty="0" smtClean="0"/>
+              <a:t> </a:t>
+            </a:r>
+            <a:r>
+              <a:rPr lang="en-US" sz="2800" dirty="0" err="1" smtClean="0"/>
+              <a:t>i</a:t>
+            </a:r>
+            <a:r>
+              <a:rPr lang="en-US" sz="2800" dirty="0" smtClean="0"/>
+              <a:t> ? The and </a:t>
+            </a:r>
+            <a:r>
+              <a:rPr lang="en-US" sz="2800" dirty="0" err="1" smtClean="0"/>
+              <a:t>and</a:t>
+            </a:r>
+            <a:r>
+              <a:rPr lang="en-US" sz="2800" dirty="0" smtClean="0"/>
+              <a:t> unknown we unknown </a:t>
+            </a:r>
+            <a:r>
+              <a:rPr lang="en-US" sz="2800" dirty="0" err="1" smtClean="0"/>
+              <a:t>unknown</a:t>
+            </a:r>
+            <a:r>
+              <a:rPr lang="en-US" sz="2800" dirty="0" smtClean="0"/>
+              <a:t> the , road we now ? Yet do but with would name ? ? ?</a:t>
+            </a:r>
+            <a:r>
+              <a:rPr lang="en-US" sz="2800" dirty="0" smtClean="0"/>
+              <a:t>..</a:t>
+            </a:r>
+          </a:p>
+          <a:p>
+            <a:pPr>
+              <a:buNone/>
+            </a:pPr>
+            <a:r>
+              <a:rPr lang="en-US" sz="2800" u="sng" dirty="0" smtClean="0"/>
+              <a:t>Letters:</a:t>
+            </a:r>
+            <a:r>
+              <a:rPr lang="en-US" sz="2800" dirty="0" smtClean="0"/>
+              <a:t> ..Now </a:t>
+            </a:r>
+            <a:r>
+              <a:rPr lang="en-US" sz="2800" dirty="0" smtClean="0"/>
+              <a:t>Sam stirred. 'Well, well! may you leave him already.' He pained his eyes and struggled on the rim of the strange light of the mountain-side when the hearth will of the </a:t>
+            </a:r>
+            <a:r>
+              <a:rPr lang="en-US" sz="2800" dirty="0" err="1" smtClean="0"/>
+              <a:t>Entwash</a:t>
+            </a:r>
+            <a:r>
+              <a:rPr lang="en-US" sz="2800" dirty="0" smtClean="0"/>
+              <a:t>. The Shire was greater and stronger. For the moment more to the </a:t>
+            </a:r>
+            <a:r>
+              <a:rPr lang="en-US" sz="2800" dirty="0" smtClean="0"/>
+              <a:t>world.. </a:t>
+            </a:r>
+            <a:endParaRPr lang="de-DE" sz="2800" dirty="0"/>
           </a:p>
         </p:txBody>
       </p:sp>
     </p:spTree>
   </p:cSld>
   <p:clrMapOvr>
-    <a:masterClrMapping/>
+    <a:overrideClrMapping bg1="lt1" tx1="dk1" bg2="lt2" tx2="dk2" accent1="accent1" accent2="accent2" accent3="accent3" accent4="accent4" accent5="accent5" accent6="accent6" hlink="hlink" folHlink="folHlink"/>
   </p:clrMapOvr>
 </p:sld>
 </file>
@@ -6440,7 +8828,15 @@
           <a:p>
             <a:r>
               <a:rPr lang="de-DE" dirty="0" err="1" smtClean="0"/>
-              <a:t>Sources</a:t>
+              <a:t>Results</a:t>
+            </a:r>
+            <a:r>
+              <a:rPr lang="de-DE" dirty="0" smtClean="0"/>
+              <a:t>: </a:t>
+            </a:r>
+            <a:r>
+              <a:rPr lang="de-DE" dirty="0" err="1" smtClean="0"/>
+              <a:t>Sentences</a:t>
             </a:r>
             <a:endParaRPr lang="de-DE" dirty="0"/>
           </a:p>
@@ -6459,6 +8855,656 @@
         <p:spPr/>
         <p:txBody>
           <a:bodyPr>
+            <a:noAutofit/>
+          </a:bodyPr>
+          <a:lstStyle/>
+          <a:p>
+            <a:pPr algn="ctr">
+              <a:buNone/>
+            </a:pPr>
+            <a:r>
+              <a:rPr lang="en-US" u="sng" dirty="0" smtClean="0"/>
+              <a:t>Epoch </a:t>
+            </a:r>
+            <a:r>
+              <a:rPr lang="en-US" u="sng" dirty="0" smtClean="0"/>
+              <a:t>140: </a:t>
+            </a:r>
+          </a:p>
+          <a:p>
+            <a:pPr>
+              <a:buNone/>
+            </a:pPr>
+            <a:r>
+              <a:rPr lang="en-US" sz="2800" u="sng" dirty="0" smtClean="0"/>
+              <a:t>Words:</a:t>
+            </a:r>
+            <a:r>
+              <a:rPr lang="en-US" sz="2800" dirty="0" smtClean="0"/>
+              <a:t> ..Backward </a:t>
+            </a:r>
+            <a:r>
+              <a:rPr lang="en-US" sz="2800" dirty="0" smtClean="0"/>
+              <a:t>, first unknown their shire </a:t>
+            </a:r>
+            <a:r>
+              <a:rPr lang="en-US" sz="2800" dirty="0" smtClean="0"/>
+              <a:t>the </a:t>
+            </a:r>
+            <a:r>
+              <a:rPr lang="en-US" sz="2800" dirty="0" smtClean="0"/>
+              <a:t>tell them ' was may be right south sod unknown our unknown </a:t>
+            </a:r>
+            <a:r>
+              <a:rPr lang="en-US" sz="2800" dirty="0" err="1" smtClean="0"/>
+              <a:t>gandalf</a:t>
+            </a:r>
+            <a:r>
+              <a:rPr lang="en-US" sz="2800" dirty="0" smtClean="0"/>
+              <a:t> </a:t>
+            </a:r>
+            <a:r>
+              <a:rPr lang="en-US" sz="2800" dirty="0" err="1" smtClean="0"/>
+              <a:t>gimli</a:t>
+            </a:r>
+            <a:r>
+              <a:rPr lang="en-US" sz="2800" dirty="0" smtClean="0"/>
+              <a:t> very </a:t>
+            </a:r>
+            <a:r>
+              <a:rPr lang="en-US" sz="2800" dirty="0" err="1" smtClean="0"/>
+              <a:t>gandalf</a:t>
+            </a:r>
+            <a:r>
+              <a:rPr lang="en-US" sz="2800" dirty="0" smtClean="0"/>
+              <a:t>..</a:t>
+            </a:r>
+          </a:p>
+          <a:p>
+            <a:pPr>
+              <a:buNone/>
+            </a:pPr>
+            <a:endParaRPr lang="en-US" sz="2400" dirty="0" smtClean="0"/>
+          </a:p>
+          <a:p>
+            <a:pPr>
+              <a:buNone/>
+            </a:pPr>
+            <a:r>
+              <a:rPr lang="en-US" sz="2800" u="sng" dirty="0" smtClean="0"/>
+              <a:t>Letters:</a:t>
+            </a:r>
+            <a:r>
+              <a:rPr lang="en-US" sz="2800" dirty="0" smtClean="0"/>
+              <a:t> ..'Yes</a:t>
+            </a:r>
+            <a:r>
+              <a:rPr lang="en-US" sz="2800" dirty="0" smtClean="0"/>
+              <a:t>, we'll go soon,' said Frodo, as he </a:t>
+            </a:r>
+            <a:r>
+              <a:rPr lang="en-US" sz="2800" dirty="0" err="1" smtClean="0"/>
+              <a:t>draided</a:t>
+            </a:r>
+            <a:r>
+              <a:rPr lang="en-US" sz="2800" dirty="0" smtClean="0"/>
+              <a:t> his long lists, all about the shadows of the grey trees, save for a fleeting man in </a:t>
+            </a:r>
+            <a:r>
+              <a:rPr lang="en-US" sz="2800" dirty="0" err="1" smtClean="0"/>
+              <a:t>Hobbiton</a:t>
+            </a:r>
+            <a:r>
+              <a:rPr lang="en-US" sz="2800" dirty="0" smtClean="0"/>
+              <a:t> and King </a:t>
+            </a:r>
+            <a:r>
+              <a:rPr lang="en-US" sz="2800" dirty="0" err="1" smtClean="0"/>
+              <a:t>Elendil</a:t>
+            </a:r>
+            <a:r>
+              <a:rPr lang="en-US" sz="2800" dirty="0" smtClean="0"/>
+              <a:t> are west of the Shire, and the rest may break out for them in the northern </a:t>
+            </a:r>
+            <a:r>
+              <a:rPr lang="en-US" sz="2800" dirty="0" err="1" smtClean="0"/>
+              <a:t>arcover</a:t>
+            </a:r>
+            <a:r>
+              <a:rPr lang="en-US" sz="2800" dirty="0" smtClean="0"/>
+              <a:t>.. </a:t>
+            </a:r>
+            <a:endParaRPr lang="de-DE" sz="2800" dirty="0"/>
+          </a:p>
+        </p:txBody>
+      </p:sp>
+    </p:spTree>
+  </p:cSld>
+  <p:clrMapOvr>
+    <a:masterClrMapping/>
+  </p:clrMapOvr>
+</p:sld>
+</file>
+
+<file path=ppt/slides/slide14.xml><?xml version="1.0" encoding="utf-8"?>
+<p:sld xmlns:a="http://schemas.openxmlformats.org/drawingml/2006/main" xmlns:r="http://schemas.openxmlformats.org/officeDocument/2006/relationships" xmlns:p="http://schemas.openxmlformats.org/presentationml/2006/main">
+  <p:cSld>
+    <p:spTree>
+      <p:nvGrpSpPr>
+        <p:cNvPr id="1" name=""/>
+        <p:cNvGrpSpPr/>
+        <p:nvPr/>
+      </p:nvGrpSpPr>
+      <p:grpSpPr>
+        <a:xfrm>
+          <a:off x="0" y="0"/>
+          <a:ext cx="0" cy="0"/>
+          <a:chOff x="0" y="0"/>
+          <a:chExt cx="0" cy="0"/>
+        </a:xfrm>
+      </p:grpSpPr>
+      <p:sp>
+        <p:nvSpPr>
+          <p:cNvPr id="2" name="Título 1"/>
+          <p:cNvSpPr>
+            <a:spLocks noGrp="1"/>
+          </p:cNvSpPr>
+          <p:nvPr>
+            <p:ph type="title"/>
+          </p:nvPr>
+        </p:nvSpPr>
+        <p:spPr/>
+        <p:txBody>
+          <a:bodyPr/>
+          <a:lstStyle/>
+          <a:p>
+            <a:r>
+              <a:rPr lang="es-ES" dirty="0" err="1" smtClean="0"/>
+              <a:t>Conclusion</a:t>
+            </a:r>
+            <a:endParaRPr lang="es-ES" dirty="0"/>
+          </a:p>
+        </p:txBody>
+      </p:sp>
+      <p:sp>
+        <p:nvSpPr>
+          <p:cNvPr id="3" name="Marcador de contenido 2"/>
+          <p:cNvSpPr>
+            <a:spLocks noGrp="1"/>
+          </p:cNvSpPr>
+          <p:nvPr>
+            <p:ph idx="1"/>
+          </p:nvPr>
+        </p:nvSpPr>
+        <p:spPr/>
+        <p:txBody>
+          <a:bodyPr/>
+          <a:lstStyle/>
+          <a:p>
+            <a:r>
+              <a:rPr lang="es-ES" dirty="0" err="1" smtClean="0"/>
+              <a:t>We</a:t>
+            </a:r>
+            <a:r>
+              <a:rPr lang="es-ES" dirty="0" smtClean="0"/>
+              <a:t> </a:t>
+            </a:r>
+            <a:r>
+              <a:rPr lang="es-ES" dirty="0" err="1" smtClean="0"/>
+              <a:t>could</a:t>
+            </a:r>
+            <a:r>
+              <a:rPr lang="es-ES" dirty="0" smtClean="0"/>
+              <a:t> </a:t>
+            </a:r>
+            <a:r>
+              <a:rPr lang="es-ES" dirty="0" err="1" smtClean="0"/>
+              <a:t>clearly</a:t>
+            </a:r>
+            <a:r>
+              <a:rPr lang="es-ES" dirty="0" smtClean="0"/>
+              <a:t> </a:t>
+            </a:r>
+            <a:r>
+              <a:rPr lang="es-ES" dirty="0" err="1" smtClean="0"/>
+              <a:t>see</a:t>
+            </a:r>
+            <a:r>
+              <a:rPr lang="es-ES" dirty="0" smtClean="0"/>
+              <a:t> </a:t>
+            </a:r>
+            <a:r>
+              <a:rPr lang="es-ES" dirty="0" err="1" smtClean="0"/>
+              <a:t>how</a:t>
+            </a:r>
+            <a:r>
+              <a:rPr lang="es-ES" dirty="0" smtClean="0"/>
+              <a:t> </a:t>
+            </a:r>
+            <a:r>
+              <a:rPr lang="es-ES" dirty="0" err="1" smtClean="0"/>
+              <a:t>the</a:t>
+            </a:r>
+            <a:r>
+              <a:rPr lang="es-ES" dirty="0" smtClean="0"/>
+              <a:t> machines </a:t>
+            </a:r>
+            <a:r>
+              <a:rPr lang="es-ES" dirty="0" err="1" smtClean="0"/>
+              <a:t>learn</a:t>
+            </a:r>
+            <a:r>
+              <a:rPr lang="es-ES" dirty="0"/>
+              <a:t> </a:t>
+            </a:r>
+            <a:r>
+              <a:rPr lang="es-ES" dirty="0" smtClean="0"/>
+              <a:t>and </a:t>
+            </a:r>
+            <a:r>
+              <a:rPr lang="es-ES" dirty="0" err="1" smtClean="0"/>
+              <a:t>understand</a:t>
+            </a:r>
+            <a:r>
+              <a:rPr lang="es-ES" dirty="0" smtClean="0"/>
+              <a:t> </a:t>
+            </a:r>
+            <a:r>
+              <a:rPr lang="es-ES" dirty="0" err="1" smtClean="0"/>
+              <a:t>the</a:t>
+            </a:r>
+            <a:r>
+              <a:rPr lang="es-ES" dirty="0" smtClean="0"/>
+              <a:t> </a:t>
+            </a:r>
+            <a:r>
+              <a:rPr lang="es-ES" dirty="0" err="1" smtClean="0"/>
+              <a:t>structure</a:t>
+            </a:r>
+            <a:r>
+              <a:rPr lang="es-ES" dirty="0" smtClean="0"/>
+              <a:t> of </a:t>
+            </a:r>
+            <a:r>
+              <a:rPr lang="es-ES" dirty="0" err="1" smtClean="0"/>
+              <a:t>language</a:t>
+            </a:r>
+            <a:endParaRPr lang="es-ES" dirty="0" smtClean="0"/>
+          </a:p>
+          <a:p>
+            <a:r>
+              <a:rPr lang="es-ES" dirty="0" err="1" smtClean="0"/>
+              <a:t>Encoding</a:t>
+            </a:r>
+            <a:r>
+              <a:rPr lang="es-ES" dirty="0" smtClean="0"/>
+              <a:t> </a:t>
+            </a:r>
+            <a:r>
+              <a:rPr lang="es-ES" dirty="0" err="1" smtClean="0"/>
+              <a:t>words</a:t>
+            </a:r>
+            <a:r>
+              <a:rPr lang="es-ES" dirty="0" smtClean="0"/>
+              <a:t> as simple </a:t>
+            </a:r>
+            <a:r>
+              <a:rPr lang="es-ES" dirty="0" err="1" smtClean="0"/>
+              <a:t>integers</a:t>
+            </a:r>
+            <a:r>
+              <a:rPr lang="es-ES" dirty="0" smtClean="0"/>
+              <a:t> </a:t>
+            </a:r>
+            <a:r>
+              <a:rPr lang="es-ES" dirty="0" err="1" smtClean="0"/>
+              <a:t>seems</a:t>
+            </a:r>
+            <a:r>
+              <a:rPr lang="es-ES" dirty="0" smtClean="0"/>
+              <a:t> to </a:t>
+            </a:r>
+            <a:r>
+              <a:rPr lang="es-ES" dirty="0" err="1" smtClean="0"/>
+              <a:t>stripe</a:t>
+            </a:r>
+            <a:r>
+              <a:rPr lang="es-ES" dirty="0" smtClean="0"/>
+              <a:t> </a:t>
+            </a:r>
+            <a:r>
+              <a:rPr lang="es-ES" dirty="0" err="1" smtClean="0"/>
+              <a:t>them</a:t>
+            </a:r>
+            <a:r>
+              <a:rPr lang="es-ES" dirty="0" smtClean="0"/>
+              <a:t> </a:t>
+            </a:r>
+            <a:r>
+              <a:rPr lang="es-ES" dirty="0" err="1" smtClean="0"/>
+              <a:t>from</a:t>
+            </a:r>
+            <a:r>
+              <a:rPr lang="es-ES" dirty="0" smtClean="0"/>
+              <a:t> </a:t>
+            </a:r>
+            <a:r>
+              <a:rPr lang="es-ES" dirty="0" err="1" smtClean="0"/>
+              <a:t>inner</a:t>
+            </a:r>
+            <a:r>
+              <a:rPr lang="es-ES" dirty="0" smtClean="0"/>
+              <a:t> </a:t>
+            </a:r>
+            <a:r>
+              <a:rPr lang="es-ES" dirty="0" err="1" smtClean="0"/>
+              <a:t>context</a:t>
+            </a:r>
+            <a:endParaRPr lang="es-ES" dirty="0"/>
+          </a:p>
+          <a:p>
+            <a:r>
+              <a:rPr lang="es-ES" dirty="0" err="1" smtClean="0"/>
+              <a:t>Does</a:t>
+            </a:r>
+            <a:r>
+              <a:rPr lang="es-ES" dirty="0" smtClean="0"/>
+              <a:t> </a:t>
+            </a:r>
+            <a:r>
+              <a:rPr lang="es-ES" dirty="0" err="1" smtClean="0"/>
+              <a:t>maybe</a:t>
+            </a:r>
+            <a:r>
+              <a:rPr lang="es-ES" dirty="0" smtClean="0"/>
+              <a:t> </a:t>
+            </a:r>
+            <a:r>
+              <a:rPr lang="es-ES" dirty="0" err="1" smtClean="0"/>
+              <a:t>mo</a:t>
+            </a:r>
+            <a:r>
+              <a:rPr lang="es-ES" u="sng" dirty="0" err="1" smtClean="0"/>
+              <a:t>ther</a:t>
+            </a:r>
+            <a:r>
+              <a:rPr lang="es-ES" dirty="0"/>
+              <a:t>,</a:t>
+            </a:r>
+            <a:r>
+              <a:rPr lang="es-ES" dirty="0" smtClean="0"/>
+              <a:t> </a:t>
+            </a:r>
+            <a:r>
+              <a:rPr lang="es-ES" dirty="0" err="1" smtClean="0"/>
+              <a:t>fa</a:t>
+            </a:r>
+            <a:r>
+              <a:rPr lang="es-ES" u="sng" dirty="0" err="1" smtClean="0"/>
+              <a:t>ther</a:t>
+            </a:r>
+            <a:r>
+              <a:rPr lang="es-ES" dirty="0" smtClean="0"/>
+              <a:t>, </a:t>
+            </a:r>
+            <a:r>
+              <a:rPr lang="es-ES" dirty="0" err="1" smtClean="0"/>
+              <a:t>bro</a:t>
+            </a:r>
+            <a:r>
+              <a:rPr lang="es-ES" u="sng" dirty="0" err="1" smtClean="0"/>
+              <a:t>ther</a:t>
+            </a:r>
+            <a:r>
+              <a:rPr lang="es-ES" dirty="0"/>
+              <a:t> </a:t>
+            </a:r>
+            <a:r>
+              <a:rPr lang="es-ES" dirty="0" err="1" smtClean="0"/>
+              <a:t>have</a:t>
+            </a:r>
+            <a:r>
+              <a:rPr lang="es-ES" dirty="0" smtClean="0"/>
+              <a:t> </a:t>
+            </a:r>
+            <a:r>
+              <a:rPr lang="es-ES" dirty="0" err="1" smtClean="0"/>
+              <a:t>inner</a:t>
+            </a:r>
+            <a:r>
+              <a:rPr lang="es-ES" dirty="0" smtClean="0"/>
+              <a:t> </a:t>
+            </a:r>
+            <a:r>
+              <a:rPr lang="es-ES" dirty="0" err="1" smtClean="0"/>
+              <a:t>structure</a:t>
+            </a:r>
+            <a:r>
+              <a:rPr lang="es-ES" dirty="0" smtClean="0"/>
+              <a:t> </a:t>
+            </a:r>
+            <a:r>
+              <a:rPr lang="es-ES" dirty="0" err="1" smtClean="0"/>
+              <a:t>the</a:t>
+            </a:r>
+            <a:r>
+              <a:rPr lang="es-ES" dirty="0" smtClean="0"/>
+              <a:t> machine </a:t>
+            </a:r>
+            <a:r>
+              <a:rPr lang="es-ES" dirty="0" err="1" smtClean="0"/>
+              <a:t>understands</a:t>
+            </a:r>
+            <a:r>
+              <a:rPr lang="es-ES" dirty="0" smtClean="0"/>
+              <a:t>?</a:t>
+            </a:r>
+          </a:p>
+          <a:p>
+            <a:r>
+              <a:rPr lang="es-ES" dirty="0" smtClean="0"/>
+              <a:t>Are </a:t>
+            </a:r>
+            <a:r>
+              <a:rPr lang="es-ES" dirty="0" err="1" smtClean="0"/>
+              <a:t>children</a:t>
+            </a:r>
+            <a:r>
+              <a:rPr lang="es-ES" dirty="0" smtClean="0"/>
+              <a:t> </a:t>
+            </a:r>
+            <a:r>
+              <a:rPr lang="es-ES" dirty="0" err="1" smtClean="0"/>
+              <a:t>learning</a:t>
+            </a:r>
+            <a:r>
+              <a:rPr lang="es-ES" dirty="0" smtClean="0"/>
+              <a:t> </a:t>
+            </a:r>
+            <a:r>
+              <a:rPr lang="es-ES" dirty="0" err="1" smtClean="0"/>
+              <a:t>the</a:t>
+            </a:r>
+            <a:r>
+              <a:rPr lang="es-ES" dirty="0" smtClean="0"/>
+              <a:t> </a:t>
+            </a:r>
+            <a:r>
+              <a:rPr lang="es-ES" dirty="0" err="1" smtClean="0"/>
+              <a:t>same</a:t>
+            </a:r>
+            <a:r>
+              <a:rPr lang="es-ES" dirty="0" smtClean="0"/>
+              <a:t> </a:t>
+            </a:r>
+            <a:r>
+              <a:rPr lang="es-ES" dirty="0" err="1" smtClean="0"/>
+              <a:t>way</a:t>
+            </a:r>
+            <a:r>
+              <a:rPr lang="es-ES" dirty="0" smtClean="0"/>
+              <a:t>?</a:t>
+            </a:r>
+            <a:endParaRPr lang="es-ES" dirty="0"/>
+          </a:p>
+        </p:txBody>
+      </p:sp>
+    </p:spTree>
+    <p:extLst>
+      <p:ext uri="{BB962C8B-B14F-4D97-AF65-F5344CB8AC3E}">
+        <p14:creationId xmlns:p14="http://schemas.microsoft.com/office/powerpoint/2010/main" xmlns="" val="1447786940"/>
+      </p:ext>
+    </p:extLst>
+  </p:cSld>
+  <p:clrMapOvr>
+    <a:masterClrMapping/>
+  </p:clrMapOvr>
+</p:sld>
+</file>
+
+<file path=ppt/slides/slide15.xml><?xml version="1.0" encoding="utf-8"?>
+<p:sld xmlns:a="http://schemas.openxmlformats.org/drawingml/2006/main" xmlns:r="http://schemas.openxmlformats.org/officeDocument/2006/relationships" xmlns:p="http://schemas.openxmlformats.org/presentationml/2006/main">
+  <p:cSld>
+    <p:spTree>
+      <p:nvGrpSpPr>
+        <p:cNvPr id="1" name=""/>
+        <p:cNvGrpSpPr/>
+        <p:nvPr/>
+      </p:nvGrpSpPr>
+      <p:grpSpPr>
+        <a:xfrm>
+          <a:off x="0" y="0"/>
+          <a:ext cx="0" cy="0"/>
+          <a:chOff x="0" y="0"/>
+          <a:chExt cx="0" cy="0"/>
+        </a:xfrm>
+      </p:grpSpPr>
+      <p:sp>
+        <p:nvSpPr>
+          <p:cNvPr id="2" name="Title 1"/>
+          <p:cNvSpPr>
+            <a:spLocks noGrp="1"/>
+          </p:cNvSpPr>
+          <p:nvPr>
+            <p:ph type="title"/>
+          </p:nvPr>
+        </p:nvSpPr>
+        <p:spPr/>
+        <p:txBody>
+          <a:bodyPr/>
+          <a:lstStyle/>
+          <a:p>
+            <a:r>
+              <a:rPr lang="de-DE" dirty="0" err="1" smtClean="0"/>
+              <a:t>Prospect</a:t>
+            </a:r>
+            <a:r>
+              <a:rPr lang="de-DE" dirty="0" smtClean="0"/>
+              <a:t>/</a:t>
+            </a:r>
+            <a:r>
+              <a:rPr lang="de-DE" dirty="0" err="1" smtClean="0"/>
+              <a:t>Perspective</a:t>
+            </a:r>
+            <a:endParaRPr lang="de-DE" dirty="0"/>
+          </a:p>
+        </p:txBody>
+      </p:sp>
+      <p:sp>
+        <p:nvSpPr>
+          <p:cNvPr id="3" name="Content Placeholder 2"/>
+          <p:cNvSpPr>
+            <a:spLocks noGrp="1"/>
+          </p:cNvSpPr>
+          <p:nvPr>
+            <p:ph idx="1"/>
+          </p:nvPr>
+        </p:nvSpPr>
+        <p:spPr/>
+        <p:txBody>
+          <a:bodyPr/>
+          <a:lstStyle/>
+          <a:p>
+            <a:r>
+              <a:rPr lang="de-DE" dirty="0" smtClean="0"/>
+              <a:t>Using word2vec to keep word contexts</a:t>
+            </a:r>
+          </a:p>
+          <a:p>
+            <a:r>
+              <a:rPr lang="de-DE" dirty="0" smtClean="0"/>
+              <a:t>Compare LSTM w/ GRU</a:t>
+            </a:r>
+          </a:p>
+          <a:p>
+            <a:endParaRPr lang="de-DE" dirty="0" smtClean="0"/>
+          </a:p>
+          <a:p>
+            <a:endParaRPr lang="de-DE" dirty="0"/>
+          </a:p>
+        </p:txBody>
+      </p:sp>
+    </p:spTree>
+  </p:cSld>
+  <p:clrMapOvr>
+    <a:masterClrMapping/>
+  </p:clrMapOvr>
+</p:sld>
+</file>
+
+<file path=ppt/slides/slide16.xml><?xml version="1.0" encoding="utf-8"?>
+<p:sld xmlns:a="http://schemas.openxmlformats.org/drawingml/2006/main" xmlns:r="http://schemas.openxmlformats.org/officeDocument/2006/relationships" xmlns:p="http://schemas.openxmlformats.org/presentationml/2006/main">
+  <p:cSld>
+    <p:spTree>
+      <p:nvGrpSpPr>
+        <p:cNvPr id="1" name=""/>
+        <p:cNvGrpSpPr/>
+        <p:nvPr/>
+      </p:nvGrpSpPr>
+      <p:grpSpPr>
+        <a:xfrm>
+          <a:off x="0" y="0"/>
+          <a:ext cx="0" cy="0"/>
+          <a:chOff x="0" y="0"/>
+          <a:chExt cx="0" cy="0"/>
+        </a:xfrm>
+      </p:grpSpPr>
+      <p:sp>
+        <p:nvSpPr>
+          <p:cNvPr id="2" name="Title 1"/>
+          <p:cNvSpPr>
+            <a:spLocks noGrp="1"/>
+          </p:cNvSpPr>
+          <p:nvPr>
+            <p:ph type="title"/>
+          </p:nvPr>
+        </p:nvSpPr>
+        <p:spPr/>
+        <p:txBody>
+          <a:bodyPr/>
+          <a:lstStyle/>
+          <a:p>
+            <a:r>
+              <a:rPr lang="de-DE" dirty="0" err="1" smtClean="0"/>
+              <a:t>Sources</a:t>
+            </a:r>
+            <a:endParaRPr lang="de-DE" dirty="0"/>
+          </a:p>
+        </p:txBody>
+      </p:sp>
+      <p:sp>
+        <p:nvSpPr>
+          <p:cNvPr id="3" name="Content Placeholder 2"/>
+          <p:cNvSpPr>
+            <a:spLocks noGrp="1"/>
+          </p:cNvSpPr>
+          <p:nvPr>
+            <p:ph idx="1"/>
+          </p:nvPr>
+        </p:nvSpPr>
+        <p:spPr/>
+        <p:txBody>
+          <a:bodyPr>
             <a:normAutofit/>
           </a:bodyPr>
           <a:lstStyle/>
@@ -6524,32 +9570,16 @@
               <a:t> : </a:t>
             </a:r>
             <a:r>
-              <a:rPr lang="es-ES" sz="2000" dirty="0"/>
-              <a:t>Smart </a:t>
+              <a:rPr lang="de-DE" sz="2000" dirty="0" smtClean="0"/>
+              <a:t>Inspiration : </a:t>
             </a:r>
             <a:r>
               <a:rPr lang="es-ES" sz="2000" dirty="0" smtClean="0"/>
-              <a:t>Text – DLSL </a:t>
-            </a:r>
-            <a:r>
-              <a:rPr lang="es-ES" sz="2000" dirty="0" err="1" smtClean="0"/>
-              <a:t>group</a:t>
+              <a:t>DLSL </a:t>
             </a:r>
             <a:r>
               <a:rPr lang="es-ES" sz="2000" dirty="0" smtClean="0"/>
-              <a:t> </a:t>
-            </a:r>
-            <a:r>
-              <a:rPr lang="es-ES" sz="2000" dirty="0" err="1" smtClean="0"/>
-              <a:t>last</a:t>
-            </a:r>
-            <a:r>
-              <a:rPr lang="es-ES" sz="2000" dirty="0" smtClean="0"/>
-              <a:t> </a:t>
-            </a:r>
-            <a:r>
-              <a:rPr lang="es-ES" sz="2000" dirty="0" err="1" smtClean="0"/>
-              <a:t>year</a:t>
+              <a:t>group last year</a:t>
             </a:r>
             <a:endParaRPr lang="de-DE" sz="2000" dirty="0"/>
           </a:p>
@@ -6716,15 +9746,7 @@
           <a:p>
             <a:r>
               <a:rPr lang="de-DE" dirty="0" smtClean="0"/>
-              <a:t>Personal m</a:t>
-            </a:r>
-            <a:r>
-              <a:rPr lang="de-DE" dirty="0" smtClean="0"/>
-              <a:t>ain </a:t>
-            </a:r>
-            <a:r>
-              <a:rPr lang="de-DE" dirty="0" smtClean="0"/>
-              <a:t>goal: Learning to implement Deep Learning</a:t>
+              <a:t>Personal main goal: Learning to implement Deep Learning</a:t>
             </a:r>
             <a:endParaRPr lang="de-DE" dirty="0"/>
           </a:p>
@@ -7505,7 +10527,7 @@
           <p:nvPr>
             <p:extLst>
               <p:ext uri="{D42A27DB-BD31-4B8C-83A1-F6EECF244321}">
-                <p14:modId xmlns:p14="http://schemas.microsoft.com/office/powerpoint/2010/main" val="3508515376"/>
+                <p14:modId xmlns:p14="http://schemas.microsoft.com/office/powerpoint/2010/main" xmlns="" val="3508515376"/>
               </p:ext>
             </p:extLst>
           </p:nvPr>
@@ -7659,11 +10681,7 @@
           <a:p>
             <a:r>
               <a:rPr lang="de-DE" dirty="0" smtClean="0"/>
-              <a:t>Standards for Text </a:t>
-            </a:r>
-            <a:r>
-              <a:rPr lang="de-DE" dirty="0" smtClean="0"/>
-              <a:t>Generation: RNN, LSTM, GRU</a:t>
+              <a:t>Standards for Text Generation: RNN, LSTM, GRU</a:t>
             </a:r>
           </a:p>
           <a:p>
@@ -7685,20 +10703,7 @@
                   </a:solidFill>
                 </a:uFill>
               </a:rPr>
-              <a:t>RNN </a:t>
-            </a:r>
-            <a:r>
-              <a:rPr lang="en-US" spc="-1" dirty="0" smtClean="0">
-                <a:solidFill>
-                  <a:srgbClr val="000000"/>
-                </a:solidFill>
-                <a:uFill>
-                  <a:solidFill>
-                    <a:srgbClr val="FFFFFF"/>
-                  </a:solidFill>
-                </a:uFill>
-              </a:rPr>
-              <a:t>has too short memory (vanishing </a:t>
+              <a:t>RNN has too short memory (vanishing </a:t>
             </a:r>
             <a:r>
               <a:rPr lang="en-US" spc="-1" dirty="0" err="1" smtClean="0">
@@ -7726,16 +10731,6 @@
               </a:rPr>
               <a:t>)</a:t>
             </a:r>
-            <a:endParaRPr lang="en-US" spc="-1" dirty="0" smtClean="0">
-              <a:solidFill>
-                <a:srgbClr val="000000"/>
-              </a:solidFill>
-              <a:uFill>
-                <a:solidFill>
-                  <a:srgbClr val="FFFFFF"/>
-                </a:solidFill>
-              </a:uFill>
-            </a:endParaRPr>
           </a:p>
           <a:p>
             <a:pPr marL="343080" indent="-342360">
@@ -7756,20 +10751,7 @@
                   </a:solidFill>
                 </a:uFill>
               </a:rPr>
-              <a:t>Beginning </a:t>
-            </a:r>
-            <a:r>
-              <a:rPr lang="en-US" spc="-1" dirty="0" smtClean="0">
-                <a:solidFill>
-                  <a:srgbClr val="000000"/>
-                </a:solidFill>
-                <a:uFill>
-                  <a:solidFill>
-                    <a:srgbClr val="FFFFFF"/>
-                  </a:solidFill>
-                </a:uFill>
-              </a:rPr>
-              <a:t>with LSTM (tutorial)</a:t>
+              <a:t>Beginning with LSTM (tutorial)</a:t>
             </a:r>
             <a:endParaRPr lang="en-US" sz="1800" spc="-1" dirty="0" smtClean="0">
               <a:solidFill>
@@ -9391,12 +12373,34 @@
             </a:r>
             <a:r>
               <a:rPr lang="de-DE" dirty="0" err="1" smtClean="0"/>
-              <a:t>letters</a:t>
+              <a:t>Losses</a:t>
             </a:r>
             <a:endParaRPr lang="de-DE" dirty="0"/>
           </a:p>
         </p:txBody>
       </p:sp>
+      <p:graphicFrame>
+        <p:nvGraphicFramePr>
+          <p:cNvPr id="3" name="Graf 2">
+            <a:extLst>
+              <a:ext uri="{FF2B5EF4-FFF2-40B4-BE49-F238E27FC236}">
+                <a16:creationId xmlns="" xmlns:xdr="http://schemas.openxmlformats.org/drawingml/2006/spreadsheetDrawing" xmlns:a16="http://schemas.microsoft.com/office/drawing/2014/main" xmlns:lc="http://schemas.openxmlformats.org/drawingml/2006/lockedCanvas" id="{CDB21DFF-BCCE-4E7F-8F41-430D329EABEB}"/>
+              </a:ext>
+            </a:extLst>
+          </p:cNvPr>
+          <p:cNvGraphicFramePr/>
+          <p:nvPr/>
+        </p:nvGraphicFramePr>
+        <p:xfrm>
+          <a:off x="642910" y="1357298"/>
+          <a:ext cx="7700985" cy="4800611"/>
+        </p:xfrm>
+        <a:graphic>
+          <a:graphicData uri="http://schemas.openxmlformats.org/drawingml/2006/chart">
+            <c:chart xmlns:c="http://schemas.openxmlformats.org/drawingml/2006/chart" xmlns:r="http://schemas.openxmlformats.org/officeDocument/2006/relationships" r:id="rId2"/>
+          </a:graphicData>
+        </a:graphic>
+      </p:graphicFrame>
     </p:spTree>
   </p:cSld>
   <p:clrMapOvr>
@@ -9731,7 +12735,7 @@
     </a:clrScheme>
     <a:fontScheme name="Office">
       <a:majorFont>
-        <a:latin typeface="Calibri Light" panose="020F0302020204030204"/>
+        <a:latin typeface="Calibri Light"/>
         <a:ea typeface=""/>
         <a:cs typeface=""/>
         <a:font script="Jpan" typeface="ＭＳ Ｐゴシック"/>
@@ -9766,7 +12770,7 @@
         <a:font script="Geor" typeface="Sylfaen"/>
       </a:majorFont>
       <a:minorFont>
-        <a:latin typeface="Calibri" panose="020F0502020204030204"/>
+        <a:latin typeface="Calibri"/>
         <a:ea typeface=""/>
         <a:cs typeface=""/>
         <a:font script="Jpan" typeface="ＭＳ Ｐゴシック"/>
@@ -9943,8 +12947,94 @@
   <a:extraClrSchemeLst/>
   <a:extLst>
     <a:ext uri="{05A4C25C-085E-4340-85A3-A5531E510DB2}">
-      <thm15:themeFamily xmlns:thm15="http://schemas.microsoft.com/office/thememl/2012/main" name="Office Theme" id="{62F939B6-93AF-4DB8-9C6B-D6C7DFDC589F}" vid="{4A3C46E8-61CC-4603-A589-7422A47A8E4A}"/>
+      <thm15:themeFamily xmlns:thm15="http://schemas.microsoft.com/office/thememl/2012/main" xmlns="" name="Office Theme" id="{62F939B6-93AF-4DB8-9C6B-D6C7DFDC589F}" vid="{4A3C46E8-61CC-4603-A589-7422A47A8E4A}"/>
     </a:ext>
   </a:extLst>
 </a:theme>
+</file>
+
+<file path=ppt/theme/themeOverride1.xml><?xml version="1.0" encoding="utf-8"?>
+<a:themeOverride xmlns:a="http://schemas.openxmlformats.org/drawingml/2006/main">
+  <a:clrScheme name="Office">
+    <a:dk1>
+      <a:sysClr val="windowText" lastClr="000000"/>
+    </a:dk1>
+    <a:lt1>
+      <a:sysClr val="window" lastClr="FFFFFF"/>
+    </a:lt1>
+    <a:dk2>
+      <a:srgbClr val="1F497D"/>
+    </a:dk2>
+    <a:lt2>
+      <a:srgbClr val="EEECE1"/>
+    </a:lt2>
+    <a:accent1>
+      <a:srgbClr val="4F81BD"/>
+    </a:accent1>
+    <a:accent2>
+      <a:srgbClr val="C0504D"/>
+    </a:accent2>
+    <a:accent3>
+      <a:srgbClr val="9BBB59"/>
+    </a:accent3>
+    <a:accent4>
+      <a:srgbClr val="8064A2"/>
+    </a:accent4>
+    <a:accent5>
+      <a:srgbClr val="4BACC6"/>
+    </a:accent5>
+    <a:accent6>
+      <a:srgbClr val="F79646"/>
+    </a:accent6>
+    <a:hlink>
+      <a:srgbClr val="0000FF"/>
+    </a:hlink>
+    <a:folHlink>
+      <a:srgbClr val="800080"/>
+    </a:folHlink>
+  </a:clrScheme>
+</a:themeOverride>
+</file>
+
+<file path=ppt/theme/themeOverride2.xml><?xml version="1.0" encoding="utf-8"?>
+<a:themeOverride xmlns:a="http://schemas.openxmlformats.org/drawingml/2006/main">
+  <a:clrScheme name="Office">
+    <a:dk1>
+      <a:sysClr val="windowText" lastClr="000000"/>
+    </a:dk1>
+    <a:lt1>
+      <a:sysClr val="window" lastClr="FFFFFF"/>
+    </a:lt1>
+    <a:dk2>
+      <a:srgbClr val="1F497D"/>
+    </a:dk2>
+    <a:lt2>
+      <a:srgbClr val="EEECE1"/>
+    </a:lt2>
+    <a:accent1>
+      <a:srgbClr val="4F81BD"/>
+    </a:accent1>
+    <a:accent2>
+      <a:srgbClr val="C0504D"/>
+    </a:accent2>
+    <a:accent3>
+      <a:srgbClr val="9BBB59"/>
+    </a:accent3>
+    <a:accent4>
+      <a:srgbClr val="8064A2"/>
+    </a:accent4>
+    <a:accent5>
+      <a:srgbClr val="4BACC6"/>
+    </a:accent5>
+    <a:accent6>
+      <a:srgbClr val="F79646"/>
+    </a:accent6>
+    <a:hlink>
+      <a:srgbClr val="0000FF"/>
+    </a:hlink>
+    <a:folHlink>
+      <a:srgbClr val="800080"/>
+    </a:folHlink>
+  </a:clrScheme>
+</a:themeOverride>
 </file>
--- a/Creative Writing 101.pptx
+++ b/Creative Writing 101.pptx
@@ -5,7 +5,7 @@
     <p:sldMasterId id="2147483648" r:id="rId1"/>
   </p:sldMasterIdLst>
   <p:notesMasterIdLst>
-    <p:notesMasterId r:id="rId18"/>
+    <p:notesMasterId r:id="rId19"/>
   </p:notesMasterIdLst>
   <p:sldIdLst>
     <p:sldId id="256" r:id="rId2"/>
@@ -17,13 +17,14 @@
     <p:sldId id="263" r:id="rId8"/>
     <p:sldId id="268" r:id="rId9"/>
     <p:sldId id="265" r:id="rId10"/>
-    <p:sldId id="270" r:id="rId11"/>
-    <p:sldId id="271" r:id="rId12"/>
-    <p:sldId id="272" r:id="rId13"/>
-    <p:sldId id="273" r:id="rId14"/>
-    <p:sldId id="269" r:id="rId15"/>
-    <p:sldId id="267" r:id="rId16"/>
-    <p:sldId id="266" r:id="rId17"/>
+    <p:sldId id="274" r:id="rId11"/>
+    <p:sldId id="270" r:id="rId12"/>
+    <p:sldId id="271" r:id="rId13"/>
+    <p:sldId id="272" r:id="rId14"/>
+    <p:sldId id="273" r:id="rId15"/>
+    <p:sldId id="269" r:id="rId16"/>
+    <p:sldId id="267" r:id="rId17"/>
+    <p:sldId id="266" r:id="rId18"/>
   </p:sldIdLst>
   <p:sldSz cx="9144000" cy="6858000" type="screen4x3"/>
   <p:notesSz cx="6858000" cy="9144000"/>
@@ -124,7 +125,7 @@
   </p:defaultTextStyle>
   <p:extLst>
     <p:ext uri="{EFAFB233-063F-42B5-8137-9DF3F51BA10A}">
-      <p15:sldGuideLst xmlns:p15="http://schemas.microsoft.com/office/powerpoint/2012/main" xmlns="">
+      <p15:sldGuideLst xmlns:p15="http://schemas.microsoft.com/office/powerpoint/2012/main">
         <p15:guide id="1" orient="horz" pos="2160">
           <p15:clr>
             <a:srgbClr val="A4A3A4"/>
@@ -141,13 +142,26 @@
 </p:presentation>
 </file>
 
+<file path=ppt/revisionInfo.xml><?xml version="1.0" encoding="utf-8"?>
+<p1510:revInfo xmlns:a="http://schemas.openxmlformats.org/drawingml/2006/main" xmlns:r="http://schemas.openxmlformats.org/officeDocument/2006/relationships" xmlns:p1510="http://schemas.microsoft.com/office/powerpoint/2015/10/main"/>
+</file>
+
 <file path=ppt/charts/chart1.xml><?xml version="1.0" encoding="utf-8"?>
-<c:chartSpace xmlns:c="http://schemas.openxmlformats.org/drawingml/2006/chart" xmlns:a="http://schemas.openxmlformats.org/drawingml/2006/main" xmlns:r="http://schemas.openxmlformats.org/officeDocument/2006/relationships">
-  <c:date1904 val="1"/>
-  <c:lang val="de-DE"/>
+<c:chartSpace xmlns:c="http://schemas.openxmlformats.org/drawingml/2006/chart" xmlns:a="http://schemas.openxmlformats.org/drawingml/2006/main" xmlns:r="http://schemas.openxmlformats.org/officeDocument/2006/relationships" xmlns:c16r2="http://schemas.microsoft.com/office/drawing/2015/06/chart">
+  <c:date1904 val="0"/>
+  <c:lang val="cs-CZ"/>
+  <c:roundedCorners val="0"/>
+  <mc:AlternateContent xmlns:mc="http://schemas.openxmlformats.org/markup-compatibility/2006">
+    <mc:Choice xmlns:c14="http://schemas.microsoft.com/office/drawing/2007/8/2/chart" Requires="c14">
+      <c14:style val="102"/>
+    </mc:Choice>
+    <mc:Fallback>
+      <c:style val="2"/>
+    </mc:Fallback>
+  </mc:AlternateContent>
   <c:chart>
     <c:title>
-      <c:layout/>
+      <c:overlay val="0"/>
       <c:spPr>
         <a:noFill/>
         <a:ln>
@@ -172,10 +186,11 @@
               <a:cs typeface="+mn-cs"/>
             </a:defRPr>
           </a:pPr>
-          <a:endParaRPr lang="de-DE"/>
+          <a:endParaRPr lang="cs-CZ"/>
         </a:p>
       </c:txPr>
     </c:title>
+    <c:autoTitleDeleted val="0"/>
     <c:plotArea>
       <c:layout/>
       <c:pieChart>
@@ -196,6 +211,7 @@
           </c:tx>
           <c:dPt>
             <c:idx val="0"/>
+            <c:bubble3D val="0"/>
             <c:spPr>
               <a:solidFill>
                 <a:schemeClr val="accent1"/>
@@ -211,9 +227,15 @@
                 </a:outerShdw>
               </a:effectLst>
             </c:spPr>
+            <c:extLst>
+              <c:ext xmlns:c16="http://schemas.microsoft.com/office/drawing/2014/chart" uri="{C3380CC4-5D6E-409C-BE32-E72D297353CC}">
+                <c16:uniqueId val="{00000000-7001-49F7-A417-9CAE561DA07E}"/>
+              </c:ext>
+            </c:extLst>
           </c:dPt>
           <c:dPt>
             <c:idx val="1"/>
+            <c:bubble3D val="0"/>
             <c:spPr>
               <a:solidFill>
                 <a:schemeClr val="accent2"/>
@@ -229,9 +251,15 @@
                 </a:outerShdw>
               </a:effectLst>
             </c:spPr>
+            <c:extLst>
+              <c:ext xmlns:c16="http://schemas.microsoft.com/office/drawing/2014/chart" uri="{C3380CC4-5D6E-409C-BE32-E72D297353CC}">
+                <c16:uniqueId val="{00000001-7001-49F7-A417-9CAE561DA07E}"/>
+              </c:ext>
+            </c:extLst>
           </c:dPt>
           <c:dPt>
             <c:idx val="2"/>
+            <c:bubble3D val="0"/>
             <c:spPr>
               <a:solidFill>
                 <a:schemeClr val="accent3"/>
@@ -247,9 +275,15 @@
                 </a:outerShdw>
               </a:effectLst>
             </c:spPr>
+            <c:extLst>
+              <c:ext xmlns:c16="http://schemas.microsoft.com/office/drawing/2014/chart" uri="{C3380CC4-5D6E-409C-BE32-E72D297353CC}">
+                <c16:uniqueId val="{00000002-7001-49F7-A417-9CAE561DA07E}"/>
+              </c:ext>
+            </c:extLst>
           </c:dPt>
           <c:dPt>
             <c:idx val="3"/>
+            <c:bubble3D val="0"/>
             <c:spPr>
               <a:solidFill>
                 <a:schemeClr val="accent4"/>
@@ -265,6 +299,11 @@
                 </a:outerShdw>
               </a:effectLst>
             </c:spPr>
+            <c:extLst>
+              <c:ext xmlns:c16="http://schemas.microsoft.com/office/drawing/2014/chart" uri="{C3380CC4-5D6E-409C-BE32-E72D297353CC}">
+                <c16:uniqueId val="{00000003-7001-49F7-A417-9CAE561DA07E}"/>
+              </c:ext>
+            </c:extLst>
           </c:dPt>
           <c:dLbls>
             <c:spPr>
@@ -309,11 +348,16 @@
                     <a:cs typeface="+mn-cs"/>
                   </a:defRPr>
                 </a:pPr>
-                <a:endParaRPr lang="de-DE"/>
+                <a:endParaRPr lang="cs-CZ"/>
               </a:p>
             </c:txPr>
             <c:dLblPos val="ctr"/>
+            <c:showLegendKey val="0"/>
+            <c:showVal val="0"/>
+            <c:showCatName val="0"/>
+            <c:showSerName val="0"/>
             <c:showPercent val="1"/>
+            <c:showBubbleSize val="0"/>
             <c:showLeaderLines val="1"/>
             <c:leaderLines>
               <c:spPr>
@@ -329,9 +373,7 @@
               </c:spPr>
             </c:leaderLines>
             <c:extLst>
-              <c:ext xmlns:c15="http://schemas.microsoft.com/office/drawing/2012/chart" uri="{CE6537A1-D6FC-4f65-9D91-7224C49458BB}">
-                <c15:layout/>
-              </c:ext>
+              <c:ext xmlns:c15="http://schemas.microsoft.com/office/drawing/2012/chart" uri="{CE6537A1-D6FC-4f65-9D91-7224C49458BB}"/>
             </c:extLst>
           </c:dLbls>
           <c:cat>
@@ -375,9 +417,20 @@
               </c:numCache>
             </c:numRef>
           </c:val>
+          <c:extLst>
+            <c:ext xmlns:c16="http://schemas.microsoft.com/office/drawing/2014/chart" uri="{C3380CC4-5D6E-409C-BE32-E72D297353CC}">
+              <c16:uniqueId val="{00000004-7001-49F7-A417-9CAE561DA07E}"/>
+            </c:ext>
+          </c:extLst>
         </c:ser>
         <c:dLbls>
+          <c:showLegendKey val="0"/>
+          <c:showVal val="0"/>
+          <c:showCatName val="0"/>
+          <c:showSerName val="0"/>
           <c:showPercent val="1"/>
+          <c:showBubbleSize val="0"/>
+          <c:showLeaderLines val="1"/>
         </c:dLbls>
         <c:firstSliceAng val="0"/>
       </c:pieChart>
@@ -391,7 +444,7 @@
     </c:plotArea>
     <c:legend>
       <c:legendPos val="r"/>
-      <c:layout/>
+      <c:overlay val="0"/>
       <c:spPr>
         <a:solidFill>
           <a:schemeClr val="lt1">
@@ -421,12 +474,13 @@
               <a:cs typeface="+mn-cs"/>
             </a:defRPr>
           </a:pPr>
-          <a:endParaRPr lang="de-DE"/>
+          <a:endParaRPr lang="cs-CZ"/>
         </a:p>
       </c:txPr>
     </c:legend>
     <c:plotVisOnly val="1"/>
     <c:dispBlanksAs val="zero"/>
+    <c:showDLblsOverMax val="0"/>
   </c:chart>
   <c:spPr>
     <a:noFill/>
@@ -448,17 +502,28 @@
       <a:pPr>
         <a:defRPr/>
       </a:pPr>
-      <a:endParaRPr lang="de-DE"/>
+      <a:endParaRPr lang="cs-CZ"/>
     </a:p>
   </c:txPr>
-  <c:externalData r:id="rId1"/>
+  <c:externalData r:id="rId3">
+    <c:autoUpdate val="0"/>
+  </c:externalData>
 </c:chartSpace>
 </file>
 
 <file path=ppt/charts/chart2.xml><?xml version="1.0" encoding="utf-8"?>
-<c:chartSpace xmlns:c="http://schemas.openxmlformats.org/drawingml/2006/chart" xmlns:a="http://schemas.openxmlformats.org/drawingml/2006/main" xmlns:r="http://schemas.openxmlformats.org/officeDocument/2006/relationships">
-  <c:date1904 val="1"/>
-  <c:lang val="de-DE"/>
+<c:chartSpace xmlns:c="http://schemas.openxmlformats.org/drawingml/2006/chart" xmlns:a="http://schemas.openxmlformats.org/drawingml/2006/main" xmlns:r="http://schemas.openxmlformats.org/officeDocument/2006/relationships" xmlns:c16r2="http://schemas.microsoft.com/office/drawing/2015/06/chart">
+  <c:date1904 val="0"/>
+  <c:lang val="cs-CZ"/>
+  <c:roundedCorners val="0"/>
+  <mc:AlternateContent xmlns:mc="http://schemas.openxmlformats.org/markup-compatibility/2006">
+    <mc:Choice xmlns:c14="http://schemas.microsoft.com/office/drawing/2007/8/2/chart" Requires="c14">
+      <c14:style val="102"/>
+    </mc:Choice>
+    <mc:Fallback>
+      <c:style val="2"/>
+    </mc:Fallback>
+  </mc:AlternateContent>
   <c:chart>
     <c:autoTitleDeleted val="1"/>
     <c:plotArea>
@@ -475,6 +540,7 @@
       </c:layout>
       <c:scatterChart>
         <c:scatterStyle val="smoothMarker"/>
+        <c:varyColors val="0"/>
         <c:ser>
           <c:idx val="0"/>
           <c:order val="0"/>
@@ -1712,7 +1778,7 @@
             </c:numRef>
           </c:yVal>
           <c:smooth val="1"/>
-          <c:extLst xmlns:c16r2="http://schemas.microsoft.com/office/drawing/2015/06/chart">
+          <c:extLst>
             <c:ext xmlns:c16="http://schemas.microsoft.com/office/drawing/2014/chart" uri="{C3380CC4-5D6E-409C-BE32-E72D297353CC}">
               <c16:uniqueId val="{00000000-4F46-417E-B87C-E84FAFD4B70F}"/>
             </c:ext>
@@ -2595,12 +2661,20 @@
             </c:numRef>
           </c:yVal>
           <c:smooth val="1"/>
-          <c:extLst xmlns:c16r2="http://schemas.microsoft.com/office/drawing/2015/06/chart">
+          <c:extLst>
             <c:ext xmlns:c16="http://schemas.microsoft.com/office/drawing/2014/chart" uri="{C3380CC4-5D6E-409C-BE32-E72D297353CC}">
               <c16:uniqueId val="{00000000-382C-4C96-9DDF-7A6850928E64}"/>
             </c:ext>
           </c:extLst>
         </c:ser>
+        <c:dLbls>
+          <c:showLegendKey val="0"/>
+          <c:showVal val="0"/>
+          <c:showCatName val="0"/>
+          <c:showSerName val="0"/>
+          <c:showPercent val="0"/>
+          <c:showBubbleSize val="0"/>
+        </c:dLbls>
         <c:axId val="82233600"/>
         <c:axId val="81527168"/>
       </c:scatterChart>
@@ -2610,6 +2684,7 @@
           <c:orientation val="minMax"/>
           <c:max val="140"/>
         </c:scaling>
+        <c:delete val="0"/>
         <c:axPos val="b"/>
         <c:majorGridlines>
           <c:spPr>
@@ -2649,7 +2724,7 @@
               </a:p>
             </c:rich>
           </c:tx>
-          <c:layout/>
+          <c:overlay val="0"/>
           <c:spPr>
             <a:noFill/>
             <a:ln>
@@ -2660,6 +2735,7 @@
         </c:title>
         <c:numFmt formatCode="General" sourceLinked="1"/>
         <c:majorTickMark val="none"/>
+        <c:minorTickMark val="none"/>
         <c:tickLblPos val="nextTo"/>
         <c:spPr>
           <a:noFill/>
@@ -2691,7 +2767,7 @@
                 <a:cs typeface="+mn-cs"/>
               </a:defRPr>
             </a:pPr>
-            <a:endParaRPr lang="de-DE"/>
+            <a:endParaRPr lang="cs-CZ"/>
           </a:p>
         </c:txPr>
         <c:crossAx val="81527168"/>
@@ -2703,6 +2779,7 @@
         <c:scaling>
           <c:orientation val="minMax"/>
         </c:scaling>
+        <c:delete val="0"/>
         <c:axPos val="l"/>
         <c:majorGridlines>
           <c:spPr>
@@ -2749,7 +2826,7 @@
               </a:p>
             </c:rich>
           </c:tx>
-          <c:layout/>
+          <c:overlay val="0"/>
           <c:spPr>
             <a:noFill/>
             <a:ln>
@@ -2760,6 +2837,7 @@
         </c:title>
         <c:numFmt formatCode="General" sourceLinked="1"/>
         <c:majorTickMark val="none"/>
+        <c:minorTickMark val="none"/>
         <c:tickLblPos val="nextTo"/>
         <c:spPr>
           <a:noFill/>
@@ -2791,7 +2869,7 @@
                 <a:cs typeface="+mn-cs"/>
               </a:defRPr>
             </a:pPr>
-            <a:endParaRPr lang="de-DE"/>
+            <a:endParaRPr lang="cs-CZ"/>
           </a:p>
         </c:txPr>
         <c:crossAx val="82233600"/>
@@ -2818,6 +2896,7 @@
           <c:h val="0.27932151895945095"/>
         </c:manualLayout>
       </c:layout>
+      <c:overlay val="0"/>
       <c:spPr>
         <a:noFill/>
         <a:ln>
@@ -2842,12 +2921,13 @@
               <a:cs typeface="+mn-cs"/>
             </a:defRPr>
           </a:pPr>
-          <a:endParaRPr lang="de-DE"/>
+          <a:endParaRPr lang="cs-CZ"/>
         </a:p>
       </c:txPr>
     </c:legend>
     <c:plotVisOnly val="1"/>
     <c:dispBlanksAs val="gap"/>
+    <c:showDLblsOverMax val="0"/>
   </c:chart>
   <c:spPr>
     <a:solidFill>
@@ -2871,10 +2951,12 @@
       <a:pPr>
         <a:defRPr/>
       </a:pPr>
-      <a:endParaRPr lang="de-DE"/>
+      <a:endParaRPr lang="cs-CZ"/>
     </a:p>
   </c:txPr>
-  <c:externalData r:id="rId1"/>
+  <c:externalData r:id="rId1">
+    <c:autoUpdate val="0"/>
+  </c:externalData>
 </c:chartSpace>
 </file>
 
@@ -3666,38 +3748,37 @@
           <a:p>
             <a:pPr lvl="0"/>
             <a:r>
-              <a:rPr lang="es-ES" smtClean="0"/>
+              <a:rPr lang="es-ES"/>
               <a:t>Haga clic para modificar el estilo de texto del patrón</a:t>
             </a:r>
           </a:p>
           <a:p>
             <a:pPr lvl="1"/>
             <a:r>
-              <a:rPr lang="es-ES" smtClean="0"/>
+              <a:rPr lang="es-ES"/>
               <a:t>Segundo nivel</a:t>
             </a:r>
           </a:p>
           <a:p>
             <a:pPr lvl="2"/>
             <a:r>
-              <a:rPr lang="es-ES" smtClean="0"/>
+              <a:rPr lang="es-ES"/>
               <a:t>Tercer nivel</a:t>
             </a:r>
           </a:p>
           <a:p>
             <a:pPr lvl="3"/>
             <a:r>
-              <a:rPr lang="es-ES" smtClean="0"/>
+              <a:rPr lang="es-ES"/>
               <a:t>Cuarto nivel</a:t>
             </a:r>
           </a:p>
           <a:p>
             <a:pPr lvl="4"/>
             <a:r>
-              <a:rPr lang="es-ES" smtClean="0"/>
+              <a:rPr lang="es-ES"/>
               <a:t>Quinto nivel</a:t>
             </a:r>
-            <a:endParaRPr lang="es-ES"/>
           </a:p>
         </p:txBody>
       </p:sp>
@@ -3771,7 +3852,7 @@
     </p:spTree>
     <p:extLst>
       <p:ext uri="{BB962C8B-B14F-4D97-AF65-F5344CB8AC3E}">
-        <p14:creationId xmlns:p14="http://schemas.microsoft.com/office/powerpoint/2010/main" xmlns="" val="1448485043"/>
+        <p14:creationId xmlns:p14="http://schemas.microsoft.com/office/powerpoint/2010/main" val="1448485043"/>
       </p:ext>
     </p:extLst>
   </p:cSld>
@@ -3916,7 +3997,7 @@
           <a:lstStyle/>
           <a:p>
             <a:r>
-              <a:rPr lang="en-US" sz="1200" kern="1200" dirty="0" smtClean="0">
+              <a:rPr lang="en-US" sz="1200" kern="1200" dirty="0">
                 <a:solidFill>
                   <a:schemeClr val="tx1"/>
                 </a:solidFill>
@@ -3927,7 +4008,7 @@
               </a:rPr>
               <a:t>The field of Machine Learning is kind of one single big experiment of letting machines think on their own. Instead of programming every single step of computation, instead of dictating to them what they have to think, and more importantly - how to think it, we are just giving them a task. Setting up the environment and letting them find their own way.</a:t>
             </a:r>
-            <a:endParaRPr lang="es-ES" sz="1200" kern="1200" dirty="0" smtClean="0">
+            <a:endParaRPr lang="es-ES" sz="1200" kern="1200" dirty="0">
               <a:solidFill>
                 <a:schemeClr val="tx1"/>
               </a:solidFill>
@@ -3939,7 +4020,7 @@
           </a:p>
           <a:p>
             <a:r>
-              <a:rPr lang="en-US" sz="1200" kern="1200" dirty="0" smtClean="0">
+              <a:rPr lang="en-US" sz="1200" kern="1200" dirty="0">
                 <a:solidFill>
                   <a:schemeClr val="tx1"/>
                 </a:solidFill>
@@ -3950,7 +4031,7 @@
               </a:rPr>
               <a:t>It's like having a child learn. you can teach it just the good words, let it grow up in a good family - but the child will have its own ideas, its own way of thinking.</a:t>
             </a:r>
-            <a:endParaRPr lang="es-ES" sz="1200" kern="1200" dirty="0" smtClean="0">
+            <a:endParaRPr lang="es-ES" sz="1200" kern="1200" dirty="0">
               <a:solidFill>
                 <a:schemeClr val="tx1"/>
               </a:solidFill>
@@ -3962,7 +4043,7 @@
           </a:p>
           <a:p>
             <a:r>
-              <a:rPr lang="en-US" sz="1200" kern="1200" dirty="0" smtClean="0">
+              <a:rPr lang="en-US" sz="1200" kern="1200" dirty="0">
                 <a:solidFill>
                   <a:schemeClr val="tx1"/>
                 </a:solidFill>
@@ -3973,7 +4054,7 @@
               </a:rPr>
               <a:t>So, the pictures the child will draw, the texts it writes, are a product of its mind and the patterns of its thoughts are somewhere entwined in the stories it tells.</a:t>
             </a:r>
-            <a:endParaRPr lang="es-ES" sz="1200" kern="1200" dirty="0" smtClean="0">
+            <a:endParaRPr lang="es-ES" sz="1200" kern="1200" dirty="0">
               <a:solidFill>
                 <a:schemeClr val="tx1"/>
               </a:solidFill>
@@ -3985,7 +4066,7 @@
           </a:p>
           <a:p>
             <a:r>
-              <a:rPr lang="en-US" sz="1200" kern="1200" dirty="0" smtClean="0">
+              <a:rPr lang="en-US" sz="1200" kern="1200" dirty="0">
                 <a:solidFill>
                   <a:schemeClr val="tx1"/>
                 </a:solidFill>
@@ -3997,7 +4078,7 @@
               <a:t>Since Pictures are very complex, with a lot of information, they are a complicated and time-consuming way of communication. Written language however, is a lot more simple. In the English alphabet there are 26 letters, plus 26 if case-sensitive, plus some signs:  ,.!?:" so around 60 characters. A big book only takes under 5 MBs of storage, which is as much as just two standard images. </a:t>
             </a:r>
             <a:br>
-              <a:rPr lang="en-US" sz="1200" kern="1200" dirty="0" smtClean="0">
+              <a:rPr lang="en-US" sz="1200" kern="1200" dirty="0">
                 <a:solidFill>
                   <a:schemeClr val="tx1"/>
                 </a:solidFill>
@@ -4008,7 +4089,7 @@
               </a:rPr>
             </a:br>
             <a:r>
-              <a:rPr lang="en-US" sz="1200" kern="1200" dirty="0" smtClean="0">
+              <a:rPr lang="en-US" sz="1200" kern="1200" dirty="0">
                 <a:solidFill>
                   <a:schemeClr val="tx1"/>
                 </a:solidFill>
@@ -4019,7 +4100,7 @@
               </a:rPr>
               <a:t>That is why we chose to create our project around text, not images.</a:t>
             </a:r>
-            <a:endParaRPr lang="es-ES" sz="1200" kern="1200" dirty="0" smtClean="0">
+            <a:endParaRPr lang="es-ES" sz="1200" kern="1200" dirty="0">
               <a:solidFill>
                 <a:schemeClr val="tx1"/>
               </a:solidFill>
@@ -4031,7 +4112,7 @@
           </a:p>
           <a:p>
             <a:r>
-              <a:rPr lang="en-US" sz="1200" kern="1200" dirty="0" smtClean="0">
+              <a:rPr lang="en-US" sz="1200" kern="1200" dirty="0">
                 <a:solidFill>
                   <a:schemeClr val="tx1"/>
                 </a:solidFill>
@@ -4043,7 +4124,7 @@
               <a:t>Our main idea, the far goal was to get a sense of how our machine thinks.</a:t>
             </a:r>
             <a:br>
-              <a:rPr lang="en-US" sz="1200" kern="1200" dirty="0" smtClean="0">
+              <a:rPr lang="en-US" sz="1200" kern="1200" dirty="0">
                 <a:solidFill>
                   <a:schemeClr val="tx1"/>
                 </a:solidFill>
@@ -4054,7 +4135,7 @@
               </a:rPr>
             </a:br>
             <a:r>
-              <a:rPr lang="en-US" sz="1200" kern="1200" dirty="0" smtClean="0">
+              <a:rPr lang="en-US" sz="1200" kern="1200" dirty="0">
                 <a:solidFill>
                   <a:schemeClr val="tx1"/>
                 </a:solidFill>
@@ -4065,7 +4146,7 @@
               </a:rPr>
               <a:t>Of course, we are Beginners in the field. We started without knowledge of Ubuntu, python, let alone machine learning algorithms. So we had to define goals that were easier to achieve: Create sentences, words, letters. In hindsight all these goals are achieved with the same machine.</a:t>
             </a:r>
-            <a:endParaRPr lang="es-ES" sz="1200" kern="1200" dirty="0" smtClean="0">
+            <a:endParaRPr lang="es-ES" sz="1200" kern="1200" dirty="0">
               <a:solidFill>
                 <a:schemeClr val="tx1"/>
               </a:solidFill>
@@ -4104,7 +4185,7 @@
     </p:spTree>
     <p:extLst>
       <p:ext uri="{BB962C8B-B14F-4D97-AF65-F5344CB8AC3E}">
-        <p14:creationId xmlns:p14="http://schemas.microsoft.com/office/powerpoint/2010/main" xmlns="" val="2213399192"/>
+        <p14:creationId xmlns:p14="http://schemas.microsoft.com/office/powerpoint/2010/main" val="2213399192"/>
       </p:ext>
     </p:extLst>
   </p:cSld>
@@ -4159,7 +4240,7 @@
           <a:lstStyle/>
           <a:p>
             <a:r>
-              <a:rPr lang="en-US" sz="1200" kern="1200" dirty="0" smtClean="0">
+              <a:rPr lang="en-US" sz="1200" kern="1200" dirty="0">
                 <a:solidFill>
                   <a:schemeClr val="tx1"/>
                 </a:solidFill>
@@ -4171,7 +4252,7 @@
               <a:t>Our first step was to find some kind of tutorial, get some example code, run it and then start to adjust it to our needs. Aside from slides of some groups of this year's DSLS course, we found the blog of xxx, who also used </a:t>
             </a:r>
             <a:r>
-              <a:rPr lang="en-US" sz="1200" kern="1200" dirty="0" err="1" smtClean="0">
+              <a:rPr lang="en-US" sz="1200" kern="1200" dirty="0" err="1">
                 <a:solidFill>
                   <a:schemeClr val="tx1"/>
                 </a:solidFill>
@@ -4183,7 +4264,7 @@
               <a:t>Keras</a:t>
             </a:r>
             <a:r>
-              <a:rPr lang="en-US" sz="1200" kern="1200" dirty="0" smtClean="0">
+              <a:rPr lang="en-US" sz="1200" kern="1200" dirty="0">
                 <a:solidFill>
                   <a:schemeClr val="tx1"/>
                 </a:solidFill>
@@ -4194,7 +4275,7 @@
               </a:rPr>
               <a:t>.</a:t>
             </a:r>
-            <a:endParaRPr lang="es-ES" sz="1200" kern="1200" dirty="0" smtClean="0">
+            <a:endParaRPr lang="es-ES" sz="1200" kern="1200" dirty="0">
               <a:solidFill>
                 <a:schemeClr val="tx1"/>
               </a:solidFill>
@@ -4206,7 +4287,7 @@
           </a:p>
           <a:p>
             <a:r>
-              <a:rPr lang="en-US" sz="1200" kern="1200" dirty="0" smtClean="0">
+              <a:rPr lang="en-US" sz="1200" kern="1200" dirty="0">
                 <a:solidFill>
                   <a:schemeClr val="tx1"/>
                 </a:solidFill>
@@ -4217,7 +4298,7 @@
               </a:rPr>
               <a:t>xxx was training his machine on a letter-by-letter basis.</a:t>
             </a:r>
-            <a:endParaRPr lang="es-ES" sz="1200" kern="1200" dirty="0" smtClean="0">
+            <a:endParaRPr lang="es-ES" sz="1200" kern="1200" dirty="0">
               <a:solidFill>
                 <a:schemeClr val="tx1"/>
               </a:solidFill>
@@ -4229,7 +4310,7 @@
           </a:p>
           <a:p>
             <a:r>
-              <a:rPr lang="en-US" sz="1200" kern="1200" dirty="0" smtClean="0">
+              <a:rPr lang="en-US" sz="1200" kern="1200" dirty="0">
                 <a:solidFill>
                   <a:schemeClr val="tx1"/>
                 </a:solidFill>
@@ -4240,7 +4321,7 @@
               </a:rPr>
               <a:t>Our next idea was to train on a word-by-word basis, then later maybe divide the text in sentences.</a:t>
             </a:r>
-            <a:endParaRPr lang="es-ES" sz="1200" kern="1200" dirty="0" smtClean="0">
+            <a:endParaRPr lang="es-ES" sz="1200" kern="1200" dirty="0">
               <a:solidFill>
                 <a:schemeClr val="tx1"/>
               </a:solidFill>
@@ -4252,7 +4333,7 @@
           </a:p>
           <a:p>
             <a:r>
-              <a:rPr lang="en-US" sz="1200" kern="1200" dirty="0" smtClean="0">
+              <a:rPr lang="en-US" sz="1200" kern="1200" dirty="0">
                 <a:solidFill>
                   <a:schemeClr val="tx1"/>
                 </a:solidFill>
@@ -4263,7 +4344,7 @@
               </a:rPr>
               <a:t>Furthermore we found the model set Word2Vec very interesting, but since this is a machine learning task on its own, it was a far goal to use it.</a:t>
             </a:r>
-            <a:endParaRPr lang="es-ES" sz="1200" kern="1200" dirty="0" smtClean="0">
+            <a:endParaRPr lang="es-ES" sz="1200" kern="1200" dirty="0">
               <a:solidFill>
                 <a:schemeClr val="tx1"/>
               </a:solidFill>
@@ -4302,7 +4383,7 @@
     </p:spTree>
     <p:extLst>
       <p:ext uri="{BB962C8B-B14F-4D97-AF65-F5344CB8AC3E}">
-        <p14:creationId xmlns:p14="http://schemas.microsoft.com/office/powerpoint/2010/main" xmlns="" val="626178312"/>
+        <p14:creationId xmlns:p14="http://schemas.microsoft.com/office/powerpoint/2010/main" val="626178312"/>
       </p:ext>
     </p:extLst>
   </p:cSld>
@@ -4357,7 +4438,7 @@
           <a:lstStyle/>
           <a:p>
             <a:r>
-              <a:rPr lang="en-US" sz="1200" kern="1200" dirty="0" smtClean="0">
+              <a:rPr lang="en-US" sz="1200" kern="1200" dirty="0">
                 <a:solidFill>
                   <a:schemeClr val="tx1"/>
                 </a:solidFill>
@@ -4368,7 +4449,7 @@
               </a:rPr>
               <a:t>We began with War and Peace by L. Tolstoy. But since this peace contains German and French sentences, it is overly complex.</a:t>
             </a:r>
-            <a:endParaRPr lang="es-ES" sz="1200" kern="1200" dirty="0" smtClean="0">
+            <a:endParaRPr lang="es-ES" sz="1200" kern="1200" dirty="0">
               <a:solidFill>
                 <a:schemeClr val="tx1"/>
               </a:solidFill>
@@ -4380,7 +4461,7 @@
           </a:p>
           <a:p>
             <a:r>
-              <a:rPr lang="en-US" sz="1200" kern="1200" dirty="0" smtClean="0">
+              <a:rPr lang="en-US" sz="1200" kern="1200" dirty="0">
                 <a:solidFill>
                   <a:schemeClr val="tx1"/>
                 </a:solidFill>
@@ -4392,7 +4473,7 @@
               <a:t>The next text was a trilogy novel we found online, Delver Magic (Jeff </a:t>
             </a:r>
             <a:r>
-              <a:rPr lang="en-US" sz="1200" kern="1200" dirty="0" err="1" smtClean="0">
+              <a:rPr lang="en-US" sz="1200" kern="1200" dirty="0" err="1">
                 <a:solidFill>
                   <a:schemeClr val="tx1"/>
                 </a:solidFill>
@@ -4404,7 +4485,7 @@
               <a:t>Inlo</a:t>
             </a:r>
             <a:r>
-              <a:rPr lang="en-US" sz="1200" kern="1200" dirty="0" smtClean="0">
+              <a:rPr lang="en-US" sz="1200" kern="1200" dirty="0">
                 <a:solidFill>
                   <a:schemeClr val="tx1"/>
                 </a:solidFill>
@@ -4415,7 +4496,7 @@
               </a:rPr>
               <a:t>). </a:t>
             </a:r>
-            <a:endParaRPr lang="es-ES" sz="1200" kern="1200" dirty="0" smtClean="0">
+            <a:endParaRPr lang="es-ES" sz="1200" kern="1200" dirty="0">
               <a:solidFill>
                 <a:schemeClr val="tx1"/>
               </a:solidFill>
@@ -4427,7 +4508,7 @@
           </a:p>
           <a:p>
             <a:r>
-              <a:rPr lang="en-US" sz="1200" kern="1200" dirty="0" smtClean="0">
+              <a:rPr lang="en-US" sz="1200" kern="1200" dirty="0">
                 <a:solidFill>
                   <a:schemeClr val="tx1"/>
                 </a:solidFill>
@@ -4439,7 +4520,7 @@
               <a:t>Later we used the trilogy Lord of the Rings by </a:t>
             </a:r>
             <a:r>
-              <a:rPr lang="cs-CZ" sz="1200" kern="1200" dirty="0" smtClean="0">
+              <a:rPr lang="cs-CZ" sz="1200" kern="1200" dirty="0">
                 <a:solidFill>
                   <a:schemeClr val="tx1"/>
                 </a:solidFill>
@@ -4450,7 +4531,7 @@
               </a:rPr>
               <a:t>J.R.R. Tolkien, since we wanted a larger body of text.</a:t>
             </a:r>
-            <a:endParaRPr lang="es-ES" sz="1200" kern="1200" dirty="0" smtClean="0">
+            <a:endParaRPr lang="es-ES" sz="1200" kern="1200" dirty="0">
               <a:solidFill>
                 <a:schemeClr val="tx1"/>
               </a:solidFill>
@@ -4462,7 +4543,7 @@
           </a:p>
           <a:p>
             <a:r>
-              <a:rPr lang="cs-CZ" sz="1200" kern="1200" dirty="0" smtClean="0">
+              <a:rPr lang="cs-CZ" sz="1200" kern="1200" dirty="0">
                 <a:solidFill>
                   <a:schemeClr val="tx1"/>
                 </a:solidFill>
@@ -4473,7 +4554,7 @@
               </a:rPr>
               <a:t>We also regarded Shakespeare's texts, which seemed to complex though, for they are structured like theater instructions with only commands and direct speech.</a:t>
             </a:r>
-            <a:endParaRPr lang="es-ES" sz="1200" kern="1200" dirty="0" smtClean="0">
+            <a:endParaRPr lang="es-ES" sz="1200" kern="1200" dirty="0">
               <a:solidFill>
                 <a:schemeClr val="tx1"/>
               </a:solidFill>
@@ -4485,7 +4566,7 @@
           </a:p>
           <a:p>
             <a:r>
-              <a:rPr lang="cs-CZ" sz="1200" kern="1200" dirty="0" smtClean="0">
+              <a:rPr lang="cs-CZ" sz="1200" kern="1200" dirty="0">
                 <a:solidFill>
                   <a:schemeClr val="tx1"/>
                 </a:solidFill>
@@ -4496,7 +4577,7 @@
               </a:rPr>
               <a:t>In theory it should be possible to match the author's style doing this, but we will see that the machine's influence is quite big, too.</a:t>
             </a:r>
-            <a:endParaRPr lang="es-ES" sz="1200" kern="1200" dirty="0" smtClean="0">
+            <a:endParaRPr lang="es-ES" sz="1200" kern="1200" dirty="0">
               <a:solidFill>
                 <a:schemeClr val="tx1"/>
               </a:solidFill>
@@ -4535,7 +4616,7 @@
     </p:spTree>
     <p:extLst>
       <p:ext uri="{BB962C8B-B14F-4D97-AF65-F5344CB8AC3E}">
-        <p14:creationId xmlns:p14="http://schemas.microsoft.com/office/powerpoint/2010/main" xmlns="" val="2736017840"/>
+        <p14:creationId xmlns:p14="http://schemas.microsoft.com/office/powerpoint/2010/main" val="2736017840"/>
       </p:ext>
     </p:extLst>
   </p:cSld>
@@ -4590,7 +4671,7 @@
           <a:lstStyle/>
           <a:p>
             <a:r>
-              <a:rPr lang="en-US" sz="1200" kern="1200" dirty="0" smtClean="0">
+              <a:rPr lang="en-US" sz="1200" kern="1200" dirty="0">
                 <a:solidFill>
                   <a:schemeClr val="tx1"/>
                 </a:solidFill>
@@ -4602,7 +4683,7 @@
               <a:t>Our Research was quite easy. We knew we wanted to do text </a:t>
             </a:r>
             <a:r>
-              <a:rPr lang="en-US" sz="1200" kern="1200" dirty="0" err="1" smtClean="0">
+              <a:rPr lang="en-US" sz="1200" kern="1200" dirty="0" err="1">
                 <a:solidFill>
                   <a:schemeClr val="tx1"/>
                 </a:solidFill>
@@ -4614,7 +4695,7 @@
               <a:t>analysation</a:t>
             </a:r>
             <a:r>
-              <a:rPr lang="en-US" sz="1200" kern="1200" dirty="0" smtClean="0">
+              <a:rPr lang="en-US" sz="1200" kern="1200" dirty="0">
                 <a:solidFill>
                   <a:schemeClr val="tx1"/>
                 </a:solidFill>
@@ -4625,7 +4706,7 @@
               </a:rPr>
               <a:t>/generation, found about five tutorials, read three of them, decided for one.</a:t>
             </a:r>
-            <a:endParaRPr lang="es-ES" sz="1200" kern="1200" dirty="0" smtClean="0">
+            <a:endParaRPr lang="es-ES" sz="1200" kern="1200" dirty="0">
               <a:solidFill>
                 <a:schemeClr val="tx1"/>
               </a:solidFill>
@@ -4637,7 +4718,7 @@
           </a:p>
           <a:p>
             <a:r>
-              <a:rPr lang="en-US" sz="1200" kern="1200" dirty="0" smtClean="0">
+              <a:rPr lang="en-US" sz="1200" kern="1200" dirty="0">
                 <a:solidFill>
                   <a:schemeClr val="tx1"/>
                 </a:solidFill>
@@ -4648,7 +4729,7 @@
               </a:rPr>
               <a:t>The Text Preparation for the first type, letter-by-letter was not overly difficult. We had to take care of semicolons and multiple full stops, delete a few errors in the text. The word-by-word variant took a lot more time, because we had to create our own dictionary word - to - number and execute it.</a:t>
             </a:r>
-            <a:endParaRPr lang="es-ES" sz="1200" kern="1200" dirty="0" smtClean="0">
+            <a:endParaRPr lang="es-ES" sz="1200" kern="1200" dirty="0">
               <a:solidFill>
                 <a:schemeClr val="tx1"/>
               </a:solidFill>
@@ -4660,7 +4741,7 @@
           </a:p>
           <a:p>
             <a:r>
-              <a:rPr lang="en-US" sz="1200" kern="1200" dirty="0" smtClean="0">
+              <a:rPr lang="en-US" sz="1200" kern="1200" dirty="0">
                 <a:solidFill>
                   <a:schemeClr val="tx1"/>
                 </a:solidFill>
@@ -4671,7 +4752,7 @@
               </a:rPr>
               <a:t>But Setting up the System was a nearly impossible task for us:</a:t>
             </a:r>
-            <a:endParaRPr lang="es-ES" sz="1200" kern="1200" dirty="0" smtClean="0">
+            <a:endParaRPr lang="es-ES" sz="1200" kern="1200" dirty="0">
               <a:solidFill>
                 <a:schemeClr val="tx1"/>
               </a:solidFill>
@@ -4710,7 +4791,7 @@
     </p:spTree>
     <p:extLst>
       <p:ext uri="{BB962C8B-B14F-4D97-AF65-F5344CB8AC3E}">
-        <p14:creationId xmlns:p14="http://schemas.microsoft.com/office/powerpoint/2010/main" xmlns="" val="615407930"/>
+        <p14:creationId xmlns:p14="http://schemas.microsoft.com/office/powerpoint/2010/main" val="615407930"/>
       </p:ext>
     </p:extLst>
   </p:cSld>
@@ -4782,7 +4863,7 @@
               <a:defRPr/>
             </a:pPr>
             <a:r>
-              <a:rPr lang="en-US" sz="1200" kern="1200" dirty="0" smtClean="0">
+              <a:rPr lang="en-US" sz="1200" kern="1200" dirty="0">
                 <a:solidFill>
                   <a:schemeClr val="tx1"/>
                 </a:solidFill>
@@ -4794,7 +4875,7 @@
               <a:t>We have the main system.. running on a </a:t>
             </a:r>
             <a:r>
-              <a:rPr lang="en-US" sz="1200" kern="1200" dirty="0" err="1" smtClean="0">
+              <a:rPr lang="en-US" sz="1200" kern="1200" dirty="0" err="1">
                 <a:solidFill>
                   <a:schemeClr val="tx1"/>
                 </a:solidFill>
@@ -4806,7 +4887,7 @@
               <a:t>gCloud</a:t>
             </a:r>
             <a:r>
-              <a:rPr lang="en-US" sz="1200" kern="1200" dirty="0" smtClean="0">
+              <a:rPr lang="en-US" sz="1200" kern="1200" dirty="0">
                 <a:solidFill>
                   <a:schemeClr val="tx1"/>
                 </a:solidFill>
@@ -4818,7 +4899,7 @@
               <a:t> instance, which is accessed and installed only via SSH. To do heavy computation, we need the GPU, and everything has to be in the right versions, in order to work together. Downwards compatibility is not usually given. And of course we are working on the machine together, and for ease of use and a little bit of GUI, we need </a:t>
             </a:r>
             <a:r>
-              <a:rPr lang="en-US" sz="1200" kern="1200" dirty="0" err="1" smtClean="0">
+              <a:rPr lang="en-US" sz="1200" kern="1200" dirty="0" err="1">
                 <a:solidFill>
                   <a:schemeClr val="tx1"/>
                 </a:solidFill>
@@ -4830,7 +4911,7 @@
               <a:t>Jupyter</a:t>
             </a:r>
             <a:r>
-              <a:rPr lang="en-US" sz="1200" kern="1200" dirty="0" smtClean="0">
+              <a:rPr lang="en-US" sz="1200" kern="1200" dirty="0">
                 <a:solidFill>
                   <a:schemeClr val="tx1"/>
                 </a:solidFill>
@@ -4842,7 +4923,7 @@
               <a:t>. Then we need to get our data on the cloud, which is easiest via </a:t>
             </a:r>
             <a:r>
-              <a:rPr lang="en-US" sz="1200" kern="1200" dirty="0" err="1" smtClean="0">
+              <a:rPr lang="en-US" sz="1200" kern="1200" dirty="0" err="1">
                 <a:solidFill>
                   <a:schemeClr val="tx1"/>
                 </a:solidFill>
@@ -4854,7 +4935,7 @@
               <a:t>Github</a:t>
             </a:r>
             <a:r>
-              <a:rPr lang="en-US" sz="1200" kern="1200" dirty="0" smtClean="0">
+              <a:rPr lang="en-US" sz="1200" kern="1200" dirty="0">
                 <a:solidFill>
                   <a:schemeClr val="tx1"/>
                 </a:solidFill>
@@ -4865,7 +4946,7 @@
               </a:rPr>
               <a:t>.</a:t>
             </a:r>
-            <a:endParaRPr lang="es-ES" sz="1200" kern="1200" dirty="0" smtClean="0">
+            <a:endParaRPr lang="es-ES" sz="1200" kern="1200" dirty="0">
               <a:solidFill>
                 <a:schemeClr val="tx1"/>
               </a:solidFill>
@@ -4904,7 +4985,7 @@
     </p:spTree>
     <p:extLst>
       <p:ext uri="{BB962C8B-B14F-4D97-AF65-F5344CB8AC3E}">
-        <p14:creationId xmlns:p14="http://schemas.microsoft.com/office/powerpoint/2010/main" xmlns="" val="519233583"/>
+        <p14:creationId xmlns:p14="http://schemas.microsoft.com/office/powerpoint/2010/main" val="519233583"/>
       </p:ext>
     </p:extLst>
   </p:cSld>
@@ -4989,7 +5070,7 @@
     </p:spTree>
     <p:extLst>
       <p:ext uri="{BB962C8B-B14F-4D97-AF65-F5344CB8AC3E}">
-        <p14:creationId xmlns:p14="http://schemas.microsoft.com/office/powerpoint/2010/main" xmlns="" val="2350145634"/>
+        <p14:creationId xmlns:p14="http://schemas.microsoft.com/office/powerpoint/2010/main" val="2350145634"/>
       </p:ext>
     </p:extLst>
   </p:cSld>
@@ -5074,7 +5155,96 @@
     </p:spTree>
     <p:extLst>
       <p:ext uri="{BB962C8B-B14F-4D97-AF65-F5344CB8AC3E}">
-        <p14:creationId xmlns:p14="http://schemas.microsoft.com/office/powerpoint/2010/main" xmlns="" val="762775101"/>
+        <p14:creationId xmlns:p14="http://schemas.microsoft.com/office/powerpoint/2010/main" val="762775101"/>
+      </p:ext>
+    </p:extLst>
+  </p:cSld>
+  <p:clrMapOvr>
+    <a:masterClrMapping/>
+  </p:clrMapOvr>
+</p:notes>
+</file>
+
+<file path=ppt/notesSlides/notesSlide8.xml><?xml version="1.0" encoding="utf-8"?>
+<p:notes xmlns:a="http://schemas.openxmlformats.org/drawingml/2006/main" xmlns:r="http://schemas.openxmlformats.org/officeDocument/2006/relationships" xmlns:p="http://schemas.openxmlformats.org/presentationml/2006/main">
+  <p:cSld>
+    <p:spTree>
+      <p:nvGrpSpPr>
+        <p:cNvPr id="1" name=""/>
+        <p:cNvGrpSpPr/>
+        <p:nvPr/>
+      </p:nvGrpSpPr>
+      <p:grpSpPr>
+        <a:xfrm>
+          <a:off x="0" y="0"/>
+          <a:ext cx="0" cy="0"/>
+          <a:chOff x="0" y="0"/>
+          <a:chExt cx="0" cy="0"/>
+        </a:xfrm>
+      </p:grpSpPr>
+      <p:sp>
+        <p:nvSpPr>
+          <p:cNvPr id="2" name="Zástupný symbol pro obrázek snímku 1"/>
+          <p:cNvSpPr>
+            <a:spLocks noGrp="1" noRot="1" noChangeAspect="1"/>
+          </p:cNvSpPr>
+          <p:nvPr>
+            <p:ph type="sldImg"/>
+          </p:nvPr>
+        </p:nvSpPr>
+        <p:spPr/>
+      </p:sp>
+      <p:sp>
+        <p:nvSpPr>
+          <p:cNvPr id="3" name="Zástupný symbol pro poznámky 2"/>
+          <p:cNvSpPr>
+            <a:spLocks noGrp="1"/>
+          </p:cNvSpPr>
+          <p:nvPr>
+            <p:ph type="body" idx="1"/>
+          </p:nvPr>
+        </p:nvSpPr>
+        <p:spPr/>
+        <p:txBody>
+          <a:bodyPr/>
+          <a:lstStyle/>
+          <a:p>
+            <a:r>
+              <a:rPr lang="en-US" dirty="0"/>
+              <a:t>Word-by-word: words with occurrence 1 renamed as unknown</a:t>
+            </a:r>
+            <a:endParaRPr lang="cs-CZ" dirty="0"/>
+          </a:p>
+        </p:txBody>
+      </p:sp>
+      <p:sp>
+        <p:nvSpPr>
+          <p:cNvPr id="4" name="Zástupný symbol pro číslo snímku 3"/>
+          <p:cNvSpPr>
+            <a:spLocks noGrp="1"/>
+          </p:cNvSpPr>
+          <p:nvPr>
+            <p:ph type="sldNum" sz="quarter" idx="10"/>
+          </p:nvPr>
+        </p:nvSpPr>
+        <p:spPr/>
+        <p:txBody>
+          <a:bodyPr/>
+          <a:lstStyle/>
+          <a:p>
+            <a:fld id="{8553AB4D-F64E-4BC3-AFD4-42535EB734B5}" type="slidenum">
+              <a:rPr lang="es-ES" smtClean="0"/>
+              <a:pPr/>
+              <a:t>10</a:t>
+            </a:fld>
+            <a:endParaRPr lang="es-ES"/>
+          </a:p>
+        </p:txBody>
+      </p:sp>
+    </p:spTree>
+    <p:extLst>
+      <p:ext uri="{BB962C8B-B14F-4D97-AF65-F5344CB8AC3E}">
+        <p14:creationId xmlns:p14="http://schemas.microsoft.com/office/powerpoint/2010/main" val="497672270"/>
       </p:ext>
     </p:extLst>
   </p:cSld>
@@ -5122,7 +5292,7 @@
           <a:lstStyle/>
           <a:p>
             <a:r>
-              <a:rPr lang="en-US" smtClean="0"/>
+              <a:rPr lang="en-US"/>
               <a:t>Click to edit Master title style</a:t>
             </a:r>
             <a:endParaRPr lang="de-DE"/>
@@ -5241,7 +5411,7 @@
           </a:lstStyle>
           <a:p>
             <a:r>
-              <a:rPr lang="en-US" smtClean="0"/>
+              <a:rPr lang="en-US"/>
               <a:t>Click to edit Master subtitle style</a:t>
             </a:r>
             <a:endParaRPr lang="de-DE"/>
@@ -5356,7 +5526,7 @@
           <a:lstStyle/>
           <a:p>
             <a:r>
-              <a:rPr lang="en-US" smtClean="0"/>
+              <a:rPr lang="en-US"/>
               <a:t>Click to edit Master title style</a:t>
             </a:r>
             <a:endParaRPr lang="de-DE"/>
@@ -5380,35 +5550,35 @@
           <a:p>
             <a:pPr lvl="0"/>
             <a:r>
-              <a:rPr lang="en-US" smtClean="0"/>
+              <a:rPr lang="en-US"/>
               <a:t>Click to edit Master text styles</a:t>
             </a:r>
           </a:p>
           <a:p>
             <a:pPr lvl="1"/>
             <a:r>
-              <a:rPr lang="en-US" smtClean="0"/>
+              <a:rPr lang="en-US"/>
               <a:t>Second level</a:t>
             </a:r>
           </a:p>
           <a:p>
             <a:pPr lvl="2"/>
             <a:r>
-              <a:rPr lang="en-US" smtClean="0"/>
+              <a:rPr lang="en-US"/>
               <a:t>Third level</a:t>
             </a:r>
           </a:p>
           <a:p>
             <a:pPr lvl="3"/>
             <a:r>
-              <a:rPr lang="en-US" smtClean="0"/>
+              <a:rPr lang="en-US"/>
               <a:t>Fourth level</a:t>
             </a:r>
           </a:p>
           <a:p>
             <a:pPr lvl="4"/>
             <a:r>
-              <a:rPr lang="en-US" smtClean="0"/>
+              <a:rPr lang="en-US"/>
               <a:t>Fifth level</a:t>
             </a:r>
             <a:endParaRPr lang="de-DE"/>
@@ -5528,7 +5698,7 @@
           <a:lstStyle/>
           <a:p>
             <a:r>
-              <a:rPr lang="en-US" smtClean="0"/>
+              <a:rPr lang="en-US"/>
               <a:t>Click to edit Master title style</a:t>
             </a:r>
             <a:endParaRPr lang="de-DE"/>
@@ -5557,35 +5727,35 @@
           <a:p>
             <a:pPr lvl="0"/>
             <a:r>
-              <a:rPr lang="en-US" smtClean="0"/>
+              <a:rPr lang="en-US"/>
               <a:t>Click to edit Master text styles</a:t>
             </a:r>
           </a:p>
           <a:p>
             <a:pPr lvl="1"/>
             <a:r>
-              <a:rPr lang="en-US" smtClean="0"/>
+              <a:rPr lang="en-US"/>
               <a:t>Second level</a:t>
             </a:r>
           </a:p>
           <a:p>
             <a:pPr lvl="2"/>
             <a:r>
-              <a:rPr lang="en-US" smtClean="0"/>
+              <a:rPr lang="en-US"/>
               <a:t>Third level</a:t>
             </a:r>
           </a:p>
           <a:p>
             <a:pPr lvl="3"/>
             <a:r>
-              <a:rPr lang="en-US" smtClean="0"/>
+              <a:rPr lang="en-US"/>
               <a:t>Fourth level</a:t>
             </a:r>
           </a:p>
           <a:p>
             <a:pPr lvl="4"/>
             <a:r>
-              <a:rPr lang="en-US" smtClean="0"/>
+              <a:rPr lang="en-US"/>
               <a:t>Fifth level</a:t>
             </a:r>
             <a:endParaRPr lang="de-DE"/>
@@ -5700,7 +5870,7 @@
           <a:lstStyle/>
           <a:p>
             <a:r>
-              <a:rPr lang="en-US" smtClean="0"/>
+              <a:rPr lang="en-US"/>
               <a:t>Click to edit Master title style</a:t>
             </a:r>
             <a:endParaRPr lang="de-DE"/>
@@ -5724,35 +5894,35 @@
           <a:p>
             <a:pPr lvl="0"/>
             <a:r>
-              <a:rPr lang="en-US" smtClean="0"/>
+              <a:rPr lang="en-US"/>
               <a:t>Click to edit Master text styles</a:t>
             </a:r>
           </a:p>
           <a:p>
             <a:pPr lvl="1"/>
             <a:r>
-              <a:rPr lang="en-US" smtClean="0"/>
+              <a:rPr lang="en-US"/>
               <a:t>Second level</a:t>
             </a:r>
           </a:p>
           <a:p>
             <a:pPr lvl="2"/>
             <a:r>
-              <a:rPr lang="en-US" smtClean="0"/>
+              <a:rPr lang="en-US"/>
               <a:t>Third level</a:t>
             </a:r>
           </a:p>
           <a:p>
             <a:pPr lvl="3"/>
             <a:r>
-              <a:rPr lang="en-US" smtClean="0"/>
+              <a:rPr lang="en-US"/>
               <a:t>Fourth level</a:t>
             </a:r>
           </a:p>
           <a:p>
             <a:pPr lvl="4"/>
             <a:r>
-              <a:rPr lang="en-US" smtClean="0"/>
+              <a:rPr lang="en-US"/>
               <a:t>Fifth level</a:t>
             </a:r>
             <a:endParaRPr lang="de-DE"/>
@@ -5876,7 +6046,7 @@
           </a:lstStyle>
           <a:p>
             <a:r>
-              <a:rPr lang="en-US" smtClean="0"/>
+              <a:rPr lang="en-US"/>
               <a:t>Click to edit Master title style</a:t>
             </a:r>
             <a:endParaRPr lang="de-DE"/>
@@ -5996,7 +6166,7 @@
           <a:p>
             <a:pPr lvl="0"/>
             <a:r>
-              <a:rPr lang="en-US" smtClean="0"/>
+              <a:rPr lang="en-US"/>
               <a:t>Click to edit Master text styles</a:t>
             </a:r>
           </a:p>
@@ -6110,7 +6280,7 @@
           <a:lstStyle/>
           <a:p>
             <a:r>
-              <a:rPr lang="en-US" smtClean="0"/>
+              <a:rPr lang="en-US"/>
               <a:t>Click to edit Master title style</a:t>
             </a:r>
             <a:endParaRPr lang="de-DE"/>
@@ -6167,35 +6337,35 @@
           <a:p>
             <a:pPr lvl="0"/>
             <a:r>
-              <a:rPr lang="en-US" smtClean="0"/>
+              <a:rPr lang="en-US"/>
               <a:t>Click to edit Master text styles</a:t>
             </a:r>
           </a:p>
           <a:p>
             <a:pPr lvl="1"/>
             <a:r>
-              <a:rPr lang="en-US" smtClean="0"/>
+              <a:rPr lang="en-US"/>
               <a:t>Second level</a:t>
             </a:r>
           </a:p>
           <a:p>
             <a:pPr lvl="2"/>
             <a:r>
-              <a:rPr lang="en-US" smtClean="0"/>
+              <a:rPr lang="en-US"/>
               <a:t>Third level</a:t>
             </a:r>
           </a:p>
           <a:p>
             <a:pPr lvl="3"/>
             <a:r>
-              <a:rPr lang="en-US" smtClean="0"/>
+              <a:rPr lang="en-US"/>
               <a:t>Fourth level</a:t>
             </a:r>
           </a:p>
           <a:p>
             <a:pPr lvl="4"/>
             <a:r>
-              <a:rPr lang="en-US" smtClean="0"/>
+              <a:rPr lang="en-US"/>
               <a:t>Fifth level</a:t>
             </a:r>
             <a:endParaRPr lang="de-DE"/>
@@ -6252,35 +6422,35 @@
           <a:p>
             <a:pPr lvl="0"/>
             <a:r>
-              <a:rPr lang="en-US" smtClean="0"/>
+              <a:rPr lang="en-US"/>
               <a:t>Click to edit Master text styles</a:t>
             </a:r>
           </a:p>
           <a:p>
             <a:pPr lvl="1"/>
             <a:r>
-              <a:rPr lang="en-US" smtClean="0"/>
+              <a:rPr lang="en-US"/>
               <a:t>Second level</a:t>
             </a:r>
           </a:p>
           <a:p>
             <a:pPr lvl="2"/>
             <a:r>
-              <a:rPr lang="en-US" smtClean="0"/>
+              <a:rPr lang="en-US"/>
               <a:t>Third level</a:t>
             </a:r>
           </a:p>
           <a:p>
             <a:pPr lvl="3"/>
             <a:r>
-              <a:rPr lang="en-US" smtClean="0"/>
+              <a:rPr lang="en-US"/>
               <a:t>Fourth level</a:t>
             </a:r>
           </a:p>
           <a:p>
             <a:pPr lvl="4"/>
             <a:r>
-              <a:rPr lang="en-US" smtClean="0"/>
+              <a:rPr lang="en-US"/>
               <a:t>Fifth level</a:t>
             </a:r>
             <a:endParaRPr lang="de-DE"/>
@@ -6399,7 +6569,7 @@
           </a:lstStyle>
           <a:p>
             <a:r>
-              <a:rPr lang="en-US" smtClean="0"/>
+              <a:rPr lang="en-US"/>
               <a:t>Click to edit Master title style</a:t>
             </a:r>
             <a:endParaRPr lang="de-DE"/>
@@ -6465,7 +6635,7 @@
           <a:p>
             <a:pPr lvl="0"/>
             <a:r>
-              <a:rPr lang="en-US" smtClean="0"/>
+              <a:rPr lang="en-US"/>
               <a:t>Click to edit Master text styles</a:t>
             </a:r>
           </a:p>
@@ -6521,35 +6691,35 @@
           <a:p>
             <a:pPr lvl="0"/>
             <a:r>
-              <a:rPr lang="en-US" smtClean="0"/>
+              <a:rPr lang="en-US"/>
               <a:t>Click to edit Master text styles</a:t>
             </a:r>
           </a:p>
           <a:p>
             <a:pPr lvl="1"/>
             <a:r>
-              <a:rPr lang="en-US" smtClean="0"/>
+              <a:rPr lang="en-US"/>
               <a:t>Second level</a:t>
             </a:r>
           </a:p>
           <a:p>
             <a:pPr lvl="2"/>
             <a:r>
-              <a:rPr lang="en-US" smtClean="0"/>
+              <a:rPr lang="en-US"/>
               <a:t>Third level</a:t>
             </a:r>
           </a:p>
           <a:p>
             <a:pPr lvl="3"/>
             <a:r>
-              <a:rPr lang="en-US" smtClean="0"/>
+              <a:rPr lang="en-US"/>
               <a:t>Fourth level</a:t>
             </a:r>
           </a:p>
           <a:p>
             <a:pPr lvl="4"/>
             <a:r>
-              <a:rPr lang="en-US" smtClean="0"/>
+              <a:rPr lang="en-US"/>
               <a:t>Fifth level</a:t>
             </a:r>
             <a:endParaRPr lang="de-DE"/>
@@ -6615,7 +6785,7 @@
           <a:p>
             <a:pPr lvl="0"/>
             <a:r>
-              <a:rPr lang="en-US" smtClean="0"/>
+              <a:rPr lang="en-US"/>
               <a:t>Click to edit Master text styles</a:t>
             </a:r>
           </a:p>
@@ -6671,35 +6841,35 @@
           <a:p>
             <a:pPr lvl="0"/>
             <a:r>
-              <a:rPr lang="en-US" smtClean="0"/>
+              <a:rPr lang="en-US"/>
               <a:t>Click to edit Master text styles</a:t>
             </a:r>
           </a:p>
           <a:p>
             <a:pPr lvl="1"/>
             <a:r>
-              <a:rPr lang="en-US" smtClean="0"/>
+              <a:rPr lang="en-US"/>
               <a:t>Second level</a:t>
             </a:r>
           </a:p>
           <a:p>
             <a:pPr lvl="2"/>
             <a:r>
-              <a:rPr lang="en-US" smtClean="0"/>
+              <a:rPr lang="en-US"/>
               <a:t>Third level</a:t>
             </a:r>
           </a:p>
           <a:p>
             <a:pPr lvl="3"/>
             <a:r>
-              <a:rPr lang="en-US" smtClean="0"/>
+              <a:rPr lang="en-US"/>
               <a:t>Fourth level</a:t>
             </a:r>
           </a:p>
           <a:p>
             <a:pPr lvl="4"/>
             <a:r>
-              <a:rPr lang="en-US" smtClean="0"/>
+              <a:rPr lang="en-US"/>
               <a:t>Fifth level</a:t>
             </a:r>
             <a:endParaRPr lang="de-DE"/>
@@ -6814,7 +6984,7 @@
           <a:lstStyle/>
           <a:p>
             <a:r>
-              <a:rPr lang="en-US" smtClean="0"/>
+              <a:rPr lang="en-US"/>
               <a:t>Click to edit Master title style</a:t>
             </a:r>
             <a:endParaRPr lang="de-DE"/>
@@ -7030,7 +7200,7 @@
           </a:lstStyle>
           <a:p>
             <a:r>
-              <a:rPr lang="en-US" smtClean="0"/>
+              <a:rPr lang="en-US"/>
               <a:t>Click to edit Master title style</a:t>
             </a:r>
             <a:endParaRPr lang="de-DE"/>
@@ -7087,35 +7257,35 @@
           <a:p>
             <a:pPr lvl="0"/>
             <a:r>
-              <a:rPr lang="en-US" smtClean="0"/>
+              <a:rPr lang="en-US"/>
               <a:t>Click to edit Master text styles</a:t>
             </a:r>
           </a:p>
           <a:p>
             <a:pPr lvl="1"/>
             <a:r>
-              <a:rPr lang="en-US" smtClean="0"/>
+              <a:rPr lang="en-US"/>
               <a:t>Second level</a:t>
             </a:r>
           </a:p>
           <a:p>
             <a:pPr lvl="2"/>
             <a:r>
-              <a:rPr lang="en-US" smtClean="0"/>
+              <a:rPr lang="en-US"/>
               <a:t>Third level</a:t>
             </a:r>
           </a:p>
           <a:p>
             <a:pPr lvl="3"/>
             <a:r>
-              <a:rPr lang="en-US" smtClean="0"/>
+              <a:rPr lang="en-US"/>
               <a:t>Fourth level</a:t>
             </a:r>
           </a:p>
           <a:p>
             <a:pPr lvl="4"/>
             <a:r>
-              <a:rPr lang="en-US" smtClean="0"/>
+              <a:rPr lang="en-US"/>
               <a:t>Fifth level</a:t>
             </a:r>
             <a:endParaRPr lang="de-DE"/>
@@ -7181,7 +7351,7 @@
           <a:p>
             <a:pPr lvl="0"/>
             <a:r>
-              <a:rPr lang="en-US" smtClean="0"/>
+              <a:rPr lang="en-US"/>
               <a:t>Click to edit Master text styles</a:t>
             </a:r>
           </a:p>
@@ -7304,7 +7474,7 @@
           </a:lstStyle>
           <a:p>
             <a:r>
-              <a:rPr lang="en-US" smtClean="0"/>
+              <a:rPr lang="en-US"/>
               <a:t>Click to edit Master title style</a:t>
             </a:r>
             <a:endParaRPr lang="de-DE"/>
@@ -7431,7 +7601,7 @@
           <a:p>
             <a:pPr lvl="0"/>
             <a:r>
-              <a:rPr lang="en-US" smtClean="0"/>
+              <a:rPr lang="en-US"/>
               <a:t>Click to edit Master text styles</a:t>
             </a:r>
           </a:p>
@@ -7560,7 +7730,7 @@
           <a:lstStyle/>
           <a:p>
             <a:r>
-              <a:rPr lang="en-US" smtClean="0"/>
+              <a:rPr lang="en-US"/>
               <a:t>Click to edit Master title style</a:t>
             </a:r>
             <a:endParaRPr lang="de-DE"/>
@@ -7594,35 +7764,35 @@
           <a:p>
             <a:pPr lvl="0"/>
             <a:r>
-              <a:rPr lang="en-US" smtClean="0"/>
+              <a:rPr lang="en-US"/>
               <a:t>Click to edit Master text styles</a:t>
             </a:r>
           </a:p>
           <a:p>
             <a:pPr lvl="1"/>
             <a:r>
-              <a:rPr lang="en-US" smtClean="0"/>
+              <a:rPr lang="en-US"/>
               <a:t>Second level</a:t>
             </a:r>
           </a:p>
           <a:p>
             <a:pPr lvl="2"/>
             <a:r>
-              <a:rPr lang="en-US" smtClean="0"/>
+              <a:rPr lang="en-US"/>
               <a:t>Third level</a:t>
             </a:r>
           </a:p>
           <a:p>
             <a:pPr lvl="3"/>
             <a:r>
-              <a:rPr lang="en-US" smtClean="0"/>
+              <a:rPr lang="en-US"/>
               <a:t>Fourth level</a:t>
             </a:r>
           </a:p>
           <a:p>
             <a:pPr lvl="4"/>
             <a:r>
-              <a:rPr lang="en-US" smtClean="0"/>
+              <a:rPr lang="en-US"/>
               <a:t>Fifth level</a:t>
             </a:r>
             <a:endParaRPr lang="de-DE"/>
@@ -8099,10 +8269,9 @@
           <a:p>
             <a:pPr algn="ctr"/>
             <a:r>
-              <a:rPr lang="de-DE" sz="1400" dirty="0" smtClean="0"/>
+              <a:rPr lang="de-DE" sz="1400" dirty="0"/>
               <a:t>100010111100011001010010010..</a:t>
             </a:r>
-            <a:endParaRPr lang="de-DE" sz="1400" dirty="0"/>
           </a:p>
         </p:txBody>
       </p:sp>
@@ -8134,40 +8303,24 @@
                   <a:schemeClr val="bg1"/>
                 </a:solidFill>
               </a:rPr>
-              <a:t>Creative Writing </a:t>
-            </a:r>
-            <a:r>
-              <a:rPr lang="en-US" u="sng" dirty="0" smtClean="0">
-                <a:solidFill>
-                  <a:schemeClr val="bg1"/>
-                </a:solidFill>
-              </a:rPr>
-              <a:t>101</a:t>
+              <a:t>Creative Writing 101</a:t>
             </a:r>
             <a:br>
-              <a:rPr lang="en-US" u="sng" dirty="0" smtClean="0">
+              <a:rPr lang="en-US" u="sng" dirty="0">
                 <a:solidFill>
                   <a:schemeClr val="bg1"/>
                 </a:solidFill>
               </a:rPr>
             </a:br>
-            <a:r>
-              <a:rPr lang="en-US" sz="3100" u="sng" dirty="0" smtClean="0">
-                <a:solidFill>
-                  <a:schemeClr val="bg1"/>
-                </a:solidFill>
-              </a:rPr>
-              <a:t/>
-            </a:r>
             <a:br>
-              <a:rPr lang="en-US" sz="3100" u="sng" dirty="0" smtClean="0">
+              <a:rPr lang="en-US" sz="3100" u="sng" dirty="0">
                 <a:solidFill>
                   <a:schemeClr val="bg1"/>
                 </a:solidFill>
               </a:rPr>
             </a:br>
             <a:r>
-              <a:rPr lang="en-US" sz="3100" dirty="0" smtClean="0">
+              <a:rPr lang="en-US" sz="3100" dirty="0">
                 <a:solidFill>
                   <a:schemeClr val="bg1"/>
                 </a:solidFill>
@@ -8233,7 +8386,7 @@
           <a:lstStyle/>
           <a:p>
             <a:r>
-              <a:rPr lang="de-DE" sz="1400" dirty="0" smtClean="0">
+              <a:rPr lang="de-DE" sz="1400" dirty="0">
                 <a:solidFill>
                   <a:schemeClr val="bg1"/>
                 </a:solidFill>
@@ -8241,14 +8394,14 @@
               <a:t>Tomas </a:t>
             </a:r>
             <a:r>
-              <a:rPr lang="de-DE" sz="1400" dirty="0" err="1" smtClean="0">
+              <a:rPr lang="de-DE" sz="1400" dirty="0" err="1">
                 <a:solidFill>
                   <a:schemeClr val="bg1"/>
                 </a:solidFill>
               </a:rPr>
               <a:t>Suchomel</a:t>
             </a:r>
-            <a:endParaRPr lang="de-DE" sz="1400" dirty="0" smtClean="0">
+            <a:endParaRPr lang="de-DE" sz="1400" dirty="0">
               <a:solidFill>
                 <a:schemeClr val="bg1"/>
               </a:solidFill>
@@ -8256,18 +8409,13 @@
           </a:p>
           <a:p>
             <a:r>
-              <a:rPr lang="de-DE" sz="1400" dirty="0" smtClean="0">
+              <a:rPr lang="de-DE" sz="1400" dirty="0">
                 <a:solidFill>
                   <a:schemeClr val="bg1"/>
                 </a:solidFill>
               </a:rPr>
               <a:t>Samuel Gamer</a:t>
             </a:r>
-            <a:endParaRPr lang="de-DE" sz="1400" dirty="0">
-              <a:solidFill>
-                <a:schemeClr val="bg1"/>
-              </a:solidFill>
-            </a:endParaRPr>
           </a:p>
         </p:txBody>
       </p:sp>
@@ -8308,20 +8456,46 @@
         </p:nvSpPr>
         <p:spPr/>
         <p:txBody>
-          <a:bodyPr/>
+          <a:bodyPr>
+            <a:normAutofit/>
+          </a:bodyPr>
           <a:lstStyle/>
           <a:p>
             <a:r>
-              <a:rPr lang="de-DE" dirty="0" err="1" smtClean="0"/>
+              <a:rPr lang="de-DE" dirty="0" err="1"/>
               <a:t>Results</a:t>
             </a:r>
             <a:r>
-              <a:rPr lang="de-DE" dirty="0" smtClean="0"/>
+              <a:rPr lang="de-DE" dirty="0"/>
               <a:t>: </a:t>
             </a:r>
             <a:r>
-              <a:rPr lang="de-DE" dirty="0" err="1" smtClean="0"/>
-              <a:t>Sentences</a:t>
+              <a:rPr lang="cs-CZ" dirty="0" err="1"/>
+              <a:t>The</a:t>
+            </a:r>
+            <a:r>
+              <a:rPr lang="cs-CZ" dirty="0"/>
+              <a:t> Lord </a:t>
+            </a:r>
+            <a:r>
+              <a:rPr lang="cs-CZ" dirty="0" err="1"/>
+              <a:t>of</a:t>
+            </a:r>
+            <a:r>
+              <a:rPr lang="cs-CZ" dirty="0"/>
+              <a:t> </a:t>
+            </a:r>
+            <a:r>
+              <a:rPr lang="cs-CZ" dirty="0" err="1"/>
+              <a:t>the</a:t>
+            </a:r>
+            <a:r>
+              <a:rPr lang="cs-CZ" dirty="0"/>
+              <a:t> </a:t>
+            </a:r>
+            <a:r>
+              <a:rPr lang="cs-CZ" dirty="0" err="1"/>
+              <a:t>Rings</a:t>
             </a:r>
             <a:endParaRPr lang="de-DE" dirty="0"/>
           </a:p>
@@ -8337,98 +8511,542 @@
             <p:ph idx="1"/>
           </p:nvPr>
         </p:nvSpPr>
-        <p:spPr/>
+        <p:spPr>
+          <a:xfrm>
+            <a:off x="457200" y="2348880"/>
+            <a:ext cx="4186808" cy="3777283"/>
+          </a:xfrm>
+        </p:spPr>
         <p:txBody>
-          <a:bodyPr/>
+          <a:bodyPr>
+            <a:normAutofit lnSpcReduction="10000"/>
+          </a:bodyPr>
           <a:lstStyle/>
           <a:p>
-            <a:pPr algn="ctr">
+            <a:pPr marL="0" indent="0">
               <a:buNone/>
             </a:pPr>
             <a:r>
-              <a:rPr lang="en-US" u="sng" dirty="0" smtClean="0"/>
-              <a:t>Epoch </a:t>
-            </a:r>
-            <a:r>
-              <a:rPr lang="en-US" u="sng" dirty="0" smtClean="0"/>
-              <a:t> 5</a:t>
-            </a:r>
-            <a:r>
-              <a:rPr lang="en-US" u="sng" dirty="0" smtClean="0"/>
-              <a:t>: </a:t>
-            </a:r>
-            <a:endParaRPr lang="en-US" u="sng" dirty="0" smtClean="0"/>
-          </a:p>
-          <a:p>
-            <a:pPr>
+              <a:rPr lang="cs-CZ" dirty="0" err="1"/>
+              <a:t>Letter</a:t>
+            </a:r>
+            <a:r>
+              <a:rPr lang="cs-CZ" dirty="0"/>
+              <a:t>-by-</a:t>
+            </a:r>
+            <a:r>
+              <a:rPr lang="cs-CZ" dirty="0" err="1"/>
+              <a:t>Letter</a:t>
+            </a:r>
+            <a:endParaRPr lang="en-US" dirty="0"/>
+          </a:p>
+          <a:p>
+            <a:pPr marL="0" indent="0">
               <a:buNone/>
             </a:pPr>
-            <a:r>
-              <a:rPr lang="en-US" sz="2800" u="sng" dirty="0" smtClean="0"/>
-              <a:t>Words:</a:t>
-            </a:r>
-            <a:r>
-              <a:rPr lang="en-US" sz="2800" dirty="0" smtClean="0"/>
-              <a:t> ..Grows </a:t>
-            </a:r>
-            <a:r>
-              <a:rPr lang="en-US" sz="2800" dirty="0" smtClean="0"/>
-              <a:t>' of , unknown to , enemy the and </a:t>
-            </a:r>
-            <a:r>
-              <a:rPr lang="en-US" sz="2800" dirty="0" err="1" smtClean="0"/>
-              <a:t>and</a:t>
-            </a:r>
-            <a:r>
-              <a:rPr lang="en-US" sz="2800" dirty="0" smtClean="0"/>
-              <a:t> in am not know ' and unknown </a:t>
-            </a:r>
-            <a:r>
-              <a:rPr lang="en-US" sz="2800" dirty="0" smtClean="0"/>
-              <a:t>Frodo and unknown..</a:t>
-            </a:r>
-          </a:p>
-          <a:p>
-            <a:pPr>
+            <a:endParaRPr lang="en-US" sz="2000" dirty="0"/>
+          </a:p>
+          <a:p>
+            <a:pPr marL="0" indent="0">
+              <a:lnSpc>
+                <a:spcPct val="150000"/>
+              </a:lnSpc>
               <a:buNone/>
             </a:pPr>
-            <a:endParaRPr lang="en-US" sz="2200" dirty="0" smtClean="0"/>
-          </a:p>
-          <a:p>
-            <a:pPr>
+            <a:r>
+              <a:rPr lang="en-US" sz="2000" dirty="0"/>
+              <a:t>Deleted</a:t>
+            </a:r>
+            <a:r>
+              <a:rPr lang="cs-CZ" sz="2000" dirty="0"/>
+              <a:t>:	</a:t>
+            </a:r>
+            <a:r>
+              <a:rPr lang="en-US" sz="2000" dirty="0"/>
+              <a:t>	4360</a:t>
+            </a:r>
+            <a:br>
+              <a:rPr lang="cs-CZ" sz="2000" dirty="0"/>
+            </a:br>
+            <a:r>
+              <a:rPr lang="en-US" sz="2000" dirty="0"/>
+              <a:t>F</a:t>
+            </a:r>
+            <a:r>
+              <a:rPr lang="cs-CZ" sz="2000" dirty="0" err="1"/>
+              <a:t>inal</a:t>
+            </a:r>
+            <a:r>
+              <a:rPr lang="cs-CZ" sz="2000" dirty="0"/>
+              <a:t> </a:t>
+            </a:r>
+            <a:r>
+              <a:rPr lang="cs-CZ" sz="2000" dirty="0" err="1"/>
+              <a:t>length</a:t>
+            </a:r>
+            <a:r>
+              <a:rPr lang="cs-CZ" sz="2000" dirty="0"/>
+              <a:t>:	</a:t>
+            </a:r>
+            <a:r>
+              <a:rPr lang="en-US" sz="2000" dirty="0"/>
+              <a:t>2 466 606</a:t>
+            </a:r>
+          </a:p>
+          <a:p>
+            <a:pPr marL="0" indent="0">
+              <a:lnSpc>
+                <a:spcPct val="150000"/>
+              </a:lnSpc>
               <a:buNone/>
             </a:pPr>
-            <a:endParaRPr lang="en-US" sz="2200" dirty="0" smtClean="0"/>
-          </a:p>
-          <a:p>
-            <a:pPr>
+            <a:r>
+              <a:rPr lang="en-US" sz="2000" b="1" dirty="0"/>
+              <a:t>Unique words</a:t>
+            </a:r>
+            <a:r>
+              <a:rPr lang="cs-CZ" sz="2000" b="1" dirty="0"/>
+              <a:t>:	</a:t>
+            </a:r>
+            <a:r>
+              <a:rPr lang="en-US" sz="2000" b="1" dirty="0"/>
+              <a:t>60 </a:t>
+            </a:r>
+            <a:br>
+              <a:rPr lang="en-US" sz="2000" b="1" dirty="0"/>
+            </a:br>
+            <a:r>
+              <a:rPr lang="en-US" sz="2000" b="1" dirty="0"/>
+              <a:t>	</a:t>
+            </a:r>
+            <a:r>
+              <a:rPr lang="en-US" sz="2000" dirty="0"/>
+              <a:t>= vocabulary size</a:t>
+            </a:r>
+          </a:p>
+          <a:p>
+            <a:pPr marL="0" indent="0">
+              <a:lnSpc>
+                <a:spcPct val="150000"/>
+              </a:lnSpc>
               <a:buNone/>
             </a:pPr>
             <a:r>
-              <a:rPr lang="en-US" sz="2800" u="sng" dirty="0" smtClean="0"/>
-              <a:t>Letters:</a:t>
-            </a:r>
-            <a:r>
-              <a:rPr lang="en-US" sz="2800" dirty="0" smtClean="0"/>
-              <a:t> ..</a:t>
-            </a:r>
-            <a:r>
-              <a:rPr lang="en-US" sz="2800" dirty="0" err="1" smtClean="0"/>
-              <a:t>xing</a:t>
-            </a:r>
-            <a:r>
-              <a:rPr lang="en-US" sz="2800" dirty="0" smtClean="0"/>
-              <a:t> </a:t>
-            </a:r>
-            <a:r>
-              <a:rPr lang="en-US" sz="2800" dirty="0" smtClean="0"/>
-              <a:t>to the walls of the City, and the strangers were still the strangers and the strangers and the water and the walls of the East and the walls of the East.. </a:t>
-            </a:r>
-            <a:endParaRPr lang="de-DE" sz="2800" dirty="0"/>
+              <a:rPr lang="en-US" sz="2000" b="1" dirty="0"/>
+              <a:t>Seq. length:	50</a:t>
+            </a:r>
+          </a:p>
+          <a:p>
+            <a:pPr marL="0" indent="0">
+              <a:lnSpc>
+                <a:spcPct val="150000"/>
+              </a:lnSpc>
+              <a:buNone/>
+            </a:pPr>
+            <a:r>
+              <a:rPr lang="en-US" sz="2000" b="1" dirty="0"/>
+              <a:t>Num. of seq.:	49 420</a:t>
+            </a:r>
+          </a:p>
+          <a:p>
+            <a:pPr marL="0" indent="0">
+              <a:lnSpc>
+                <a:spcPct val="150000"/>
+              </a:lnSpc>
+              <a:buNone/>
+            </a:pPr>
+            <a:endParaRPr lang="en-US" sz="2000" b="1" dirty="0"/>
+          </a:p>
+          <a:p>
+            <a:pPr marL="0" indent="0">
+              <a:buNone/>
+            </a:pPr>
+            <a:endParaRPr lang="en-US" dirty="0"/>
           </a:p>
         </p:txBody>
       </p:sp>
+      <p:sp>
+        <p:nvSpPr>
+          <p:cNvPr id="5" name="Content Placeholder 2">
+            <a:extLst>
+              <a:ext uri="{FF2B5EF4-FFF2-40B4-BE49-F238E27FC236}">
+                <a16:creationId xmlns:a16="http://schemas.microsoft.com/office/drawing/2014/main" id="{9C2A3097-B031-4663-9A87-D619FFC26F75}"/>
+              </a:ext>
+            </a:extLst>
+          </p:cNvPr>
+          <p:cNvSpPr txBox="1">
+            <a:spLocks/>
+          </p:cNvSpPr>
+          <p:nvPr/>
+        </p:nvSpPr>
+        <p:spPr>
+          <a:xfrm>
+            <a:off x="4644008" y="2348880"/>
+            <a:ext cx="4176464" cy="4392488"/>
+          </a:xfrm>
+          <a:prstGeom prst="rect">
+            <a:avLst/>
+          </a:prstGeom>
+        </p:spPr>
+        <p:txBody>
+          <a:bodyPr vert="horz" lIns="91440" tIns="45720" rIns="91440" bIns="45720" rtlCol="0">
+            <a:normAutofit fontScale="92500"/>
+          </a:bodyPr>
+          <a:lstStyle>
+            <a:lvl1pPr marL="342900" indent="-342900" algn="l" defTabSz="914400" rtl="0" eaLnBrk="1" latinLnBrk="0" hangingPunct="1">
+              <a:spcBef>
+                <a:spcPct val="20000"/>
+              </a:spcBef>
+              <a:buFont typeface="Arial" pitchFamily="34" charset="0"/>
+              <a:buChar char="•"/>
+              <a:defRPr sz="3200" kern="1200">
+                <a:solidFill>
+                  <a:schemeClr val="tx1"/>
+                </a:solidFill>
+                <a:latin typeface="+mn-lt"/>
+                <a:ea typeface="+mn-ea"/>
+                <a:cs typeface="+mn-cs"/>
+              </a:defRPr>
+            </a:lvl1pPr>
+            <a:lvl2pPr marL="742950" indent="-285750" algn="l" defTabSz="914400" rtl="0" eaLnBrk="1" latinLnBrk="0" hangingPunct="1">
+              <a:spcBef>
+                <a:spcPct val="20000"/>
+              </a:spcBef>
+              <a:buFont typeface="Arial" pitchFamily="34" charset="0"/>
+              <a:buChar char="–"/>
+              <a:defRPr sz="2800" kern="1200">
+                <a:solidFill>
+                  <a:schemeClr val="tx1"/>
+                </a:solidFill>
+                <a:latin typeface="+mn-lt"/>
+                <a:ea typeface="+mn-ea"/>
+                <a:cs typeface="+mn-cs"/>
+              </a:defRPr>
+            </a:lvl2pPr>
+            <a:lvl3pPr marL="1143000" indent="-228600" algn="l" defTabSz="914400" rtl="0" eaLnBrk="1" latinLnBrk="0" hangingPunct="1">
+              <a:spcBef>
+                <a:spcPct val="20000"/>
+              </a:spcBef>
+              <a:buFont typeface="Arial" pitchFamily="34" charset="0"/>
+              <a:buChar char="•"/>
+              <a:defRPr sz="2400" kern="1200">
+                <a:solidFill>
+                  <a:schemeClr val="tx1"/>
+                </a:solidFill>
+                <a:latin typeface="+mn-lt"/>
+                <a:ea typeface="+mn-ea"/>
+                <a:cs typeface="+mn-cs"/>
+              </a:defRPr>
+            </a:lvl3pPr>
+            <a:lvl4pPr marL="1600200" indent="-228600" algn="l" defTabSz="914400" rtl="0" eaLnBrk="1" latinLnBrk="0" hangingPunct="1">
+              <a:spcBef>
+                <a:spcPct val="20000"/>
+              </a:spcBef>
+              <a:buFont typeface="Arial" pitchFamily="34" charset="0"/>
+              <a:buChar char="–"/>
+              <a:defRPr sz="2000" kern="1200">
+                <a:solidFill>
+                  <a:schemeClr val="tx1"/>
+                </a:solidFill>
+                <a:latin typeface="+mn-lt"/>
+                <a:ea typeface="+mn-ea"/>
+                <a:cs typeface="+mn-cs"/>
+              </a:defRPr>
+            </a:lvl4pPr>
+            <a:lvl5pPr marL="2057400" indent="-228600" algn="l" defTabSz="914400" rtl="0" eaLnBrk="1" latinLnBrk="0" hangingPunct="1">
+              <a:spcBef>
+                <a:spcPct val="20000"/>
+              </a:spcBef>
+              <a:buFont typeface="Arial" pitchFamily="34" charset="0"/>
+              <a:buChar char="»"/>
+              <a:defRPr sz="2000" kern="1200">
+                <a:solidFill>
+                  <a:schemeClr val="tx1"/>
+                </a:solidFill>
+                <a:latin typeface="+mn-lt"/>
+                <a:ea typeface="+mn-ea"/>
+                <a:cs typeface="+mn-cs"/>
+              </a:defRPr>
+            </a:lvl5pPr>
+            <a:lvl6pPr marL="2514600" indent="-228600" algn="l" defTabSz="914400" rtl="0" eaLnBrk="1" latinLnBrk="0" hangingPunct="1">
+              <a:spcBef>
+                <a:spcPct val="20000"/>
+              </a:spcBef>
+              <a:buFont typeface="Arial" pitchFamily="34" charset="0"/>
+              <a:buChar char="•"/>
+              <a:defRPr sz="2000" kern="1200">
+                <a:solidFill>
+                  <a:schemeClr val="tx1"/>
+                </a:solidFill>
+                <a:latin typeface="+mn-lt"/>
+                <a:ea typeface="+mn-ea"/>
+                <a:cs typeface="+mn-cs"/>
+              </a:defRPr>
+            </a:lvl6pPr>
+            <a:lvl7pPr marL="2971800" indent="-228600" algn="l" defTabSz="914400" rtl="0" eaLnBrk="1" latinLnBrk="0" hangingPunct="1">
+              <a:spcBef>
+                <a:spcPct val="20000"/>
+              </a:spcBef>
+              <a:buFont typeface="Arial" pitchFamily="34" charset="0"/>
+              <a:buChar char="•"/>
+              <a:defRPr sz="2000" kern="1200">
+                <a:solidFill>
+                  <a:schemeClr val="tx1"/>
+                </a:solidFill>
+                <a:latin typeface="+mn-lt"/>
+                <a:ea typeface="+mn-ea"/>
+                <a:cs typeface="+mn-cs"/>
+              </a:defRPr>
+            </a:lvl7pPr>
+            <a:lvl8pPr marL="3429000" indent="-228600" algn="l" defTabSz="914400" rtl="0" eaLnBrk="1" latinLnBrk="0" hangingPunct="1">
+              <a:spcBef>
+                <a:spcPct val="20000"/>
+              </a:spcBef>
+              <a:buFont typeface="Arial" pitchFamily="34" charset="0"/>
+              <a:buChar char="•"/>
+              <a:defRPr sz="2000" kern="1200">
+                <a:solidFill>
+                  <a:schemeClr val="tx1"/>
+                </a:solidFill>
+                <a:latin typeface="+mn-lt"/>
+                <a:ea typeface="+mn-ea"/>
+                <a:cs typeface="+mn-cs"/>
+              </a:defRPr>
+            </a:lvl8pPr>
+            <a:lvl9pPr marL="3886200" indent="-228600" algn="l" defTabSz="914400" rtl="0" eaLnBrk="1" latinLnBrk="0" hangingPunct="1">
+              <a:spcBef>
+                <a:spcPct val="20000"/>
+              </a:spcBef>
+              <a:buFont typeface="Arial" pitchFamily="34" charset="0"/>
+              <a:buChar char="•"/>
+              <a:defRPr sz="2000" kern="1200">
+                <a:solidFill>
+                  <a:schemeClr val="tx1"/>
+                </a:solidFill>
+                <a:latin typeface="+mn-lt"/>
+                <a:ea typeface="+mn-ea"/>
+                <a:cs typeface="+mn-cs"/>
+              </a:defRPr>
+            </a:lvl9pPr>
+          </a:lstStyle>
+          <a:p>
+            <a:pPr marL="0" indent="0">
+              <a:buFont typeface="Arial" pitchFamily="34" charset="0"/>
+              <a:buNone/>
+            </a:pPr>
+            <a:r>
+              <a:rPr lang="cs-CZ" dirty="0"/>
+              <a:t>Word</a:t>
+            </a:r>
+            <a:r>
+              <a:rPr lang="en-US" dirty="0"/>
+              <a:t>-by-Word</a:t>
+            </a:r>
+          </a:p>
+          <a:p>
+            <a:pPr marL="0" indent="0">
+              <a:buFont typeface="Arial" pitchFamily="34" charset="0"/>
+              <a:buNone/>
+            </a:pPr>
+            <a:endParaRPr lang="cs-CZ" sz="2000" dirty="0"/>
+          </a:p>
+          <a:p>
+            <a:pPr marL="0" indent="0">
+              <a:lnSpc>
+                <a:spcPct val="150000"/>
+              </a:lnSpc>
+              <a:buFont typeface="Arial" pitchFamily="34" charset="0"/>
+              <a:buNone/>
+            </a:pPr>
+            <a:r>
+              <a:rPr lang="en-US" sz="2000" dirty="0"/>
+              <a:t>Input text</a:t>
+            </a:r>
+            <a:r>
+              <a:rPr lang="cs-CZ" sz="2000" dirty="0"/>
+              <a:t>:	</a:t>
+            </a:r>
+            <a:r>
+              <a:rPr lang="en-US" sz="2000" dirty="0"/>
+              <a:t>1 000 000</a:t>
+            </a:r>
+          </a:p>
+          <a:p>
+            <a:pPr marL="0" indent="0">
+              <a:lnSpc>
+                <a:spcPct val="150000"/>
+              </a:lnSpc>
+              <a:buFont typeface="Arial" pitchFamily="34" charset="0"/>
+              <a:buNone/>
+            </a:pPr>
+            <a:r>
+              <a:rPr lang="en-US" sz="2000" dirty="0"/>
+              <a:t>Input words:	228 165</a:t>
+            </a:r>
+            <a:br>
+              <a:rPr lang="cs-CZ" sz="2000" dirty="0"/>
+            </a:br>
+            <a:r>
+              <a:rPr lang="en-US" sz="2000" dirty="0"/>
+              <a:t>Unique words</a:t>
+            </a:r>
+            <a:r>
+              <a:rPr lang="cs-CZ" sz="2000" dirty="0"/>
+              <a:t>:	</a:t>
+            </a:r>
+            <a:r>
+              <a:rPr lang="en-US" sz="2000" dirty="0"/>
+              <a:t>8 439</a:t>
+            </a:r>
+            <a:br>
+              <a:rPr lang="cs-CZ" sz="2000" dirty="0"/>
+            </a:br>
+            <a:r>
+              <a:rPr lang="en-US" sz="2000" dirty="0"/>
+              <a:t>Deleted words</a:t>
+            </a:r>
+            <a:r>
+              <a:rPr lang="cs-CZ" sz="2000" dirty="0"/>
+              <a:t>:	</a:t>
+            </a:r>
+            <a:r>
+              <a:rPr lang="en-US" sz="2000" dirty="0"/>
+              <a:t>1 606 – as “unknown”</a:t>
+            </a:r>
+          </a:p>
+          <a:p>
+            <a:pPr marL="0" indent="0">
+              <a:lnSpc>
+                <a:spcPct val="150000"/>
+              </a:lnSpc>
+              <a:buNone/>
+            </a:pPr>
+            <a:r>
+              <a:rPr lang="en-US" sz="2000" b="1" dirty="0"/>
+              <a:t>Vocabulary size</a:t>
+            </a:r>
+            <a:r>
+              <a:rPr lang="cs-CZ" sz="2000" b="1" dirty="0"/>
+              <a:t>:	</a:t>
+            </a:r>
+            <a:r>
+              <a:rPr lang="en-US" sz="2000" b="1" dirty="0"/>
+              <a:t>6 832</a:t>
+            </a:r>
+          </a:p>
+          <a:p>
+            <a:pPr marL="0" indent="0">
+              <a:lnSpc>
+                <a:spcPct val="150000"/>
+              </a:lnSpc>
+              <a:buNone/>
+            </a:pPr>
+            <a:r>
+              <a:rPr lang="en-US" sz="2000" b="1" dirty="0"/>
+              <a:t>Seq. length: 	10</a:t>
+            </a:r>
+          </a:p>
+          <a:p>
+            <a:pPr marL="0" indent="0">
+              <a:lnSpc>
+                <a:spcPct val="150000"/>
+              </a:lnSpc>
+              <a:buNone/>
+            </a:pPr>
+            <a:r>
+              <a:rPr lang="en-US" sz="2000" b="1" dirty="0"/>
+              <a:t>Num. of seq.: 	22 817</a:t>
+            </a:r>
+          </a:p>
+          <a:p>
+            <a:pPr marL="0" indent="0">
+              <a:lnSpc>
+                <a:spcPct val="150000"/>
+              </a:lnSpc>
+              <a:buNone/>
+            </a:pPr>
+            <a:endParaRPr lang="en-US" sz="2000" dirty="0"/>
+          </a:p>
+          <a:p>
+            <a:pPr marL="0" indent="0">
+              <a:buFont typeface="Arial" pitchFamily="34" charset="0"/>
+              <a:buNone/>
+            </a:pPr>
+            <a:endParaRPr lang="en-US" dirty="0"/>
+          </a:p>
+        </p:txBody>
+      </p:sp>
+      <p:sp>
+        <p:nvSpPr>
+          <p:cNvPr id="6" name="Title 1">
+            <a:extLst>
+              <a:ext uri="{FF2B5EF4-FFF2-40B4-BE49-F238E27FC236}">
+                <a16:creationId xmlns:a16="http://schemas.microsoft.com/office/drawing/2014/main" id="{A5B06BE2-0122-451F-A80A-5205E4E8B6E4}"/>
+              </a:ext>
+            </a:extLst>
+          </p:cNvPr>
+          <p:cNvSpPr txBox="1">
+            <a:spLocks/>
+          </p:cNvSpPr>
+          <p:nvPr/>
+        </p:nvSpPr>
+        <p:spPr>
+          <a:xfrm>
+            <a:off x="457200" y="1412776"/>
+            <a:ext cx="8229600" cy="621750"/>
+          </a:xfrm>
+          <a:prstGeom prst="rect">
+            <a:avLst/>
+          </a:prstGeom>
+        </p:spPr>
+        <p:txBody>
+          <a:bodyPr vert="horz" lIns="91440" tIns="45720" rIns="91440" bIns="45720" rtlCol="0" anchor="ctr">
+            <a:normAutofit/>
+          </a:bodyPr>
+          <a:lstStyle>
+            <a:lvl1pPr algn="ctr" defTabSz="914400" rtl="0" eaLnBrk="1" latinLnBrk="0" hangingPunct="1">
+              <a:spcBef>
+                <a:spcPct val="0"/>
+              </a:spcBef>
+              <a:buNone/>
+              <a:defRPr sz="4400" kern="1200">
+                <a:solidFill>
+                  <a:schemeClr val="tx1"/>
+                </a:solidFill>
+                <a:latin typeface="+mj-lt"/>
+                <a:ea typeface="+mj-ea"/>
+                <a:cs typeface="+mj-cs"/>
+              </a:defRPr>
+            </a:lvl1pPr>
+          </a:lstStyle>
+          <a:p>
+            <a:pPr algn="l"/>
+            <a:r>
+              <a:rPr lang="de-DE" sz="2400" dirty="0"/>
+              <a:t>Input </a:t>
+            </a:r>
+            <a:r>
+              <a:rPr lang="de-DE" sz="2400" dirty="0" err="1"/>
+              <a:t>text</a:t>
+            </a:r>
+            <a:r>
+              <a:rPr lang="de-DE" sz="2400" dirty="0"/>
+              <a:t> = 2 470 966 </a:t>
+            </a:r>
+            <a:r>
+              <a:rPr lang="de-DE" sz="2400" dirty="0" err="1"/>
+              <a:t>chars</a:t>
+            </a:r>
+            <a:endParaRPr lang="de-DE" sz="2400" dirty="0"/>
+          </a:p>
+        </p:txBody>
+      </p:sp>
     </p:spTree>
+    <p:extLst>
+      <p:ext uri="{BB962C8B-B14F-4D97-AF65-F5344CB8AC3E}">
+        <p14:creationId xmlns:p14="http://schemas.microsoft.com/office/powerpoint/2010/main" val="2534297636"/>
+      </p:ext>
+    </p:extLst>
   </p:cSld>
   <p:clrMapOvr>
     <a:masterClrMapping/>
@@ -8439,11 +9057,6 @@
 <file path=ppt/slides/slide11.xml><?xml version="1.0" encoding="utf-8"?>
 <p:sld xmlns:a="http://schemas.openxmlformats.org/drawingml/2006/main" xmlns:r="http://schemas.openxmlformats.org/officeDocument/2006/relationships" xmlns:p="http://schemas.openxmlformats.org/presentationml/2006/main">
   <p:cSld>
-    <p:bg>
-      <p:bgRef idx="1001">
-        <a:schemeClr val="bg1"/>
-      </p:bgRef>
-    </p:bg>
     <p:spTree>
       <p:nvGrpSpPr>
         <p:cNvPr id="1" name=""/>
@@ -8474,15 +9087,15 @@
           <a:lstStyle/>
           <a:p>
             <a:r>
-              <a:rPr lang="de-DE" dirty="0" err="1" smtClean="0"/>
+              <a:rPr lang="de-DE" dirty="0" err="1"/>
               <a:t>Results</a:t>
             </a:r>
             <a:r>
-              <a:rPr lang="de-DE" dirty="0" smtClean="0"/>
+              <a:rPr lang="de-DE" dirty="0"/>
               <a:t>: </a:t>
             </a:r>
             <a:r>
-              <a:rPr lang="de-DE" dirty="0" err="1" smtClean="0"/>
+              <a:rPr lang="de-DE" dirty="0" err="1"/>
               <a:t>Sentences</a:t>
             </a:r>
             <a:endParaRPr lang="de-DE" dirty="0"/>
@@ -8501,21 +9114,15 @@
         </p:nvSpPr>
         <p:spPr/>
         <p:txBody>
-          <a:bodyPr>
-            <a:noAutofit/>
-          </a:bodyPr>
+          <a:bodyPr/>
           <a:lstStyle/>
           <a:p>
             <a:pPr algn="ctr">
               <a:buNone/>
             </a:pPr>
             <a:r>
-              <a:rPr lang="en-US" u="sng" dirty="0" smtClean="0"/>
-              <a:t>Epoch </a:t>
-            </a:r>
-            <a:r>
-              <a:rPr lang="en-US" u="sng" dirty="0" smtClean="0"/>
-              <a:t>10: </a:t>
+              <a:rPr lang="en-US" u="sng" dirty="0"/>
+              <a:t>Epoch  5: </a:t>
             </a:r>
           </a:p>
           <a:p>
@@ -8523,89 +9130,53 @@
               <a:buNone/>
             </a:pPr>
             <a:r>
-              <a:rPr lang="en-US" sz="2800" u="sng" dirty="0" smtClean="0"/>
+              <a:rPr lang="en-US" sz="2800" u="sng" dirty="0"/>
               <a:t>Words:</a:t>
             </a:r>
             <a:r>
-              <a:rPr lang="en-US" sz="2800" dirty="0" smtClean="0"/>
-              <a:t> ..Gather </a:t>
-            </a:r>
-            <a:r>
-              <a:rPr lang="en-US" sz="2800" dirty="0" smtClean="0"/>
-              <a:t>the and </a:t>
-            </a:r>
-            <a:r>
-              <a:rPr lang="en-US" sz="2800" dirty="0" err="1" smtClean="0"/>
+              <a:rPr lang="en-US" sz="2800" dirty="0"/>
+              <a:t> ..Grows ' of , unknown to , enemy the and </a:t>
+            </a:r>
+            <a:r>
+              <a:rPr lang="en-US" sz="2800" dirty="0" err="1"/>
               <a:t>and</a:t>
             </a:r>
             <a:r>
-              <a:rPr lang="en-US" sz="2800" dirty="0" smtClean="0"/>
-              <a:t> in will ' and unknown </a:t>
-            </a:r>
-            <a:r>
-              <a:rPr lang="en-US" sz="2800" dirty="0" err="1" smtClean="0"/>
-              <a:t>frodo</a:t>
-            </a:r>
-            <a:r>
-              <a:rPr lang="en-US" sz="2800" dirty="0" smtClean="0"/>
-              <a:t> the and in am sorry ' and unknown but have come a , way the and </a:t>
-            </a:r>
-            <a:r>
-              <a:rPr lang="en-US" sz="2800" dirty="0" err="1" smtClean="0"/>
-              <a:t>and</a:t>
-            </a:r>
-            <a:r>
-              <a:rPr lang="en-US" sz="2800" dirty="0" smtClean="0"/>
-              <a:t> in am sorry a the and of in they too </a:t>
-            </a:r>
-            <a:r>
-              <a:rPr lang="en-US" sz="2800" dirty="0" err="1" smtClean="0"/>
-              <a:t>rohan</a:t>
-            </a:r>
-            <a:r>
-              <a:rPr lang="en-US" sz="2800" dirty="0" smtClean="0"/>
-              <a:t> a</a:t>
-            </a:r>
-            <a:r>
-              <a:rPr lang="en-US" sz="2800" dirty="0" smtClean="0"/>
-              <a:t>..</a:t>
+              <a:rPr lang="en-US" sz="2800" dirty="0"/>
+              <a:t> in am not know ' and unknown Frodo and unknown..</a:t>
             </a:r>
           </a:p>
           <a:p>
             <a:pPr>
               <a:buNone/>
             </a:pPr>
-            <a:r>
-              <a:rPr lang="en-US" sz="2800" u="sng" dirty="0" smtClean="0"/>
+            <a:endParaRPr lang="en-US" sz="2200" dirty="0"/>
+          </a:p>
+          <a:p>
+            <a:pPr>
+              <a:buNone/>
+            </a:pPr>
+            <a:endParaRPr lang="en-US" sz="2200" dirty="0"/>
+          </a:p>
+          <a:p>
+            <a:pPr>
+              <a:buNone/>
+            </a:pPr>
+            <a:r>
+              <a:rPr lang="en-US" sz="2800" u="sng" dirty="0"/>
               <a:t>Letters:</a:t>
             </a:r>
             <a:r>
-              <a:rPr lang="en-US" sz="2800" dirty="0" smtClean="0"/>
-              <a:t> ..? </a:t>
-            </a:r>
-            <a:r>
-              <a:rPr lang="en-US" sz="2800" dirty="0" smtClean="0"/>
-              <a:t>' said Frodo. 'But I cannot see them and the strength of the house of </a:t>
-            </a:r>
-            <a:r>
-              <a:rPr lang="en-US" sz="2800" dirty="0" err="1" smtClean="0"/>
-              <a:t>Elendil</a:t>
-            </a:r>
-            <a:r>
-              <a:rPr lang="en-US" sz="2800" dirty="0" smtClean="0"/>
-              <a:t> and </a:t>
-            </a:r>
-            <a:r>
-              <a:rPr lang="en-US" sz="2800" dirty="0" err="1" smtClean="0"/>
-              <a:t>Isildur's</a:t>
-            </a:r>
-            <a:r>
-              <a:rPr lang="en-US" sz="2800" dirty="0" smtClean="0"/>
-              <a:t> Bane. I have not seen the next move. He wondered what he was of the words of the Shire and the sound of the stream that was still to be seen. The sun was shining in the sunlight of </a:t>
-            </a:r>
-            <a:r>
-              <a:rPr lang="en-US" sz="2800" dirty="0" smtClean="0"/>
-              <a:t>steel.. </a:t>
+              <a:rPr lang="en-US" sz="2800" dirty="0"/>
+              <a:t> ..</a:t>
+            </a:r>
+            <a:r>
+              <a:rPr lang="en-US" sz="2800" dirty="0" err="1"/>
+              <a:t>xing</a:t>
+            </a:r>
+            <a:r>
+              <a:rPr lang="en-US" sz="2800" dirty="0"/>
+              <a:t> to the walls of the City, and the strangers were still the strangers and the strangers and the water and the walls of the East and the walls of the East.. </a:t>
             </a:r>
             <a:endParaRPr lang="de-DE" sz="2800" dirty="0"/>
           </a:p>
@@ -8614,7 +9185,7 @@
     </p:spTree>
   </p:cSld>
   <p:clrMapOvr>
-    <a:overrideClrMapping bg1="lt1" tx1="dk1" bg2="lt2" tx2="dk2" accent1="accent1" accent2="accent2" accent3="accent3" accent4="accent4" accent5="accent5" accent6="accent6" hlink="hlink" folHlink="folHlink"/>
+    <a:masterClrMapping/>
   </p:clrMapOvr>
 </p:sld>
 </file>
@@ -8657,15 +9228,15 @@
           <a:lstStyle/>
           <a:p>
             <a:r>
-              <a:rPr lang="de-DE" dirty="0" err="1" smtClean="0"/>
+              <a:rPr lang="de-DE" dirty="0" err="1"/>
               <a:t>Results</a:t>
             </a:r>
             <a:r>
-              <a:rPr lang="de-DE" dirty="0" smtClean="0"/>
+              <a:rPr lang="de-DE" dirty="0"/>
               <a:t>: </a:t>
             </a:r>
             <a:r>
-              <a:rPr lang="de-DE" dirty="0" err="1" smtClean="0"/>
+              <a:rPr lang="de-DE" dirty="0" err="1"/>
               <a:t>Sentences</a:t>
             </a:r>
             <a:endParaRPr lang="de-DE" dirty="0"/>
@@ -8693,12 +9264,8 @@
               <a:buNone/>
             </a:pPr>
             <a:r>
-              <a:rPr lang="en-US" u="sng" dirty="0" smtClean="0"/>
-              <a:t>Epoch </a:t>
-            </a:r>
-            <a:r>
-              <a:rPr lang="en-US" u="sng" dirty="0" smtClean="0"/>
-              <a:t>40: </a:t>
+              <a:rPr lang="en-US" u="sng" dirty="0"/>
+              <a:t>Epoch 10: </a:t>
             </a:r>
           </a:p>
           <a:p>
@@ -8706,52 +9273,44 @@
               <a:buNone/>
             </a:pPr>
             <a:r>
-              <a:rPr lang="en-US" sz="2800" u="sng" dirty="0" smtClean="0"/>
+              <a:rPr lang="en-US" sz="2800" u="sng" dirty="0"/>
               <a:t>Words:</a:t>
             </a:r>
             <a:r>
-              <a:rPr lang="en-US" sz="2800" dirty="0" smtClean="0"/>
-              <a:t> ..Burst </a:t>
-            </a:r>
-            <a:r>
-              <a:rPr lang="en-US" sz="2800" dirty="0" smtClean="0"/>
-              <a:t>it stars to blue of green ' or after full are ever and </a:t>
-            </a:r>
-            <a:r>
-              <a:rPr lang="en-US" sz="2800" dirty="0" err="1" smtClean="0"/>
+              <a:rPr lang="en-US" sz="2800" dirty="0"/>
+              <a:t> ..Gather the and </a:t>
+            </a:r>
+            <a:r>
+              <a:rPr lang="en-US" sz="2800" dirty="0" err="1"/>
               <a:t>and</a:t>
             </a:r>
             <a:r>
-              <a:rPr lang="en-US" sz="2800" dirty="0" smtClean="0"/>
-              <a:t> </a:t>
-            </a:r>
-            <a:r>
-              <a:rPr lang="en-US" sz="2800" dirty="0" err="1" smtClean="0"/>
-              <a:t>i</a:t>
-            </a:r>
-            <a:r>
-              <a:rPr lang="en-US" sz="2800" dirty="0" smtClean="0"/>
-              <a:t> ? The and </a:t>
-            </a:r>
-            <a:r>
-              <a:rPr lang="en-US" sz="2800" dirty="0" err="1" smtClean="0"/>
+              <a:rPr lang="en-US" sz="2800" dirty="0"/>
+              <a:t> in will ' and unknown </a:t>
+            </a:r>
+            <a:r>
+              <a:rPr lang="en-US" sz="2800" dirty="0" err="1"/>
+              <a:t>frodo</a:t>
+            </a:r>
+            <a:r>
+              <a:rPr lang="en-US" sz="2800" dirty="0"/>
+              <a:t> the and in am sorry ' and unknown but have come a , way the and </a:t>
+            </a:r>
+            <a:r>
+              <a:rPr lang="en-US" sz="2800" dirty="0" err="1"/>
               <a:t>and</a:t>
             </a:r>
             <a:r>
-              <a:rPr lang="en-US" sz="2800" dirty="0" smtClean="0"/>
-              <a:t> unknown we unknown </a:t>
-            </a:r>
-            <a:r>
-              <a:rPr lang="en-US" sz="2800" dirty="0" err="1" smtClean="0"/>
-              <a:t>unknown</a:t>
-            </a:r>
-            <a:r>
-              <a:rPr lang="en-US" sz="2800" dirty="0" smtClean="0"/>
-              <a:t> the , road we now ? Yet do but with would name ? ? ?</a:t>
-            </a:r>
-            <a:r>
-              <a:rPr lang="en-US" sz="2800" dirty="0" smtClean="0"/>
-              <a:t>..</a:t>
+              <a:rPr lang="en-US" sz="2800" dirty="0"/>
+              <a:t> in am sorry a the and of in they too </a:t>
+            </a:r>
+            <a:r>
+              <a:rPr lang="en-US" sz="2800" dirty="0" err="1"/>
+              <a:t>rohan</a:t>
+            </a:r>
+            <a:r>
+              <a:rPr lang="en-US" sz="2800" dirty="0"/>
+              <a:t> a..</a:t>
             </a:r>
           </a:p>
           <a:p>
@@ -8759,28 +9318,28 @@
               <a:buNone/>
             </a:pPr>
             <a:r>
-              <a:rPr lang="en-US" sz="2800" u="sng" dirty="0" smtClean="0"/>
+              <a:rPr lang="en-US" sz="2800" u="sng" dirty="0"/>
               <a:t>Letters:</a:t>
             </a:r>
             <a:r>
-              <a:rPr lang="en-US" sz="2800" dirty="0" smtClean="0"/>
-              <a:t> ..Now </a:t>
-            </a:r>
-            <a:r>
-              <a:rPr lang="en-US" sz="2800" dirty="0" smtClean="0"/>
-              <a:t>Sam stirred. 'Well, well! may you leave him already.' He pained his eyes and struggled on the rim of the strange light of the mountain-side when the hearth will of the </a:t>
-            </a:r>
-            <a:r>
-              <a:rPr lang="en-US" sz="2800" dirty="0" err="1" smtClean="0"/>
-              <a:t>Entwash</a:t>
-            </a:r>
-            <a:r>
-              <a:rPr lang="en-US" sz="2800" dirty="0" smtClean="0"/>
-              <a:t>. The Shire was greater and stronger. For the moment more to the </a:t>
-            </a:r>
-            <a:r>
-              <a:rPr lang="en-US" sz="2800" dirty="0" smtClean="0"/>
-              <a:t>world.. </a:t>
+              <a:rPr lang="en-US" sz="2800" dirty="0"/>
+              <a:t> ..? ' said Frodo. 'But I cannot see them and the strength of the house of </a:t>
+            </a:r>
+            <a:r>
+              <a:rPr lang="en-US" sz="2800" dirty="0" err="1"/>
+              <a:t>Elendil</a:t>
+            </a:r>
+            <a:r>
+              <a:rPr lang="en-US" sz="2800" dirty="0"/>
+              <a:t> and </a:t>
+            </a:r>
+            <a:r>
+              <a:rPr lang="en-US" sz="2800" dirty="0" err="1"/>
+              <a:t>Isildur's</a:t>
+            </a:r>
+            <a:r>
+              <a:rPr lang="en-US" sz="2800" dirty="0"/>
+              <a:t> Bane. I have not seen the next move. He wondered what he was of the words of the Shire and the sound of the stream that was still to be seen. The sun was shining in the sunlight of steel.. </a:t>
             </a:r>
             <a:endParaRPr lang="de-DE" sz="2800" dirty="0"/>
           </a:p>
@@ -8797,6 +9356,11 @@
 <file path=ppt/slides/slide13.xml><?xml version="1.0" encoding="utf-8"?>
 <p:sld xmlns:a="http://schemas.openxmlformats.org/drawingml/2006/main" xmlns:r="http://schemas.openxmlformats.org/officeDocument/2006/relationships" xmlns:p="http://schemas.openxmlformats.org/presentationml/2006/main">
   <p:cSld>
+    <p:bg>
+      <p:bgRef idx="1001">
+        <a:schemeClr val="bg1"/>
+      </p:bgRef>
+    </p:bg>
     <p:spTree>
       <p:nvGrpSpPr>
         <p:cNvPr id="1" name=""/>
@@ -8827,15 +9391,15 @@
           <a:lstStyle/>
           <a:p>
             <a:r>
-              <a:rPr lang="de-DE" dirty="0" err="1" smtClean="0"/>
+              <a:rPr lang="de-DE" dirty="0" err="1"/>
               <a:t>Results</a:t>
             </a:r>
             <a:r>
-              <a:rPr lang="de-DE" dirty="0" smtClean="0"/>
+              <a:rPr lang="de-DE" dirty="0"/>
               <a:t>: </a:t>
             </a:r>
             <a:r>
-              <a:rPr lang="de-DE" dirty="0" err="1" smtClean="0"/>
+              <a:rPr lang="de-DE" dirty="0" err="1"/>
               <a:t>Sentences</a:t>
             </a:r>
             <a:endParaRPr lang="de-DE" dirty="0"/>
@@ -8863,12 +9427,8 @@
               <a:buNone/>
             </a:pPr>
             <a:r>
-              <a:rPr lang="en-US" u="sng" dirty="0" smtClean="0"/>
-              <a:t>Epoch </a:t>
-            </a:r>
-            <a:r>
-              <a:rPr lang="en-US" u="sng" dirty="0" smtClean="0"/>
-              <a:t>140: </a:t>
+              <a:rPr lang="en-US" u="sng" dirty="0"/>
+              <a:t>Epoch 40: </a:t>
             </a:r>
           </a:p>
           <a:p>
@@ -8876,103 +9436,65 @@
               <a:buNone/>
             </a:pPr>
             <a:r>
-              <a:rPr lang="en-US" sz="2800" u="sng" dirty="0" smtClean="0"/>
+              <a:rPr lang="en-US" sz="2800" u="sng" dirty="0"/>
               <a:t>Words:</a:t>
             </a:r>
             <a:r>
-              <a:rPr lang="en-US" sz="2800" dirty="0" smtClean="0"/>
-              <a:t> ..Backward </a:t>
-            </a:r>
-            <a:r>
-              <a:rPr lang="en-US" sz="2800" dirty="0" smtClean="0"/>
-              <a:t>, first unknown their shire </a:t>
-            </a:r>
-            <a:r>
-              <a:rPr lang="en-US" sz="2800" dirty="0" smtClean="0"/>
-              <a:t>the </a:t>
-            </a:r>
-            <a:r>
-              <a:rPr lang="en-US" sz="2800" dirty="0" smtClean="0"/>
-              <a:t>tell them ' was may be right south sod unknown our unknown </a:t>
-            </a:r>
-            <a:r>
-              <a:rPr lang="en-US" sz="2800" dirty="0" err="1" smtClean="0"/>
-              <a:t>gandalf</a:t>
-            </a:r>
-            <a:r>
-              <a:rPr lang="en-US" sz="2800" dirty="0" smtClean="0"/>
+              <a:rPr lang="en-US" sz="2800" dirty="0"/>
+              <a:t> ..Burst it stars to blue of green ' or after full are ever and </a:t>
+            </a:r>
+            <a:r>
+              <a:rPr lang="en-US" sz="2800" dirty="0" err="1"/>
+              <a:t>and</a:t>
+            </a:r>
+            <a:r>
+              <a:rPr lang="en-US" sz="2800" dirty="0"/>
               <a:t> </a:t>
             </a:r>
             <a:r>
-              <a:rPr lang="en-US" sz="2800" dirty="0" err="1" smtClean="0"/>
-              <a:t>gimli</a:t>
-            </a:r>
-            <a:r>
-              <a:rPr lang="en-US" sz="2800" dirty="0" smtClean="0"/>
-              <a:t> very </a:t>
-            </a:r>
-            <a:r>
-              <a:rPr lang="en-US" sz="2800" dirty="0" err="1" smtClean="0"/>
-              <a:t>gandalf</a:t>
-            </a:r>
-            <a:r>
-              <a:rPr lang="en-US" sz="2800" dirty="0" smtClean="0"/>
-              <a:t>..</a:t>
+              <a:rPr lang="en-US" sz="2800" dirty="0" err="1"/>
+              <a:t>i</a:t>
+            </a:r>
+            <a:r>
+              <a:rPr lang="en-US" sz="2800" dirty="0"/>
+              <a:t> ? The and </a:t>
+            </a:r>
+            <a:r>
+              <a:rPr lang="en-US" sz="2800" dirty="0" err="1"/>
+              <a:t>and</a:t>
+            </a:r>
+            <a:r>
+              <a:rPr lang="en-US" sz="2800" dirty="0"/>
+              <a:t> unknown we unknown </a:t>
+            </a:r>
+            <a:r>
+              <a:rPr lang="en-US" sz="2800" dirty="0" err="1"/>
+              <a:t>unknown</a:t>
+            </a:r>
+            <a:r>
+              <a:rPr lang="en-US" sz="2800" dirty="0"/>
+              <a:t> the , road we now ? Yet do but with would name ? ? ?..</a:t>
             </a:r>
           </a:p>
           <a:p>
             <a:pPr>
               <a:buNone/>
             </a:pPr>
-            <a:endParaRPr lang="en-US" sz="2400" dirty="0" smtClean="0"/>
-          </a:p>
-          <a:p>
-            <a:pPr>
-              <a:buNone/>
-            </a:pPr>
-            <a:r>
-              <a:rPr lang="en-US" sz="2800" u="sng" dirty="0" smtClean="0"/>
+            <a:r>
+              <a:rPr lang="en-US" sz="2800" u="sng" dirty="0"/>
               <a:t>Letters:</a:t>
             </a:r>
             <a:r>
-              <a:rPr lang="en-US" sz="2800" dirty="0" smtClean="0"/>
-              <a:t> ..'Yes</a:t>
-            </a:r>
-            <a:r>
-              <a:rPr lang="en-US" sz="2800" dirty="0" smtClean="0"/>
-              <a:t>, we'll go soon,' said Frodo, as he </a:t>
-            </a:r>
-            <a:r>
-              <a:rPr lang="en-US" sz="2800" dirty="0" err="1" smtClean="0"/>
-              <a:t>draided</a:t>
-            </a:r>
-            <a:r>
-              <a:rPr lang="en-US" sz="2800" dirty="0" smtClean="0"/>
-              <a:t> his long lists, all about the shadows of the grey trees, save for a fleeting man in </a:t>
-            </a:r>
-            <a:r>
-              <a:rPr lang="en-US" sz="2800" dirty="0" err="1" smtClean="0"/>
-              <a:t>Hobbiton</a:t>
-            </a:r>
-            <a:r>
-              <a:rPr lang="en-US" sz="2800" dirty="0" smtClean="0"/>
-              <a:t> and King </a:t>
-            </a:r>
-            <a:r>
-              <a:rPr lang="en-US" sz="2800" dirty="0" err="1" smtClean="0"/>
-              <a:t>Elendil</a:t>
-            </a:r>
-            <a:r>
-              <a:rPr lang="en-US" sz="2800" dirty="0" smtClean="0"/>
-              <a:t> are west of the Shire, and the rest may break out for them in the northern </a:t>
-            </a:r>
-            <a:r>
-              <a:rPr lang="en-US" sz="2800" dirty="0" err="1" smtClean="0"/>
-              <a:t>arcover</a:t>
-            </a:r>
-            <a:r>
-              <a:rPr lang="en-US" sz="2800" dirty="0" smtClean="0"/>
-              <a:t>.. </a:t>
+              <a:rPr lang="en-US" sz="2800" dirty="0"/>
+              <a:t> ..Now Sam stirred. 'Well, well! may you leave him already.' He pained his eyes and struggled on the rim of the strange light of the mountain-side when the hearth will of the </a:t>
+            </a:r>
+            <a:r>
+              <a:rPr lang="en-US" sz="2800" dirty="0" err="1"/>
+              <a:t>Entwash</a:t>
+            </a:r>
+            <a:r>
+              <a:rPr lang="en-US" sz="2800" dirty="0"/>
+              <a:t>. The Shire was greater and stronger. For the moment more to the world.. </a:t>
             </a:r>
             <a:endParaRPr lang="de-DE" sz="2800" dirty="0"/>
           </a:p>
@@ -8981,7 +9503,7 @@
     </p:spTree>
   </p:cSld>
   <p:clrMapOvr>
-    <a:masterClrMapping/>
+    <a:overrideClrMapping bg1="lt1" tx1="dk1" bg2="lt2" tx2="dk2" accent1="accent1" accent2="accent2" accent3="accent3" accent4="accent4" accent5="accent5" accent6="accent6" hlink="hlink" folHlink="folHlink"/>
   </p:clrMapOvr>
 </p:sld>
 </file>
@@ -9005,7 +9527,7 @@
       </p:grpSpPr>
       <p:sp>
         <p:nvSpPr>
-          <p:cNvPr id="2" name="Título 1"/>
+          <p:cNvPr id="2" name="Title 1"/>
           <p:cNvSpPr>
             <a:spLocks noGrp="1"/>
           </p:cNvSpPr>
@@ -9019,16 +9541,24 @@
           <a:lstStyle/>
           <a:p>
             <a:r>
-              <a:rPr lang="es-ES" dirty="0" err="1" smtClean="0"/>
-              <a:t>Conclusion</a:t>
-            </a:r>
-            <a:endParaRPr lang="es-ES" dirty="0"/>
+              <a:rPr lang="de-DE" dirty="0" err="1"/>
+              <a:t>Results</a:t>
+            </a:r>
+            <a:r>
+              <a:rPr lang="de-DE" dirty="0"/>
+              <a:t>: </a:t>
+            </a:r>
+            <a:r>
+              <a:rPr lang="de-DE" dirty="0" err="1"/>
+              <a:t>Sentences</a:t>
+            </a:r>
+            <a:endParaRPr lang="de-DE" dirty="0"/>
           </a:p>
         </p:txBody>
       </p:sp>
       <p:sp>
         <p:nvSpPr>
-          <p:cNvPr id="3" name="Marcador de contenido 2"/>
+          <p:cNvPr id="3" name="Content Placeholder 2"/>
           <p:cNvSpPr>
             <a:spLocks noGrp="1"/>
           </p:cNvSpPr>
@@ -9038,323 +9568,111 @@
         </p:nvSpPr>
         <p:spPr/>
         <p:txBody>
-          <a:bodyPr/>
+          <a:bodyPr>
+            <a:noAutofit/>
+          </a:bodyPr>
           <a:lstStyle/>
           <a:p>
-            <a:r>
-              <a:rPr lang="es-ES" dirty="0" err="1" smtClean="0"/>
-              <a:t>We</a:t>
-            </a:r>
-            <a:r>
-              <a:rPr lang="es-ES" dirty="0" smtClean="0"/>
+            <a:pPr algn="ctr">
+              <a:buNone/>
+            </a:pPr>
+            <a:r>
+              <a:rPr lang="en-US" u="sng" dirty="0"/>
+              <a:t>Epoch 140: </a:t>
+            </a:r>
+          </a:p>
+          <a:p>
+            <a:pPr>
+              <a:buNone/>
+            </a:pPr>
+            <a:r>
+              <a:rPr lang="en-US" sz="2800" u="sng" dirty="0"/>
+              <a:t>Words:</a:t>
+            </a:r>
+            <a:r>
+              <a:rPr lang="en-US" sz="2800" dirty="0"/>
+              <a:t> ..Backward , first unknown their shire the tell them ' was may be right south sod unknown our unknown </a:t>
+            </a:r>
+            <a:r>
+              <a:rPr lang="en-US" sz="2800" dirty="0" err="1"/>
+              <a:t>gandalf</a:t>
+            </a:r>
+            <a:r>
+              <a:rPr lang="en-US" sz="2800" dirty="0"/>
               <a:t> </a:t>
             </a:r>
             <a:r>
-              <a:rPr lang="es-ES" dirty="0" err="1" smtClean="0"/>
-              <a:t>could</a:t>
-            </a:r>
-            <a:r>
-              <a:rPr lang="es-ES" dirty="0" smtClean="0"/>
-              <a:t> </a:t>
-            </a:r>
-            <a:r>
-              <a:rPr lang="es-ES" dirty="0" err="1" smtClean="0"/>
-              <a:t>clearly</a:t>
-            </a:r>
-            <a:r>
-              <a:rPr lang="es-ES" dirty="0" smtClean="0"/>
-              <a:t> </a:t>
-            </a:r>
-            <a:r>
-              <a:rPr lang="es-ES" dirty="0" err="1" smtClean="0"/>
-              <a:t>see</a:t>
-            </a:r>
-            <a:r>
-              <a:rPr lang="es-ES" dirty="0" smtClean="0"/>
-              <a:t> </a:t>
-            </a:r>
-            <a:r>
-              <a:rPr lang="es-ES" dirty="0" err="1" smtClean="0"/>
-              <a:t>how</a:t>
-            </a:r>
-            <a:r>
-              <a:rPr lang="es-ES" dirty="0" smtClean="0"/>
-              <a:t> </a:t>
-            </a:r>
-            <a:r>
-              <a:rPr lang="es-ES" dirty="0" err="1" smtClean="0"/>
-              <a:t>the</a:t>
-            </a:r>
-            <a:r>
-              <a:rPr lang="es-ES" dirty="0" smtClean="0"/>
-              <a:t> machines </a:t>
-            </a:r>
-            <a:r>
-              <a:rPr lang="es-ES" dirty="0" err="1" smtClean="0"/>
-              <a:t>learn</a:t>
-            </a:r>
-            <a:r>
-              <a:rPr lang="es-ES" dirty="0"/>
-              <a:t> </a:t>
-            </a:r>
-            <a:r>
-              <a:rPr lang="es-ES" dirty="0" smtClean="0"/>
-              <a:t>and </a:t>
-            </a:r>
-            <a:r>
-              <a:rPr lang="es-ES" dirty="0" err="1" smtClean="0"/>
-              <a:t>understand</a:t>
-            </a:r>
-            <a:r>
-              <a:rPr lang="es-ES" dirty="0" smtClean="0"/>
-              <a:t> </a:t>
-            </a:r>
-            <a:r>
-              <a:rPr lang="es-ES" dirty="0" err="1" smtClean="0"/>
-              <a:t>the</a:t>
-            </a:r>
-            <a:r>
-              <a:rPr lang="es-ES" dirty="0" smtClean="0"/>
-              <a:t> </a:t>
-            </a:r>
-            <a:r>
-              <a:rPr lang="es-ES" dirty="0" err="1" smtClean="0"/>
-              <a:t>structure</a:t>
-            </a:r>
-            <a:r>
-              <a:rPr lang="es-ES" dirty="0" smtClean="0"/>
-              <a:t> of </a:t>
-            </a:r>
-            <a:r>
-              <a:rPr lang="es-ES" dirty="0" err="1" smtClean="0"/>
-              <a:t>language</a:t>
-            </a:r>
-            <a:endParaRPr lang="es-ES" dirty="0" smtClean="0"/>
-          </a:p>
-          <a:p>
-            <a:r>
-              <a:rPr lang="es-ES" dirty="0" err="1" smtClean="0"/>
-              <a:t>Encoding</a:t>
-            </a:r>
-            <a:r>
-              <a:rPr lang="es-ES" dirty="0" smtClean="0"/>
-              <a:t> </a:t>
-            </a:r>
-            <a:r>
-              <a:rPr lang="es-ES" dirty="0" err="1" smtClean="0"/>
-              <a:t>words</a:t>
-            </a:r>
-            <a:r>
-              <a:rPr lang="es-ES" dirty="0" smtClean="0"/>
-              <a:t> as simple </a:t>
-            </a:r>
-            <a:r>
-              <a:rPr lang="es-ES" dirty="0" err="1" smtClean="0"/>
-              <a:t>integers</a:t>
-            </a:r>
-            <a:r>
-              <a:rPr lang="es-ES" dirty="0" smtClean="0"/>
-              <a:t> </a:t>
-            </a:r>
-            <a:r>
-              <a:rPr lang="es-ES" dirty="0" err="1" smtClean="0"/>
-              <a:t>seems</a:t>
-            </a:r>
-            <a:r>
-              <a:rPr lang="es-ES" dirty="0" smtClean="0"/>
-              <a:t> to </a:t>
-            </a:r>
-            <a:r>
-              <a:rPr lang="es-ES" dirty="0" err="1" smtClean="0"/>
-              <a:t>stripe</a:t>
-            </a:r>
-            <a:r>
-              <a:rPr lang="es-ES" dirty="0" smtClean="0"/>
-              <a:t> </a:t>
-            </a:r>
-            <a:r>
-              <a:rPr lang="es-ES" dirty="0" err="1" smtClean="0"/>
-              <a:t>them</a:t>
-            </a:r>
-            <a:r>
-              <a:rPr lang="es-ES" dirty="0" smtClean="0"/>
-              <a:t> </a:t>
-            </a:r>
-            <a:r>
-              <a:rPr lang="es-ES" dirty="0" err="1" smtClean="0"/>
-              <a:t>from</a:t>
-            </a:r>
-            <a:r>
-              <a:rPr lang="es-ES" dirty="0" smtClean="0"/>
-              <a:t> </a:t>
-            </a:r>
-            <a:r>
-              <a:rPr lang="es-ES" dirty="0" err="1" smtClean="0"/>
-              <a:t>inner</a:t>
-            </a:r>
-            <a:r>
-              <a:rPr lang="es-ES" dirty="0" smtClean="0"/>
-              <a:t> </a:t>
-            </a:r>
-            <a:r>
-              <a:rPr lang="es-ES" dirty="0" err="1" smtClean="0"/>
-              <a:t>context</a:t>
-            </a:r>
-            <a:endParaRPr lang="es-ES" dirty="0"/>
-          </a:p>
-          <a:p>
-            <a:r>
-              <a:rPr lang="es-ES" dirty="0" err="1" smtClean="0"/>
-              <a:t>Does</a:t>
-            </a:r>
-            <a:r>
-              <a:rPr lang="es-ES" dirty="0" smtClean="0"/>
-              <a:t> </a:t>
-            </a:r>
-            <a:r>
-              <a:rPr lang="es-ES" dirty="0" err="1" smtClean="0"/>
-              <a:t>maybe</a:t>
-            </a:r>
-            <a:r>
-              <a:rPr lang="es-ES" dirty="0" smtClean="0"/>
-              <a:t> </a:t>
-            </a:r>
-            <a:r>
-              <a:rPr lang="es-ES" dirty="0" err="1" smtClean="0"/>
-              <a:t>mo</a:t>
-            </a:r>
-            <a:r>
-              <a:rPr lang="es-ES" u="sng" dirty="0" err="1" smtClean="0"/>
-              <a:t>ther</a:t>
-            </a:r>
-            <a:r>
-              <a:rPr lang="es-ES" dirty="0"/>
-              <a:t>,</a:t>
-            </a:r>
-            <a:r>
-              <a:rPr lang="es-ES" dirty="0" smtClean="0"/>
-              <a:t> </a:t>
-            </a:r>
-            <a:r>
-              <a:rPr lang="es-ES" dirty="0" err="1" smtClean="0"/>
-              <a:t>fa</a:t>
-            </a:r>
-            <a:r>
-              <a:rPr lang="es-ES" u="sng" dirty="0" err="1" smtClean="0"/>
-              <a:t>ther</a:t>
-            </a:r>
-            <a:r>
-              <a:rPr lang="es-ES" dirty="0" smtClean="0"/>
-              <a:t>, </a:t>
-            </a:r>
-            <a:r>
-              <a:rPr lang="es-ES" dirty="0" err="1" smtClean="0"/>
-              <a:t>bro</a:t>
-            </a:r>
-            <a:r>
-              <a:rPr lang="es-ES" u="sng" dirty="0" err="1" smtClean="0"/>
-              <a:t>ther</a:t>
-            </a:r>
-            <a:r>
-              <a:rPr lang="es-ES" dirty="0"/>
-              <a:t> </a:t>
-            </a:r>
-            <a:r>
-              <a:rPr lang="es-ES" dirty="0" err="1" smtClean="0"/>
-              <a:t>have</a:t>
-            </a:r>
-            <a:r>
-              <a:rPr lang="es-ES" dirty="0" smtClean="0"/>
-              <a:t> </a:t>
-            </a:r>
-            <a:r>
-              <a:rPr lang="es-ES" dirty="0" err="1" smtClean="0"/>
-              <a:t>inner</a:t>
-            </a:r>
-            <a:r>
-              <a:rPr lang="es-ES" dirty="0" smtClean="0"/>
-              <a:t> </a:t>
-            </a:r>
-            <a:r>
-              <a:rPr lang="es-ES" dirty="0" err="1" smtClean="0"/>
-              <a:t>structure</a:t>
-            </a:r>
-            <a:r>
-              <a:rPr lang="es-ES" dirty="0" smtClean="0"/>
-              <a:t> </a:t>
-            </a:r>
-            <a:r>
-              <a:rPr lang="es-ES" dirty="0" err="1" smtClean="0"/>
-              <a:t>the</a:t>
-            </a:r>
-            <a:r>
-              <a:rPr lang="es-ES" dirty="0" smtClean="0"/>
-              <a:t> machine </a:t>
-            </a:r>
-            <a:r>
-              <a:rPr lang="es-ES" dirty="0" err="1" smtClean="0"/>
-              <a:t>understands</a:t>
-            </a:r>
-            <a:r>
-              <a:rPr lang="es-ES" dirty="0" smtClean="0"/>
-              <a:t>?</a:t>
-            </a:r>
-          </a:p>
-          <a:p>
-            <a:r>
-              <a:rPr lang="es-ES" dirty="0" smtClean="0"/>
-              <a:t>Are </a:t>
-            </a:r>
-            <a:r>
-              <a:rPr lang="es-ES" dirty="0" err="1" smtClean="0"/>
-              <a:t>children</a:t>
-            </a:r>
-            <a:r>
-              <a:rPr lang="es-ES" dirty="0" smtClean="0"/>
-              <a:t> </a:t>
-            </a:r>
-            <a:r>
-              <a:rPr lang="es-ES" dirty="0" err="1" smtClean="0"/>
-              <a:t>learning</a:t>
-            </a:r>
-            <a:r>
-              <a:rPr lang="es-ES" dirty="0" smtClean="0"/>
-              <a:t> </a:t>
-            </a:r>
-            <a:r>
-              <a:rPr lang="es-ES" dirty="0" err="1" smtClean="0"/>
-              <a:t>the</a:t>
-            </a:r>
-            <a:r>
-              <a:rPr lang="es-ES" dirty="0" smtClean="0"/>
-              <a:t> </a:t>
-            </a:r>
-            <a:r>
-              <a:rPr lang="es-ES" dirty="0" err="1" smtClean="0"/>
-              <a:t>same</a:t>
-            </a:r>
-            <a:r>
-              <a:rPr lang="es-ES" dirty="0" smtClean="0"/>
-              <a:t> </a:t>
-            </a:r>
-            <a:r>
-              <a:rPr lang="es-ES" dirty="0" err="1" smtClean="0"/>
-              <a:t>way</a:t>
-            </a:r>
-            <a:r>
-              <a:rPr lang="es-ES" dirty="0" smtClean="0"/>
-              <a:t>?</a:t>
-            </a:r>
-            <a:endParaRPr lang="es-ES" dirty="0"/>
+              <a:rPr lang="en-US" sz="2800" dirty="0" err="1"/>
+              <a:t>gimli</a:t>
+            </a:r>
+            <a:r>
+              <a:rPr lang="en-US" sz="2800" dirty="0"/>
+              <a:t> very </a:t>
+            </a:r>
+            <a:r>
+              <a:rPr lang="en-US" sz="2800" dirty="0" err="1"/>
+              <a:t>gandalf</a:t>
+            </a:r>
+            <a:r>
+              <a:rPr lang="en-US" sz="2800" dirty="0"/>
+              <a:t>..</a:t>
+            </a:r>
+          </a:p>
+          <a:p>
+            <a:pPr>
+              <a:buNone/>
+            </a:pPr>
+            <a:endParaRPr lang="en-US" sz="2400" dirty="0"/>
+          </a:p>
+          <a:p>
+            <a:pPr>
+              <a:buNone/>
+            </a:pPr>
+            <a:r>
+              <a:rPr lang="en-US" sz="2800" u="sng" dirty="0"/>
+              <a:t>Letters:</a:t>
+            </a:r>
+            <a:r>
+              <a:rPr lang="en-US" sz="2800" dirty="0"/>
+              <a:t> ..'Yes, we'll go soon,' said Frodo, as he </a:t>
+            </a:r>
+            <a:r>
+              <a:rPr lang="en-US" sz="2800" dirty="0" err="1"/>
+              <a:t>draided</a:t>
+            </a:r>
+            <a:r>
+              <a:rPr lang="en-US" sz="2800" dirty="0"/>
+              <a:t> his long lists, all about the shadows of the grey trees, save for a fleeting man in </a:t>
+            </a:r>
+            <a:r>
+              <a:rPr lang="en-US" sz="2800" dirty="0" err="1"/>
+              <a:t>Hobbiton</a:t>
+            </a:r>
+            <a:r>
+              <a:rPr lang="en-US" sz="2800" dirty="0"/>
+              <a:t> and King </a:t>
+            </a:r>
+            <a:r>
+              <a:rPr lang="en-US" sz="2800" dirty="0" err="1"/>
+              <a:t>Elendil</a:t>
+            </a:r>
+            <a:r>
+              <a:rPr lang="en-US" sz="2800" dirty="0"/>
+              <a:t> are west of the Shire, and the rest may break out for them in the northern </a:t>
+            </a:r>
+            <a:r>
+              <a:rPr lang="en-US" sz="2800" dirty="0" err="1"/>
+              <a:t>arcover</a:t>
+            </a:r>
+            <a:r>
+              <a:rPr lang="en-US" sz="2800" dirty="0"/>
+              <a:t>.. </a:t>
+            </a:r>
+            <a:endParaRPr lang="de-DE" sz="2800" dirty="0"/>
           </a:p>
         </p:txBody>
       </p:sp>
     </p:spTree>
-    <p:extLst>
-      <p:ext uri="{BB962C8B-B14F-4D97-AF65-F5344CB8AC3E}">
-        <p14:creationId xmlns:p14="http://schemas.microsoft.com/office/powerpoint/2010/main" xmlns="" val="1447786940"/>
-      </p:ext>
-    </p:extLst>
   </p:cSld>
   <p:clrMapOvr>
     <a:masterClrMapping/>
@@ -9381,7 +9699,7 @@
       </p:grpSpPr>
       <p:sp>
         <p:nvSpPr>
-          <p:cNvPr id="2" name="Title 1"/>
+          <p:cNvPr id="2" name="Título 1"/>
           <p:cNvSpPr>
             <a:spLocks noGrp="1"/>
           </p:cNvSpPr>
@@ -9395,24 +9713,16 @@
           <a:lstStyle/>
           <a:p>
             <a:r>
-              <a:rPr lang="de-DE" dirty="0" err="1" smtClean="0"/>
-              <a:t>Prospect</a:t>
-            </a:r>
-            <a:r>
-              <a:rPr lang="de-DE" dirty="0" smtClean="0"/>
-              <a:t>/</a:t>
-            </a:r>
-            <a:r>
-              <a:rPr lang="de-DE" dirty="0" err="1" smtClean="0"/>
-              <a:t>Perspective</a:t>
-            </a:r>
-            <a:endParaRPr lang="de-DE" dirty="0"/>
+              <a:rPr lang="es-ES" dirty="0" err="1"/>
+              <a:t>Conclusion</a:t>
+            </a:r>
+            <a:endParaRPr lang="es-ES" dirty="0"/>
           </a:p>
         </p:txBody>
       </p:sp>
       <p:sp>
         <p:nvSpPr>
-          <p:cNvPr id="3" name="Content Placeholder 2"/>
+          <p:cNvPr id="3" name="Marcador de contenido 2"/>
           <p:cNvSpPr>
             <a:spLocks noGrp="1"/>
           </p:cNvSpPr>
@@ -9426,25 +9736,310 @@
           <a:lstStyle/>
           <a:p>
             <a:r>
-              <a:rPr lang="de-DE" dirty="0" smtClean="0"/>
-              <a:t>Using word2vec to keep word contexts</a:t>
-            </a:r>
-          </a:p>
-          <a:p>
-            <a:r>
-              <a:rPr lang="de-DE" dirty="0" smtClean="0"/>
-              <a:t>Compare LSTM w/ GRU</a:t>
-            </a:r>
-          </a:p>
-          <a:p>
-            <a:endParaRPr lang="de-DE" dirty="0" smtClean="0"/>
-          </a:p>
-          <a:p>
-            <a:endParaRPr lang="de-DE" dirty="0"/>
+              <a:rPr lang="es-ES" dirty="0" err="1"/>
+              <a:t>We</a:t>
+            </a:r>
+            <a:r>
+              <a:rPr lang="es-ES" dirty="0"/>
+              <a:t> </a:t>
+            </a:r>
+            <a:r>
+              <a:rPr lang="es-ES" dirty="0" err="1"/>
+              <a:t>could</a:t>
+            </a:r>
+            <a:r>
+              <a:rPr lang="es-ES" dirty="0"/>
+              <a:t> </a:t>
+            </a:r>
+            <a:r>
+              <a:rPr lang="es-ES" dirty="0" err="1"/>
+              <a:t>clearly</a:t>
+            </a:r>
+            <a:r>
+              <a:rPr lang="es-ES" dirty="0"/>
+              <a:t> </a:t>
+            </a:r>
+            <a:r>
+              <a:rPr lang="es-ES" dirty="0" err="1"/>
+              <a:t>see</a:t>
+            </a:r>
+            <a:r>
+              <a:rPr lang="es-ES" dirty="0"/>
+              <a:t> </a:t>
+            </a:r>
+            <a:r>
+              <a:rPr lang="es-ES" dirty="0" err="1"/>
+              <a:t>how</a:t>
+            </a:r>
+            <a:r>
+              <a:rPr lang="es-ES" dirty="0"/>
+              <a:t> </a:t>
+            </a:r>
+            <a:r>
+              <a:rPr lang="es-ES" dirty="0" err="1"/>
+              <a:t>the</a:t>
+            </a:r>
+            <a:r>
+              <a:rPr lang="es-ES" dirty="0"/>
+              <a:t> machines </a:t>
+            </a:r>
+            <a:r>
+              <a:rPr lang="es-ES" dirty="0" err="1"/>
+              <a:t>learn</a:t>
+            </a:r>
+            <a:r>
+              <a:rPr lang="es-ES" dirty="0"/>
+              <a:t> and </a:t>
+            </a:r>
+            <a:r>
+              <a:rPr lang="es-ES" dirty="0" err="1"/>
+              <a:t>understand</a:t>
+            </a:r>
+            <a:r>
+              <a:rPr lang="es-ES" dirty="0"/>
+              <a:t> </a:t>
+            </a:r>
+            <a:r>
+              <a:rPr lang="es-ES" dirty="0" err="1"/>
+              <a:t>the</a:t>
+            </a:r>
+            <a:r>
+              <a:rPr lang="es-ES" dirty="0"/>
+              <a:t> </a:t>
+            </a:r>
+            <a:r>
+              <a:rPr lang="es-ES" dirty="0" err="1"/>
+              <a:t>structure</a:t>
+            </a:r>
+            <a:r>
+              <a:rPr lang="es-ES" dirty="0"/>
+              <a:t> of </a:t>
+            </a:r>
+            <a:r>
+              <a:rPr lang="es-ES" dirty="0" err="1"/>
+              <a:t>language</a:t>
+            </a:r>
+            <a:endParaRPr lang="es-ES" dirty="0"/>
+          </a:p>
+          <a:p>
+            <a:r>
+              <a:rPr lang="es-ES" dirty="0" err="1"/>
+              <a:t>Encoding</a:t>
+            </a:r>
+            <a:r>
+              <a:rPr lang="es-ES" dirty="0"/>
+              <a:t> </a:t>
+            </a:r>
+            <a:r>
+              <a:rPr lang="es-ES" dirty="0" err="1"/>
+              <a:t>words</a:t>
+            </a:r>
+            <a:r>
+              <a:rPr lang="es-ES" dirty="0"/>
+              <a:t> as simple </a:t>
+            </a:r>
+            <a:r>
+              <a:rPr lang="es-ES" dirty="0" err="1"/>
+              <a:t>integers</a:t>
+            </a:r>
+            <a:r>
+              <a:rPr lang="es-ES" dirty="0"/>
+              <a:t> </a:t>
+            </a:r>
+            <a:r>
+              <a:rPr lang="es-ES" dirty="0" err="1"/>
+              <a:t>seems</a:t>
+            </a:r>
+            <a:r>
+              <a:rPr lang="es-ES" dirty="0"/>
+              <a:t> to </a:t>
+            </a:r>
+            <a:r>
+              <a:rPr lang="es-ES" dirty="0" err="1"/>
+              <a:t>stripe</a:t>
+            </a:r>
+            <a:r>
+              <a:rPr lang="es-ES" dirty="0"/>
+              <a:t> </a:t>
+            </a:r>
+            <a:r>
+              <a:rPr lang="es-ES" dirty="0" err="1"/>
+              <a:t>them</a:t>
+            </a:r>
+            <a:r>
+              <a:rPr lang="es-ES" dirty="0"/>
+              <a:t> </a:t>
+            </a:r>
+            <a:r>
+              <a:rPr lang="es-ES" dirty="0" err="1"/>
+              <a:t>from</a:t>
+            </a:r>
+            <a:r>
+              <a:rPr lang="es-ES" dirty="0"/>
+              <a:t> </a:t>
+            </a:r>
+            <a:r>
+              <a:rPr lang="es-ES" dirty="0" err="1"/>
+              <a:t>inner</a:t>
+            </a:r>
+            <a:r>
+              <a:rPr lang="es-ES" dirty="0"/>
+              <a:t> </a:t>
+            </a:r>
+            <a:r>
+              <a:rPr lang="es-ES" dirty="0" err="1"/>
+              <a:t>context</a:t>
+            </a:r>
+            <a:endParaRPr lang="es-ES" dirty="0"/>
+          </a:p>
+          <a:p>
+            <a:r>
+              <a:rPr lang="es-ES" dirty="0" err="1"/>
+              <a:t>Does</a:t>
+            </a:r>
+            <a:r>
+              <a:rPr lang="es-ES" dirty="0"/>
+              <a:t> </a:t>
+            </a:r>
+            <a:r>
+              <a:rPr lang="es-ES" dirty="0" err="1"/>
+              <a:t>maybe</a:t>
+            </a:r>
+            <a:r>
+              <a:rPr lang="es-ES" dirty="0"/>
+              <a:t> </a:t>
+            </a:r>
+            <a:r>
+              <a:rPr lang="es-ES" dirty="0" err="1"/>
+              <a:t>mo</a:t>
+            </a:r>
+            <a:r>
+              <a:rPr lang="es-ES" u="sng" dirty="0" err="1"/>
+              <a:t>ther</a:t>
+            </a:r>
+            <a:r>
+              <a:rPr lang="es-ES" dirty="0"/>
+              <a:t>, </a:t>
+            </a:r>
+            <a:r>
+              <a:rPr lang="es-ES" dirty="0" err="1"/>
+              <a:t>fa</a:t>
+            </a:r>
+            <a:r>
+              <a:rPr lang="es-ES" u="sng" dirty="0" err="1"/>
+              <a:t>ther</a:t>
+            </a:r>
+            <a:r>
+              <a:rPr lang="es-ES" dirty="0"/>
+              <a:t>, </a:t>
+            </a:r>
+            <a:r>
+              <a:rPr lang="es-ES" dirty="0" err="1"/>
+              <a:t>bro</a:t>
+            </a:r>
+            <a:r>
+              <a:rPr lang="es-ES" u="sng" dirty="0" err="1"/>
+              <a:t>ther</a:t>
+            </a:r>
+            <a:r>
+              <a:rPr lang="es-ES" dirty="0"/>
+              <a:t> </a:t>
+            </a:r>
+            <a:r>
+              <a:rPr lang="es-ES" dirty="0" err="1"/>
+              <a:t>have</a:t>
+            </a:r>
+            <a:r>
+              <a:rPr lang="es-ES" dirty="0"/>
+              <a:t> </a:t>
+            </a:r>
+            <a:r>
+              <a:rPr lang="es-ES" dirty="0" err="1"/>
+              <a:t>inner</a:t>
+            </a:r>
+            <a:r>
+              <a:rPr lang="es-ES" dirty="0"/>
+              <a:t> </a:t>
+            </a:r>
+            <a:r>
+              <a:rPr lang="es-ES" dirty="0" err="1"/>
+              <a:t>structure</a:t>
+            </a:r>
+            <a:r>
+              <a:rPr lang="es-ES" dirty="0"/>
+              <a:t> </a:t>
+            </a:r>
+            <a:r>
+              <a:rPr lang="es-ES" dirty="0" err="1"/>
+              <a:t>the</a:t>
+            </a:r>
+            <a:r>
+              <a:rPr lang="es-ES" dirty="0"/>
+              <a:t> machine </a:t>
+            </a:r>
+            <a:r>
+              <a:rPr lang="es-ES" dirty="0" err="1"/>
+              <a:t>understands</a:t>
+            </a:r>
+            <a:r>
+              <a:rPr lang="es-ES" dirty="0"/>
+              <a:t>?</a:t>
+            </a:r>
+          </a:p>
+          <a:p>
+            <a:r>
+              <a:rPr lang="es-ES" dirty="0"/>
+              <a:t>Are </a:t>
+            </a:r>
+            <a:r>
+              <a:rPr lang="es-ES" dirty="0" err="1"/>
+              <a:t>children</a:t>
+            </a:r>
+            <a:r>
+              <a:rPr lang="es-ES" dirty="0"/>
+              <a:t> </a:t>
+            </a:r>
+            <a:r>
+              <a:rPr lang="es-ES" dirty="0" err="1"/>
+              <a:t>learning</a:t>
+            </a:r>
+            <a:r>
+              <a:rPr lang="es-ES" dirty="0"/>
+              <a:t> </a:t>
+            </a:r>
+            <a:r>
+              <a:rPr lang="es-ES" dirty="0" err="1"/>
+              <a:t>the</a:t>
+            </a:r>
+            <a:r>
+              <a:rPr lang="es-ES" dirty="0"/>
+              <a:t> </a:t>
+            </a:r>
+            <a:r>
+              <a:rPr lang="es-ES" dirty="0" err="1"/>
+              <a:t>same</a:t>
+            </a:r>
+            <a:r>
+              <a:rPr lang="es-ES" dirty="0"/>
+              <a:t> </a:t>
+            </a:r>
+            <a:r>
+              <a:rPr lang="es-ES" dirty="0" err="1"/>
+              <a:t>way</a:t>
+            </a:r>
+            <a:r>
+              <a:rPr lang="es-ES" dirty="0"/>
+              <a:t>?</a:t>
+            </a:r>
           </a:p>
         </p:txBody>
       </p:sp>
     </p:spTree>
+    <p:extLst>
+      <p:ext uri="{BB962C8B-B14F-4D97-AF65-F5344CB8AC3E}">
+        <p14:creationId xmlns:p14="http://schemas.microsoft.com/office/powerpoint/2010/main" val="1447786940"/>
+      </p:ext>
+    </p:extLst>
   </p:cSld>
   <p:clrMapOvr>
     <a:masterClrMapping/>
@@ -9485,8 +10080,16 @@
           <a:lstStyle/>
           <a:p>
             <a:r>
-              <a:rPr lang="de-DE" dirty="0" err="1" smtClean="0"/>
-              <a:t>Sources</a:t>
+              <a:rPr lang="de-DE" dirty="0" err="1"/>
+              <a:t>Prospect</a:t>
+            </a:r>
+            <a:r>
+              <a:rPr lang="de-DE" dirty="0"/>
+              <a:t>/</a:t>
+            </a:r>
+            <a:r>
+              <a:rPr lang="de-DE" dirty="0" err="1"/>
+              <a:t>Perspective</a:t>
             </a:r>
             <a:endParaRPr lang="de-DE" dirty="0"/>
           </a:p>
@@ -9504,6 +10107,88 @@
         </p:nvSpPr>
         <p:spPr/>
         <p:txBody>
+          <a:bodyPr/>
+          <a:lstStyle/>
+          <a:p>
+            <a:r>
+              <a:rPr lang="de-DE" dirty="0"/>
+              <a:t>Using word2vec to keep word contexts</a:t>
+            </a:r>
+          </a:p>
+          <a:p>
+            <a:r>
+              <a:rPr lang="de-DE" dirty="0"/>
+              <a:t>Compare LSTM w/ GRU</a:t>
+            </a:r>
+          </a:p>
+          <a:p>
+            <a:endParaRPr lang="de-DE" dirty="0"/>
+          </a:p>
+          <a:p>
+            <a:endParaRPr lang="de-DE" dirty="0"/>
+          </a:p>
+        </p:txBody>
+      </p:sp>
+    </p:spTree>
+  </p:cSld>
+  <p:clrMapOvr>
+    <a:masterClrMapping/>
+  </p:clrMapOvr>
+</p:sld>
+</file>
+
+<file path=ppt/slides/slide17.xml><?xml version="1.0" encoding="utf-8"?>
+<p:sld xmlns:a="http://schemas.openxmlformats.org/drawingml/2006/main" xmlns:r="http://schemas.openxmlformats.org/officeDocument/2006/relationships" xmlns:p="http://schemas.openxmlformats.org/presentationml/2006/main">
+  <p:cSld>
+    <p:spTree>
+      <p:nvGrpSpPr>
+        <p:cNvPr id="1" name=""/>
+        <p:cNvGrpSpPr/>
+        <p:nvPr/>
+      </p:nvGrpSpPr>
+      <p:grpSpPr>
+        <a:xfrm>
+          <a:off x="0" y="0"/>
+          <a:ext cx="0" cy="0"/>
+          <a:chOff x="0" y="0"/>
+          <a:chExt cx="0" cy="0"/>
+        </a:xfrm>
+      </p:grpSpPr>
+      <p:sp>
+        <p:nvSpPr>
+          <p:cNvPr id="2" name="Title 1"/>
+          <p:cNvSpPr>
+            <a:spLocks noGrp="1"/>
+          </p:cNvSpPr>
+          <p:nvPr>
+            <p:ph type="title"/>
+          </p:nvPr>
+        </p:nvSpPr>
+        <p:spPr/>
+        <p:txBody>
+          <a:bodyPr/>
+          <a:lstStyle/>
+          <a:p>
+            <a:r>
+              <a:rPr lang="de-DE" dirty="0" err="1"/>
+              <a:t>Sources</a:t>
+            </a:r>
+            <a:endParaRPr lang="de-DE" dirty="0"/>
+          </a:p>
+        </p:txBody>
+      </p:sp>
+      <p:sp>
+        <p:nvSpPr>
+          <p:cNvPr id="3" name="Content Placeholder 2"/>
+          <p:cNvSpPr>
+            <a:spLocks noGrp="1"/>
+          </p:cNvSpPr>
+          <p:nvPr>
+            <p:ph idx="1"/>
+          </p:nvPr>
+        </p:nvSpPr>
+        <p:spPr/>
+        <p:txBody>
           <a:bodyPr>
             <a:normAutofit/>
           </a:bodyPr>
@@ -9513,16 +10198,10 @@
               <a:rPr lang="de-DE" sz="2000" dirty="0">
                 <a:hlinkClick r:id="rId2"/>
               </a:rPr>
-              <a:t>https://</a:t>
-            </a:r>
-            <a:r>
-              <a:rPr lang="de-DE" sz="2000" dirty="0" smtClean="0">
-                <a:hlinkClick r:id="rId2"/>
-              </a:rPr>
-              <a:t>chunml.github.io/ChunML.github.io/project/Creating-Text-Generator-Using-Recurrent-Neural-Network</a:t>
-            </a:r>
-            <a:r>
-              <a:rPr lang="de-DE" sz="2000" dirty="0" smtClean="0"/>
+              <a:t>https://chunml.github.io/ChunML.github.io/project/Creating-Text-Generator-Using-Recurrent-Neural-Network</a:t>
+            </a:r>
+            <a:r>
+              <a:rPr lang="de-DE" sz="2000" dirty="0"/>
               <a:t> : tutorial</a:t>
             </a:r>
           </a:p>
@@ -9531,25 +10210,11 @@
               <a:rPr lang="en-US" sz="2000" dirty="0">
                 <a:hlinkClick r:id="rId3"/>
               </a:rPr>
-              <a:t>http://</a:t>
-            </a:r>
-            <a:r>
-              <a:rPr lang="en-US" sz="2000" dirty="0" smtClean="0">
-                <a:hlinkClick r:id="rId3"/>
-              </a:rPr>
-              <a:t>papers.nips.cc/paper/5166-training-and-analysing-deep-recurrent-neural-networks.pdf</a:t>
-            </a:r>
-            <a:r>
-              <a:rPr lang="en-US" sz="2000" dirty="0" smtClean="0"/>
-              <a:t> : </a:t>
+              <a:t>http://papers.nips.cc/paper/5166-training-and-analysing-deep-recurrent-neural-networks.pdf</a:t>
             </a:r>
             <a:r>
               <a:rPr lang="en-US" sz="2000" dirty="0"/>
-              <a:t>DLSTM proposition(3layer</a:t>
-            </a:r>
-            <a:r>
-              <a:rPr lang="en-US" sz="2000" dirty="0" smtClean="0"/>
-              <a:t>)</a:t>
+              <a:t> : DLSTM proposition(3layer)</a:t>
             </a:r>
           </a:p>
           <a:p>
@@ -9557,29 +10222,15 @@
               <a:rPr lang="de-DE" sz="2000" dirty="0">
                 <a:hlinkClick r:id="rId4"/>
               </a:rPr>
-              <a:t>https://diplernin.github.io</a:t>
-            </a:r>
-            <a:r>
-              <a:rPr lang="de-DE" sz="2000" dirty="0" smtClean="0">
-                <a:hlinkClick r:id="rId4"/>
-              </a:rPr>
-              <a:t>/</a:t>
-            </a:r>
-            <a:r>
-              <a:rPr lang="de-DE" sz="2000" dirty="0" smtClean="0"/>
-              <a:t> : </a:t>
-            </a:r>
-            <a:r>
-              <a:rPr lang="de-DE" sz="2000" dirty="0" smtClean="0"/>
-              <a:t>Inspiration : </a:t>
-            </a:r>
-            <a:r>
-              <a:rPr lang="es-ES" sz="2000" dirty="0" smtClean="0"/>
-              <a:t>DLSL </a:t>
-            </a:r>
-            <a:r>
-              <a:rPr lang="es-ES" sz="2000" dirty="0" smtClean="0"/>
-              <a:t>group last year</a:t>
+              <a:t>https://diplernin.github.io/</a:t>
+            </a:r>
+            <a:r>
+              <a:rPr lang="de-DE" sz="2000" dirty="0"/>
+              <a:t> : Inspiration : </a:t>
+            </a:r>
+            <a:r>
+              <a:rPr lang="es-ES" sz="2000" dirty="0"/>
+              <a:t>DLSL group last year</a:t>
             </a:r>
             <a:endParaRPr lang="de-DE" sz="2000" dirty="0"/>
           </a:p>
@@ -9626,10 +10277,9 @@
           <a:lstStyle/>
           <a:p>
             <a:r>
-              <a:rPr lang="de-DE" dirty="0" smtClean="0"/>
+              <a:rPr lang="de-DE" dirty="0"/>
               <a:t>Intro</a:t>
             </a:r>
-            <a:endParaRPr lang="de-DE" dirty="0"/>
           </a:p>
         </p:txBody>
       </p:sp>
@@ -9649,106 +10299,105 @@
           <a:lstStyle/>
           <a:p>
             <a:r>
-              <a:rPr lang="de-DE" dirty="0" err="1" smtClean="0"/>
+              <a:rPr lang="de-DE" dirty="0" err="1"/>
               <a:t>Machine</a:t>
             </a:r>
             <a:r>
-              <a:rPr lang="de-DE" dirty="0" smtClean="0"/>
+              <a:rPr lang="de-DE" dirty="0"/>
               <a:t> Learning – but </a:t>
             </a:r>
             <a:r>
-              <a:rPr lang="de-DE" dirty="0" err="1" smtClean="0"/>
+              <a:rPr lang="de-DE" dirty="0" err="1"/>
               <a:t>how</a:t>
             </a:r>
             <a:r>
-              <a:rPr lang="de-DE" dirty="0" smtClean="0"/>
+              <a:rPr lang="de-DE" dirty="0"/>
               <a:t> do </a:t>
             </a:r>
             <a:r>
-              <a:rPr lang="de-DE" dirty="0" err="1" smtClean="0"/>
+              <a:rPr lang="de-DE" dirty="0" err="1"/>
               <a:t>they</a:t>
             </a:r>
             <a:r>
-              <a:rPr lang="de-DE" dirty="0" smtClean="0"/>
+              <a:rPr lang="de-DE" dirty="0"/>
               <a:t> </a:t>
             </a:r>
             <a:r>
-              <a:rPr lang="de-DE" dirty="0" err="1" smtClean="0"/>
+              <a:rPr lang="de-DE" dirty="0" err="1"/>
               <a:t>actually</a:t>
             </a:r>
             <a:r>
-              <a:rPr lang="de-DE" dirty="0" smtClean="0"/>
+              <a:rPr lang="de-DE" dirty="0"/>
               <a:t> </a:t>
             </a:r>
             <a:r>
-              <a:rPr lang="de-DE" dirty="0" err="1" smtClean="0"/>
+              <a:rPr lang="de-DE" dirty="0" err="1"/>
               <a:t>think</a:t>
             </a:r>
             <a:r>
-              <a:rPr lang="de-DE" dirty="0" smtClean="0"/>
+              <a:rPr lang="de-DE" dirty="0"/>
               <a:t>?</a:t>
             </a:r>
           </a:p>
           <a:p>
             <a:r>
-              <a:rPr lang="de-DE" dirty="0" smtClean="0"/>
+              <a:rPr lang="de-DE" dirty="0"/>
               <a:t>Creative </a:t>
             </a:r>
             <a:r>
-              <a:rPr lang="de-DE" dirty="0" err="1" smtClean="0"/>
+              <a:rPr lang="de-DE" dirty="0" err="1"/>
               <a:t>text</a:t>
             </a:r>
             <a:r>
-              <a:rPr lang="de-DE" dirty="0" smtClean="0"/>
+              <a:rPr lang="de-DE" dirty="0"/>
               <a:t> </a:t>
             </a:r>
             <a:r>
-              <a:rPr lang="de-DE" dirty="0" err="1" smtClean="0"/>
+              <a:rPr lang="de-DE" dirty="0" err="1"/>
               <a:t>is</a:t>
             </a:r>
             <a:r>
-              <a:rPr lang="de-DE" dirty="0" smtClean="0"/>
+              <a:rPr lang="de-DE" dirty="0"/>
               <a:t> </a:t>
             </a:r>
             <a:r>
-              <a:rPr lang="de-DE" dirty="0" err="1" smtClean="0"/>
+              <a:rPr lang="de-DE" dirty="0" err="1"/>
               <a:t>reflecting</a:t>
             </a:r>
             <a:r>
-              <a:rPr lang="de-DE" dirty="0" smtClean="0"/>
+              <a:rPr lang="de-DE" dirty="0"/>
               <a:t> </a:t>
             </a:r>
             <a:r>
-              <a:rPr lang="de-DE" dirty="0" err="1" smtClean="0"/>
+              <a:rPr lang="de-DE" dirty="0" err="1"/>
               <a:t>the</a:t>
             </a:r>
             <a:r>
-              <a:rPr lang="de-DE" dirty="0" smtClean="0"/>
+              <a:rPr lang="de-DE" dirty="0"/>
               <a:t> </a:t>
             </a:r>
             <a:r>
-              <a:rPr lang="de-DE" dirty="0" err="1" smtClean="0"/>
+              <a:rPr lang="de-DE" dirty="0" err="1"/>
               <a:t>thinking</a:t>
             </a:r>
             <a:r>
-              <a:rPr lang="de-DE" dirty="0" smtClean="0"/>
+              <a:rPr lang="de-DE" dirty="0"/>
               <a:t> </a:t>
             </a:r>
             <a:r>
-              <a:rPr lang="de-DE" dirty="0" err="1" smtClean="0"/>
+              <a:rPr lang="de-DE" dirty="0" err="1"/>
               <a:t>patterns</a:t>
             </a:r>
-            <a:endParaRPr lang="de-DE" dirty="0" smtClean="0"/>
-          </a:p>
-          <a:p>
-            <a:endParaRPr lang="de-DE" dirty="0" smtClean="0"/>
-          </a:p>
-          <a:p>
-            <a:r>
-              <a:rPr lang="de-DE" dirty="0" smtClean="0"/>
+            <a:endParaRPr lang="de-DE" dirty="0"/>
+          </a:p>
+          <a:p>
+            <a:endParaRPr lang="de-DE" dirty="0"/>
+          </a:p>
+          <a:p>
+            <a:r>
+              <a:rPr lang="de-DE" dirty="0"/>
               <a:t>Personal main goal: Learning to implement Deep Learning</a:t>
             </a:r>
-            <a:endParaRPr lang="de-DE" dirty="0"/>
           </a:p>
         </p:txBody>
       </p:sp>
@@ -9793,10 +10442,9 @@
           <a:lstStyle/>
           <a:p>
             <a:r>
-              <a:rPr lang="de-DE" dirty="0" smtClean="0"/>
+              <a:rPr lang="de-DE" dirty="0"/>
               <a:t>Plan</a:t>
             </a:r>
-            <a:endParaRPr lang="de-DE" dirty="0"/>
           </a:p>
         </p:txBody>
       </p:sp>
@@ -10150,11 +10798,7 @@
             <a:pPr algn="r"/>
             <a:r>
               <a:rPr lang="de-DE" sz="2400" dirty="0" err="1"/>
-              <a:t>l</a:t>
-            </a:r>
-            <a:r>
-              <a:rPr lang="de-DE" sz="2400" dirty="0" err="1" smtClean="0"/>
-              <a:t>etter-by-letter</a:t>
+              <a:t>letter-by-letter</a:t>
             </a:r>
             <a:endParaRPr lang="de-DE" sz="2400" dirty="0"/>
           </a:p>
@@ -10184,7 +10828,7 @@
           <a:p>
             <a:pPr algn="ctr"/>
             <a:r>
-              <a:rPr lang="de-DE" sz="2400" dirty="0" err="1" smtClean="0"/>
+              <a:rPr lang="de-DE" sz="2400" dirty="0" err="1"/>
               <a:t>tutorial</a:t>
             </a:r>
             <a:endParaRPr lang="de-DE" sz="2400" dirty="0"/>
@@ -10215,11 +10859,7 @@
             <a:pPr algn="ctr"/>
             <a:r>
               <a:rPr lang="de-DE" sz="2400" dirty="0" err="1"/>
-              <a:t>w</a:t>
-            </a:r>
-            <a:r>
-              <a:rPr lang="de-DE" sz="2400" dirty="0" err="1" smtClean="0"/>
-              <a:t>ord-by-word</a:t>
+              <a:t>word-by-word</a:t>
             </a:r>
             <a:endParaRPr lang="de-DE" sz="2400" dirty="0"/>
           </a:p>
@@ -10247,10 +10887,9 @@
           <a:lstStyle/>
           <a:p>
             <a:r>
-              <a:rPr lang="de-DE" sz="2400" dirty="0" smtClean="0"/>
+              <a:rPr lang="de-DE" sz="2400" dirty="0"/>
               <a:t>word2vec</a:t>
             </a:r>
-            <a:endParaRPr lang="de-DE" sz="2400" dirty="0"/>
           </a:p>
         </p:txBody>
       </p:sp>
@@ -10336,7 +10975,7 @@
           <a:lstStyle/>
           <a:p>
             <a:r>
-              <a:rPr lang="de-DE" dirty="0" err="1" smtClean="0"/>
+              <a:rPr lang="de-DE" dirty="0" err="1"/>
               <a:t>Sources</a:t>
             </a:r>
             <a:endParaRPr lang="de-DE" dirty="0"/>
@@ -10359,96 +10998,79 @@
           <a:lstStyle/>
           <a:p>
             <a:r>
-              <a:rPr lang="en-US" dirty="0" smtClean="0"/>
-              <a:t>L. Tolstoy: War </a:t>
-            </a:r>
-            <a:r>
               <a:rPr lang="en-US" dirty="0"/>
-              <a:t>and </a:t>
-            </a:r>
-            <a:r>
-              <a:rPr lang="en-US" dirty="0" smtClean="0"/>
-              <a:t>Peace – multi language</a:t>
+              <a:t>L. Tolstoy: War and Peace – multi language</a:t>
             </a:r>
             <a:br>
-              <a:rPr lang="en-US" dirty="0" smtClean="0"/>
+              <a:rPr lang="en-US" dirty="0"/>
             </a:br>
-            <a:endParaRPr lang="en-US" dirty="0" smtClean="0"/>
-          </a:p>
-          <a:p>
-            <a:r>
-              <a:rPr lang="en-US" dirty="0" smtClean="0"/>
+            <a:endParaRPr lang="en-US" dirty="0"/>
+          </a:p>
+          <a:p>
+            <a:r>
+              <a:rPr lang="en-US" dirty="0"/>
               <a:t>Jeff </a:t>
             </a:r>
             <a:r>
-              <a:rPr lang="en-US" dirty="0" err="1" smtClean="0"/>
+              <a:rPr lang="en-US" dirty="0" err="1"/>
               <a:t>Inlo</a:t>
             </a:r>
             <a:r>
-              <a:rPr lang="en-US" dirty="0" smtClean="0"/>
+              <a:rPr lang="en-US" dirty="0"/>
               <a:t>: Delver Magic</a:t>
             </a:r>
             <a:br>
-              <a:rPr lang="en-US" dirty="0" smtClean="0"/>
+              <a:rPr lang="en-US" dirty="0"/>
             </a:br>
-            <a:endParaRPr lang="en-US" dirty="0" smtClean="0"/>
-          </a:p>
-          <a:p>
-            <a:r>
-              <a:rPr lang="cs-CZ" dirty="0" smtClean="0"/>
+            <a:endParaRPr lang="en-US" dirty="0"/>
+          </a:p>
+          <a:p>
+            <a:r>
+              <a:rPr lang="cs-CZ" dirty="0"/>
               <a:t>J.R.R. Tolkien</a:t>
             </a:r>
             <a:r>
-              <a:rPr lang="de-DE" dirty="0" smtClean="0"/>
+              <a:rPr lang="de-DE" dirty="0"/>
               <a:t>:</a:t>
             </a:r>
             <a:r>
-              <a:rPr lang="cs-CZ" dirty="0" smtClean="0"/>
+              <a:rPr lang="cs-CZ" dirty="0"/>
               <a:t> </a:t>
             </a:r>
             <a:r>
-              <a:rPr lang="en-US" dirty="0" smtClean="0"/>
-              <a:t>Lord </a:t>
-            </a:r>
-            <a:r>
               <a:rPr lang="en-US" dirty="0"/>
-              <a:t>of the </a:t>
-            </a:r>
-            <a:r>
-              <a:rPr lang="en-US" dirty="0" smtClean="0"/>
-              <a:t>Rings – big text body</a:t>
+              <a:t>Lord of the Rings – big text body</a:t>
             </a:r>
             <a:br>
-              <a:rPr lang="en-US" dirty="0" smtClean="0"/>
+              <a:rPr lang="en-US" dirty="0"/>
             </a:br>
-            <a:endParaRPr lang="en-US" dirty="0" smtClean="0"/>
-          </a:p>
-          <a:p>
-            <a:r>
-              <a:rPr lang="cs-CZ" dirty="0" smtClean="0"/>
+            <a:endParaRPr lang="en-US" dirty="0"/>
+          </a:p>
+          <a:p>
+            <a:r>
+              <a:rPr lang="cs-CZ" dirty="0"/>
               <a:t>Shakespeare</a:t>
             </a:r>
             <a:r>
-              <a:rPr lang="de-DE" dirty="0" smtClean="0"/>
+              <a:rPr lang="de-DE" dirty="0"/>
               <a:t> – </a:t>
             </a:r>
             <a:r>
-              <a:rPr lang="de-DE" dirty="0" err="1" smtClean="0"/>
+              <a:rPr lang="de-DE" dirty="0" err="1"/>
               <a:t>difficult</a:t>
             </a:r>
             <a:r>
-              <a:rPr lang="de-DE" dirty="0" smtClean="0"/>
+              <a:rPr lang="de-DE" dirty="0"/>
               <a:t> </a:t>
             </a:r>
             <a:r>
-              <a:rPr lang="de-DE" dirty="0" err="1" smtClean="0"/>
+              <a:rPr lang="de-DE" dirty="0" err="1"/>
               <a:t>theater</a:t>
             </a:r>
             <a:r>
-              <a:rPr lang="de-DE" dirty="0" smtClean="0"/>
+              <a:rPr lang="de-DE" dirty="0"/>
               <a:t> style</a:t>
             </a:r>
-            <a:endParaRPr lang="de-DE" dirty="0"/>
           </a:p>
         </p:txBody>
       </p:sp>
@@ -10493,30 +11115,29 @@
           <a:lstStyle/>
           <a:p>
             <a:r>
-              <a:rPr lang="de-DE" dirty="0" err="1" smtClean="0"/>
+              <a:rPr lang="de-DE" dirty="0" err="1"/>
               <a:t>From</a:t>
             </a:r>
             <a:r>
-              <a:rPr lang="de-DE" dirty="0" smtClean="0"/>
+              <a:rPr lang="de-DE" dirty="0"/>
               <a:t> </a:t>
             </a:r>
             <a:r>
-              <a:rPr lang="de-DE" dirty="0" err="1" smtClean="0"/>
+              <a:rPr lang="de-DE" dirty="0" err="1"/>
               <a:t>Dream</a:t>
             </a:r>
             <a:r>
-              <a:rPr lang="de-DE" dirty="0" smtClean="0"/>
+              <a:rPr lang="de-DE" dirty="0"/>
               <a:t> </a:t>
             </a:r>
             <a:r>
-              <a:rPr lang="de-DE" dirty="0" err="1" smtClean="0"/>
+              <a:rPr lang="de-DE" dirty="0" err="1"/>
               <a:t>to</a:t>
             </a:r>
             <a:r>
-              <a:rPr lang="de-DE" dirty="0" smtClean="0"/>
+              <a:rPr lang="de-DE" dirty="0"/>
               <a:t> Reality</a:t>
             </a:r>
-            <a:endParaRPr lang="de-DE" dirty="0"/>
           </a:p>
         </p:txBody>
       </p:sp>
@@ -10527,7 +11148,7 @@
           <p:nvPr>
             <p:extLst>
               <p:ext uri="{D42A27DB-BD31-4B8C-83A1-F6EECF244321}">
-                <p14:modId xmlns:p14="http://schemas.microsoft.com/office/powerpoint/2010/main" xmlns="" val="3508515376"/>
+                <p14:modId xmlns:p14="http://schemas.microsoft.com/office/powerpoint/2010/main" val="3508515376"/>
               </p:ext>
             </p:extLst>
           </p:nvPr>
@@ -10583,10 +11204,9 @@
           <a:lstStyle/>
           <a:p>
             <a:r>
-              <a:rPr lang="de-DE" dirty="0" smtClean="0"/>
+              <a:rPr lang="de-DE" dirty="0"/>
               <a:t>System Setup</a:t>
             </a:r>
-            <a:endParaRPr lang="de-DE" dirty="0"/>
           </a:p>
         </p:txBody>
       </p:sp>
@@ -10657,10 +11277,9 @@
           <a:lstStyle/>
           <a:p>
             <a:r>
-              <a:rPr lang="de-DE" dirty="0" smtClean="0"/>
+              <a:rPr lang="de-DE" dirty="0"/>
               <a:t>Model</a:t>
             </a:r>
-            <a:endParaRPr lang="de-DE" dirty="0"/>
           </a:p>
         </p:txBody>
       </p:sp>
@@ -10680,7 +11299,7 @@
           <a:lstStyle/>
           <a:p>
             <a:r>
-              <a:rPr lang="de-DE" dirty="0" smtClean="0"/>
+              <a:rPr lang="de-DE" dirty="0"/>
               <a:t>Standards for Text Generation: RNN, LSTM, GRU</a:t>
             </a:r>
           </a:p>
@@ -10693,7 +11312,7 @@
               <a:buChar char="•"/>
             </a:pPr>
             <a:r>
-              <a:rPr lang="en-US" spc="-1" dirty="0" smtClean="0">
+              <a:rPr lang="en-US" spc="-1" dirty="0">
                 <a:solidFill>
                   <a:srgbClr val="000000"/>
                 </a:solidFill>
@@ -10706,7 +11325,7 @@
               <a:t>RNN has too short memory (vanishing </a:t>
             </a:r>
             <a:r>
-              <a:rPr lang="en-US" spc="-1" dirty="0" err="1" smtClean="0">
+              <a:rPr lang="en-US" spc="-1" dirty="0" err="1">
                 <a:solidFill>
                   <a:srgbClr val="000000"/>
                 </a:solidFill>
@@ -10719,7 +11338,7 @@
               <a:t>Gradiant</a:t>
             </a:r>
             <a:r>
-              <a:rPr lang="en-US" spc="-1" dirty="0" smtClean="0">
+              <a:rPr lang="en-US" spc="-1" dirty="0">
                 <a:solidFill>
                   <a:srgbClr val="000000"/>
                 </a:solidFill>
@@ -10741,7 +11360,7 @@
               <a:buChar char="•"/>
             </a:pPr>
             <a:r>
-              <a:rPr lang="en-US" spc="-1" dirty="0" smtClean="0">
+              <a:rPr lang="en-US" spc="-1" dirty="0">
                 <a:solidFill>
                   <a:srgbClr val="000000"/>
                 </a:solidFill>
@@ -10753,7 +11372,7 @@
               </a:rPr>
               <a:t>Beginning with LSTM (tutorial)</a:t>
             </a:r>
-            <a:endParaRPr lang="en-US" sz="1800" spc="-1" dirty="0" smtClean="0">
+            <a:endParaRPr lang="en-US" sz="1800" spc="-1" dirty="0">
               <a:solidFill>
                 <a:srgbClr val="000000"/>
               </a:solidFill>
@@ -10778,7 +11397,7 @@
               <a:t>Next</a:t>
             </a:r>
             <a:r>
-              <a:rPr lang="en-US" spc="-1" dirty="0" smtClean="0">
+              <a:rPr lang="en-US" spc="-1" dirty="0">
                 <a:solidFill>
                   <a:srgbClr val="000000"/>
                 </a:solidFill>
@@ -10790,7 +11409,7 @@
               </a:rPr>
               <a:t> step: GRU</a:t>
             </a:r>
-            <a:endParaRPr lang="en-US" sz="1800" spc="-1" dirty="0" smtClean="0">
+            <a:endParaRPr lang="en-US" sz="1800" spc="-1" dirty="0">
               <a:solidFill>
                 <a:srgbClr val="000000"/>
               </a:solidFill>
@@ -11291,7 +11910,7 @@
           <a:lstStyle/>
           <a:p>
             <a:r>
-              <a:rPr lang="en-US" sz="1800" b="0" strike="noStrike" spc="-1">
+              <a:rPr lang="en-US" sz="1800" b="0" strike="noStrike" spc="-1" dirty="0">
                 <a:solidFill>
                   <a:srgbClr val="000000"/>
                 </a:solidFill>
@@ -11305,7 +11924,7 @@
               </a:rPr>
               <a:t>σ</a:t>
             </a:r>
-            <a:endParaRPr lang="en-US" sz="1800" b="0" strike="noStrike" spc="-1">
+            <a:endParaRPr lang="en-US" sz="1800" b="0" strike="noStrike" spc="-1" dirty="0">
               <a:solidFill>
                 <a:srgbClr val="000000"/>
               </a:solidFill>
@@ -11610,21 +12229,6 @@
               <a:t>2</a:t>
             </a:r>
             <a:r>
-              <a:rPr lang="en-US" sz="1800" b="0" strike="noStrike" spc="-1" dirty="0" smtClean="0">
-                <a:solidFill>
-                  <a:srgbClr val="000000"/>
-                </a:solidFill>
-                <a:uFill>
-                  <a:solidFill>
-                    <a:srgbClr val="FFFFFF"/>
-                  </a:solidFill>
-                </a:uFill>
-                <a:latin typeface="Arial"/>
-                <a:ea typeface="Arial"/>
-              </a:rPr>
-              <a:t> </a:t>
-            </a:r>
-            <a:r>
               <a:rPr lang="en-US" sz="1800" b="0" strike="noStrike" spc="-1" dirty="0">
                 <a:solidFill>
                   <a:srgbClr val="000000"/>
@@ -11637,7 +12241,7 @@
                 <a:latin typeface="Arial"/>
                 <a:ea typeface="Arial"/>
               </a:rPr>
-              <a:t>LSTM</a:t>
+              <a:t> LSTM</a:t>
             </a:r>
             <a:endParaRPr lang="en-US" sz="1800" b="0" strike="noStrike" spc="-1" dirty="0">
               <a:solidFill>
@@ -11875,7 +12479,7 @@
         </p:nvSpPr>
         <p:spPr>
           <a:xfrm>
-            <a:off x="1527416" y="2026640"/>
+            <a:off x="1619672" y="2026640"/>
             <a:ext cx="1371240" cy="345960"/>
           </a:xfrm>
           <a:prstGeom prst="rect">
@@ -11903,7 +12507,7 @@
           <a:lstStyle/>
           <a:p>
             <a:r>
-              <a:rPr lang="en-US" sz="1800" b="0" strike="noStrike" spc="-1">
+              <a:rPr lang="en-US" sz="1800" b="0" strike="noStrike" spc="-1" dirty="0">
                 <a:solidFill>
                   <a:srgbClr val="000000"/>
                 </a:solidFill>
@@ -11917,7 +12521,7 @@
               </a:rPr>
               <a:t>Output</a:t>
             </a:r>
-            <a:endParaRPr lang="en-US" sz="1800" b="0" strike="noStrike" spc="-1">
+            <a:endParaRPr lang="en-US" sz="1800" b="0" strike="noStrike" spc="-1" dirty="0">
               <a:solidFill>
                 <a:srgbClr val="000000"/>
               </a:solidFill>
@@ -12046,7 +12650,7 @@
                 <a:srgbClr val="000000"/>
               </a:buClr>
             </a:pPr>
-            <a:endParaRPr lang="en-US" sz="1800" b="0" strike="noStrike" spc="-1" dirty="0" smtClean="0">
+            <a:endParaRPr lang="en-US" sz="1800" b="0" strike="noStrike" spc="-1" dirty="0">
               <a:solidFill>
                 <a:srgbClr val="000000"/>
               </a:solidFill>
@@ -12067,7 +12671,7 @@
                 <a:srgbClr val="000000"/>
               </a:buClr>
             </a:pPr>
-            <a:endParaRPr lang="en-US" spc="-1" dirty="0" smtClean="0">
+            <a:endParaRPr lang="en-US" spc="-1" dirty="0">
               <a:solidFill>
                 <a:srgbClr val="000000"/>
               </a:solidFill>
@@ -12158,21 +12762,7 @@
                 </a:uFill>
                 <a:latin typeface="Calibri"/>
               </a:rPr>
-              <a:t>Dense Layer: Time </a:t>
-            </a:r>
-            <a:r>
-              <a:rPr lang="en-US" sz="3200" b="0" strike="noStrike" spc="-1" dirty="0" smtClean="0">
-                <a:solidFill>
-                  <a:srgbClr val="000000"/>
-                </a:solidFill>
-                <a:uFill>
-                  <a:solidFill>
-                    <a:srgbClr val="FFFFFF"/>
-                  </a:solidFill>
-                </a:uFill>
-                <a:latin typeface="Calibri"/>
-              </a:rPr>
-              <a:t>Distributed</a:t>
+              <a:t>Dense Layer: Time Distributed</a:t>
             </a:r>
             <a:endParaRPr lang="en-US" sz="1800" b="0" strike="noStrike" spc="-1" dirty="0">
               <a:solidFill>
@@ -12364,15 +12954,15 @@
           <a:lstStyle/>
           <a:p>
             <a:r>
-              <a:rPr lang="de-DE" dirty="0" err="1" smtClean="0"/>
+              <a:rPr lang="de-DE" dirty="0" err="1"/>
               <a:t>Results</a:t>
             </a:r>
             <a:r>
-              <a:rPr lang="de-DE" dirty="0" smtClean="0"/>
+              <a:rPr lang="de-DE" dirty="0"/>
               <a:t>: </a:t>
             </a:r>
             <a:r>
-              <a:rPr lang="de-DE" dirty="0" err="1" smtClean="0"/>
+              <a:rPr lang="de-DE" dirty="0" err="1"/>
               <a:t>Losses</a:t>
             </a:r>
             <a:endParaRPr lang="de-DE" dirty="0"/>
@@ -12384,7 +12974,7 @@
           <p:cNvPr id="3" name="Graf 2">
             <a:extLst>
               <a:ext uri="{FF2B5EF4-FFF2-40B4-BE49-F238E27FC236}">
-                <a16:creationId xmlns="" xmlns:xdr="http://schemas.openxmlformats.org/drawingml/2006/spreadsheetDrawing" xmlns:a16="http://schemas.microsoft.com/office/drawing/2014/main" xmlns:lc="http://schemas.openxmlformats.org/drawingml/2006/lockedCanvas" id="{CDB21DFF-BCCE-4E7F-8F41-430D329EABEB}"/>
+                <a16:creationId xmlns:a16="http://schemas.microsoft.com/office/drawing/2014/main" id="{CDB21DFF-BCCE-4E7F-8F41-430D329EABEB}"/>
               </a:ext>
             </a:extLst>
           </p:cNvPr>
@@ -12947,7 +13537,7 @@
   <a:extraClrSchemeLst/>
   <a:extLst>
     <a:ext uri="{05A4C25C-085E-4340-85A3-A5531E510DB2}">
-      <thm15:themeFamily xmlns:thm15="http://schemas.microsoft.com/office/thememl/2012/main" xmlns="" name="Office Theme" id="{62F939B6-93AF-4DB8-9C6B-D6C7DFDC589F}" vid="{4A3C46E8-61CC-4603-A589-7422A47A8E4A}"/>
+      <thm15:themeFamily xmlns:thm15="http://schemas.microsoft.com/office/thememl/2012/main" name="Office Theme" id="{62F939B6-93AF-4DB8-9C6B-D6C7DFDC589F}" vid="{4A3C46E8-61CC-4603-A589-7422A47A8E4A}"/>
     </a:ext>
   </a:extLst>
 </a:theme>
